--- a/presentation/Workshop_12_2_18.pptx
+++ b/presentation/Workshop_12_2_18.pptx
@@ -2,7 +2,7 @@
 <file path=ppt/presentation.xml><?xml version="1.0" encoding="utf-8"?>
 <p:presentation xmlns:a="http://schemas.openxmlformats.org/drawingml/2006/main" xmlns:r="http://schemas.openxmlformats.org/officeDocument/2006/relationships" xmlns:p="http://schemas.openxmlformats.org/presentationml/2006/main" saveSubsetFonts="1" autoCompressPictures="0">
   <p:sldMasterIdLst>
-    <p:sldMasterId id="2147483648" r:id="rId1"/>
+    <p:sldMasterId id="2147483660" r:id="rId1"/>
   </p:sldMasterIdLst>
   <p:sldIdLst>
     <p:sldId id="256" r:id="rId2"/>
@@ -13,6 +13,7 @@
     <p:sldId id="261" r:id="rId7"/>
     <p:sldId id="262" r:id="rId8"/>
     <p:sldId id="263" r:id="rId9"/>
+    <p:sldId id="264" r:id="rId10"/>
   </p:sldIdLst>
   <p:sldSz cx="12192000" cy="6858000"/>
   <p:notesSz cx="6858000" cy="9144000"/>
@@ -20,7 +21,7 @@
     <a:defPPr>
       <a:defRPr lang="en-US"/>
     </a:defPPr>
-    <a:lvl1pPr marL="0" algn="l" defTabSz="914400" rtl="0" eaLnBrk="1" latinLnBrk="0" hangingPunct="1">
+    <a:lvl1pPr marL="0" algn="l" defTabSz="457200" rtl="0" eaLnBrk="1" latinLnBrk="0" hangingPunct="1">
       <a:defRPr sz="1800" kern="1200">
         <a:solidFill>
           <a:schemeClr val="tx1"/>
@@ -30,7 +31,7 @@
         <a:cs typeface="+mn-cs"/>
       </a:defRPr>
     </a:lvl1pPr>
-    <a:lvl2pPr marL="457200" algn="l" defTabSz="914400" rtl="0" eaLnBrk="1" latinLnBrk="0" hangingPunct="1">
+    <a:lvl2pPr marL="457200" algn="l" defTabSz="457200" rtl="0" eaLnBrk="1" latinLnBrk="0" hangingPunct="1">
       <a:defRPr sz="1800" kern="1200">
         <a:solidFill>
           <a:schemeClr val="tx1"/>
@@ -40,7 +41,7 @@
         <a:cs typeface="+mn-cs"/>
       </a:defRPr>
     </a:lvl2pPr>
-    <a:lvl3pPr marL="914400" algn="l" defTabSz="914400" rtl="0" eaLnBrk="1" latinLnBrk="0" hangingPunct="1">
+    <a:lvl3pPr marL="914400" algn="l" defTabSz="457200" rtl="0" eaLnBrk="1" latinLnBrk="0" hangingPunct="1">
       <a:defRPr sz="1800" kern="1200">
         <a:solidFill>
           <a:schemeClr val="tx1"/>
@@ -50,7 +51,7 @@
         <a:cs typeface="+mn-cs"/>
       </a:defRPr>
     </a:lvl3pPr>
-    <a:lvl4pPr marL="1371600" algn="l" defTabSz="914400" rtl="0" eaLnBrk="1" latinLnBrk="0" hangingPunct="1">
+    <a:lvl4pPr marL="1371600" algn="l" defTabSz="457200" rtl="0" eaLnBrk="1" latinLnBrk="0" hangingPunct="1">
       <a:defRPr sz="1800" kern="1200">
         <a:solidFill>
           <a:schemeClr val="tx1"/>
@@ -60,7 +61,7 @@
         <a:cs typeface="+mn-cs"/>
       </a:defRPr>
     </a:lvl4pPr>
-    <a:lvl5pPr marL="1828800" algn="l" defTabSz="914400" rtl="0" eaLnBrk="1" latinLnBrk="0" hangingPunct="1">
+    <a:lvl5pPr marL="1828800" algn="l" defTabSz="457200" rtl="0" eaLnBrk="1" latinLnBrk="0" hangingPunct="1">
       <a:defRPr sz="1800" kern="1200">
         <a:solidFill>
           <a:schemeClr val="tx1"/>
@@ -70,7 +71,7 @@
         <a:cs typeface="+mn-cs"/>
       </a:defRPr>
     </a:lvl5pPr>
-    <a:lvl6pPr marL="2286000" algn="l" defTabSz="914400" rtl="0" eaLnBrk="1" latinLnBrk="0" hangingPunct="1">
+    <a:lvl6pPr marL="2286000" algn="l" defTabSz="457200" rtl="0" eaLnBrk="1" latinLnBrk="0" hangingPunct="1">
       <a:defRPr sz="1800" kern="1200">
         <a:solidFill>
           <a:schemeClr val="tx1"/>
@@ -80,7 +81,7 @@
         <a:cs typeface="+mn-cs"/>
       </a:defRPr>
     </a:lvl6pPr>
-    <a:lvl7pPr marL="2743200" algn="l" defTabSz="914400" rtl="0" eaLnBrk="1" latinLnBrk="0" hangingPunct="1">
+    <a:lvl7pPr marL="2743200" algn="l" defTabSz="457200" rtl="0" eaLnBrk="1" latinLnBrk="0" hangingPunct="1">
       <a:defRPr sz="1800" kern="1200">
         <a:solidFill>
           <a:schemeClr val="tx1"/>
@@ -90,7 +91,7 @@
         <a:cs typeface="+mn-cs"/>
       </a:defRPr>
     </a:lvl7pPr>
-    <a:lvl8pPr marL="3200400" algn="l" defTabSz="914400" rtl="0" eaLnBrk="1" latinLnBrk="0" hangingPunct="1">
+    <a:lvl8pPr marL="3200400" algn="l" defTabSz="457200" rtl="0" eaLnBrk="1" latinLnBrk="0" hangingPunct="1">
       <a:defRPr sz="1800" kern="1200">
         <a:solidFill>
           <a:schemeClr val="tx1"/>
@@ -100,7 +101,7 @@
         <a:cs typeface="+mn-cs"/>
       </a:defRPr>
     </a:lvl8pPr>
-    <a:lvl9pPr marL="3657600" algn="l" defTabSz="914400" rtl="0" eaLnBrk="1" latinLnBrk="0" hangingPunct="1">
+    <a:lvl9pPr marL="3657600" algn="l" defTabSz="457200" rtl="0" eaLnBrk="1" latinLnBrk="0" hangingPunct="1">
       <a:defRPr sz="1800" kern="1200">
         <a:solidFill>
           <a:schemeClr val="tx1"/>
@@ -111,7 +112,3825 @@
       </a:defRPr>
     </a:lvl9pPr>
   </p:defaultTextStyle>
+  <p:extLst>
+    <p:ext uri="{EFAFB233-063F-42B5-8137-9DF3F51BA10A}">
+      <p15:sldGuideLst xmlns:p15="http://schemas.microsoft.com/office/powerpoint/2012/main"/>
+    </p:ext>
+  </p:extLst>
 </p:presentation>
+</file>
+
+<file path=ppt/diagrams/colors1.xml><?xml version="1.0" encoding="utf-8"?>
+<dgm:colorsDef xmlns:dgm="http://schemas.openxmlformats.org/drawingml/2006/diagram" xmlns:a="http://schemas.openxmlformats.org/drawingml/2006/main" uniqueId="urn:microsoft.com/office/officeart/2005/8/colors/colorful1">
+  <dgm:title val=""/>
+  <dgm:desc val=""/>
+  <dgm:catLst>
+    <dgm:cat type="colorful" pri="10100"/>
+  </dgm:catLst>
+  <dgm:styleLbl name="node0">
+    <dgm:fillClrLst meth="repeat">
+      <a:schemeClr val="accent1"/>
+    </dgm:fillClrLst>
+    <dgm:linClrLst meth="repeat">
+      <a:schemeClr val="lt1"/>
+    </dgm:linClrLst>
+    <dgm:effectClrLst/>
+    <dgm:txLinClrLst/>
+    <dgm:txFillClrLst/>
+    <dgm:txEffectClrLst/>
+  </dgm:styleLbl>
+  <dgm:styleLbl name="node1">
+    <dgm:fillClrLst meth="repeat">
+      <a:schemeClr val="accent2"/>
+      <a:schemeClr val="accent3"/>
+      <a:schemeClr val="accent4"/>
+      <a:schemeClr val="accent5"/>
+      <a:schemeClr val="accent6"/>
+    </dgm:fillClrLst>
+    <dgm:linClrLst meth="repeat">
+      <a:schemeClr val="lt1"/>
+    </dgm:linClrLst>
+    <dgm:effectClrLst/>
+    <dgm:txLinClrLst/>
+    <dgm:txFillClrLst/>
+    <dgm:txEffectClrLst/>
+  </dgm:styleLbl>
+  <dgm:styleLbl name="alignNode1">
+    <dgm:fillClrLst meth="repeat">
+      <a:schemeClr val="accent2"/>
+      <a:schemeClr val="accent3"/>
+      <a:schemeClr val="accent4"/>
+      <a:schemeClr val="accent5"/>
+      <a:schemeClr val="accent6"/>
+    </dgm:fillClrLst>
+    <dgm:linClrLst meth="repeat">
+      <a:schemeClr val="accent2"/>
+      <a:schemeClr val="accent3"/>
+      <a:schemeClr val="accent4"/>
+      <a:schemeClr val="accent5"/>
+      <a:schemeClr val="accent6"/>
+    </dgm:linClrLst>
+    <dgm:effectClrLst/>
+    <dgm:txLinClrLst/>
+    <dgm:txFillClrLst/>
+    <dgm:txEffectClrLst/>
+  </dgm:styleLbl>
+  <dgm:styleLbl name="lnNode1">
+    <dgm:fillClrLst meth="repeat">
+      <a:schemeClr val="accent2"/>
+      <a:schemeClr val="accent3"/>
+      <a:schemeClr val="accent4"/>
+      <a:schemeClr val="accent5"/>
+      <a:schemeClr val="accent6"/>
+    </dgm:fillClrLst>
+    <dgm:linClrLst meth="repeat">
+      <a:schemeClr val="lt1"/>
+    </dgm:linClrLst>
+    <dgm:effectClrLst/>
+    <dgm:txLinClrLst/>
+    <dgm:txFillClrLst/>
+    <dgm:txEffectClrLst/>
+  </dgm:styleLbl>
+  <dgm:styleLbl name="vennNode1">
+    <dgm:fillClrLst meth="repeat">
+      <a:schemeClr val="accent2">
+        <a:alpha val="50000"/>
+      </a:schemeClr>
+      <a:schemeClr val="accent3">
+        <a:alpha val="50000"/>
+      </a:schemeClr>
+      <a:schemeClr val="accent4">
+        <a:alpha val="50000"/>
+      </a:schemeClr>
+      <a:schemeClr val="accent5">
+        <a:alpha val="50000"/>
+      </a:schemeClr>
+      <a:schemeClr val="accent6">
+        <a:alpha val="50000"/>
+      </a:schemeClr>
+    </dgm:fillClrLst>
+    <dgm:linClrLst meth="repeat">
+      <a:schemeClr val="lt1"/>
+    </dgm:linClrLst>
+    <dgm:effectClrLst/>
+    <dgm:txLinClrLst/>
+    <dgm:txFillClrLst/>
+    <dgm:txEffectClrLst/>
+  </dgm:styleLbl>
+  <dgm:styleLbl name="node2">
+    <dgm:fillClrLst>
+      <a:schemeClr val="accent2"/>
+    </dgm:fillClrLst>
+    <dgm:linClrLst meth="repeat">
+      <a:schemeClr val="lt1"/>
+    </dgm:linClrLst>
+    <dgm:effectClrLst/>
+    <dgm:txLinClrLst/>
+    <dgm:txFillClrLst/>
+    <dgm:txEffectClrLst/>
+  </dgm:styleLbl>
+  <dgm:styleLbl name="node3">
+    <dgm:fillClrLst>
+      <a:schemeClr val="accent3"/>
+    </dgm:fillClrLst>
+    <dgm:linClrLst meth="repeat">
+      <a:schemeClr val="lt1"/>
+    </dgm:linClrLst>
+    <dgm:effectClrLst/>
+    <dgm:txLinClrLst/>
+    <dgm:txFillClrLst/>
+    <dgm:txEffectClrLst/>
+  </dgm:styleLbl>
+  <dgm:styleLbl name="node4">
+    <dgm:fillClrLst>
+      <a:schemeClr val="accent4"/>
+    </dgm:fillClrLst>
+    <dgm:linClrLst meth="repeat">
+      <a:schemeClr val="lt1"/>
+    </dgm:linClrLst>
+    <dgm:effectClrLst/>
+    <dgm:txLinClrLst/>
+    <dgm:txFillClrLst/>
+    <dgm:txEffectClrLst/>
+  </dgm:styleLbl>
+  <dgm:styleLbl name="fgImgPlace1">
+    <dgm:fillClrLst meth="repeat">
+      <a:schemeClr val="accent2">
+        <a:tint val="50000"/>
+      </a:schemeClr>
+      <a:schemeClr val="accent3">
+        <a:tint val="50000"/>
+      </a:schemeClr>
+      <a:schemeClr val="accent4">
+        <a:tint val="50000"/>
+      </a:schemeClr>
+      <a:schemeClr val="accent5">
+        <a:tint val="50000"/>
+      </a:schemeClr>
+      <a:schemeClr val="accent6">
+        <a:tint val="50000"/>
+      </a:schemeClr>
+    </dgm:fillClrLst>
+    <dgm:linClrLst meth="repeat">
+      <a:schemeClr val="lt1"/>
+    </dgm:linClrLst>
+    <dgm:effectClrLst/>
+    <dgm:txLinClrLst/>
+    <dgm:txFillClrLst meth="repeat">
+      <a:schemeClr val="lt1"/>
+    </dgm:txFillClrLst>
+    <dgm:txEffectClrLst/>
+  </dgm:styleLbl>
+  <dgm:styleLbl name="alignImgPlace1">
+    <dgm:fillClrLst>
+      <a:schemeClr val="accent1">
+        <a:tint val="50000"/>
+      </a:schemeClr>
+      <a:schemeClr val="accent2">
+        <a:tint val="20000"/>
+      </a:schemeClr>
+    </dgm:fillClrLst>
+    <dgm:linClrLst meth="repeat">
+      <a:schemeClr val="lt1"/>
+    </dgm:linClrLst>
+    <dgm:effectClrLst/>
+    <dgm:txLinClrLst/>
+    <dgm:txFillClrLst meth="repeat">
+      <a:schemeClr val="lt1"/>
+    </dgm:txFillClrLst>
+    <dgm:txEffectClrLst/>
+  </dgm:styleLbl>
+  <dgm:styleLbl name="bgImgPlace1">
+    <dgm:fillClrLst>
+      <a:schemeClr val="accent1">
+        <a:tint val="50000"/>
+      </a:schemeClr>
+      <a:schemeClr val="accent2">
+        <a:tint val="20000"/>
+      </a:schemeClr>
+    </dgm:fillClrLst>
+    <dgm:linClrLst meth="repeat">
+      <a:schemeClr val="lt1"/>
+    </dgm:linClrLst>
+    <dgm:effectClrLst/>
+    <dgm:txLinClrLst/>
+    <dgm:txFillClrLst meth="repeat">
+      <a:schemeClr val="lt1"/>
+    </dgm:txFillClrLst>
+    <dgm:txEffectClrLst/>
+  </dgm:styleLbl>
+  <dgm:styleLbl name="sibTrans2D1">
+    <dgm:fillClrLst meth="repeat">
+      <a:schemeClr val="accent2"/>
+      <a:schemeClr val="accent3"/>
+      <a:schemeClr val="accent4"/>
+      <a:schemeClr val="accent5"/>
+      <a:schemeClr val="accent6"/>
+    </dgm:fillClrLst>
+    <dgm:linClrLst meth="cycle">
+      <a:schemeClr val="lt1"/>
+    </dgm:linClrLst>
+    <dgm:effectClrLst/>
+    <dgm:txLinClrLst/>
+    <dgm:txFillClrLst/>
+    <dgm:txEffectClrLst/>
+  </dgm:styleLbl>
+  <dgm:styleLbl name="fgSibTrans2D1">
+    <dgm:fillClrLst meth="repeat">
+      <a:schemeClr val="accent2"/>
+      <a:schemeClr val="accent3"/>
+      <a:schemeClr val="accent4"/>
+      <a:schemeClr val="accent5"/>
+      <a:schemeClr val="accent6"/>
+    </dgm:fillClrLst>
+    <dgm:linClrLst meth="cycle">
+      <a:schemeClr val="lt1"/>
+    </dgm:linClrLst>
+    <dgm:effectClrLst/>
+    <dgm:txLinClrLst/>
+    <dgm:txFillClrLst meth="repeat">
+      <a:schemeClr val="lt1"/>
+    </dgm:txFillClrLst>
+    <dgm:txEffectClrLst/>
+  </dgm:styleLbl>
+  <dgm:styleLbl name="bgSibTrans2D1">
+    <dgm:fillClrLst meth="repeat">
+      <a:schemeClr val="accent2"/>
+      <a:schemeClr val="accent3"/>
+      <a:schemeClr val="accent4"/>
+      <a:schemeClr val="accent5"/>
+      <a:schemeClr val="accent6"/>
+    </dgm:fillClrLst>
+    <dgm:linClrLst meth="cycle">
+      <a:schemeClr val="lt1"/>
+    </dgm:linClrLst>
+    <dgm:effectClrLst/>
+    <dgm:txLinClrLst/>
+    <dgm:txFillClrLst meth="repeat">
+      <a:schemeClr val="lt1"/>
+    </dgm:txFillClrLst>
+    <dgm:txEffectClrLst/>
+  </dgm:styleLbl>
+  <dgm:styleLbl name="sibTrans1D1">
+    <dgm:fillClrLst meth="repeat">
+      <a:schemeClr val="accent2"/>
+      <a:schemeClr val="accent3"/>
+      <a:schemeClr val="accent4"/>
+      <a:schemeClr val="accent5"/>
+      <a:schemeClr val="accent6"/>
+    </dgm:fillClrLst>
+    <dgm:linClrLst meth="repeat">
+      <a:schemeClr val="accent2"/>
+      <a:schemeClr val="accent3"/>
+      <a:schemeClr val="accent4"/>
+      <a:schemeClr val="accent5"/>
+      <a:schemeClr val="accent6"/>
+    </dgm:linClrLst>
+    <dgm:effectClrLst/>
+    <dgm:txLinClrLst/>
+    <dgm:txFillClrLst meth="repeat">
+      <a:schemeClr val="tx1"/>
+    </dgm:txFillClrLst>
+    <dgm:txEffectClrLst/>
+  </dgm:styleLbl>
+  <dgm:styleLbl name="callout">
+    <dgm:fillClrLst meth="repeat">
+      <a:schemeClr val="accent2"/>
+    </dgm:fillClrLst>
+    <dgm:linClrLst meth="repeat">
+      <a:schemeClr val="accent2">
+        <a:tint val="50000"/>
+      </a:schemeClr>
+    </dgm:linClrLst>
+    <dgm:effectClrLst/>
+    <dgm:txLinClrLst/>
+    <dgm:txFillClrLst meth="repeat">
+      <a:schemeClr val="tx1"/>
+    </dgm:txFillClrLst>
+    <dgm:txEffectClrLst/>
+  </dgm:styleLbl>
+  <dgm:styleLbl name="asst0">
+    <dgm:fillClrLst meth="repeat">
+      <a:schemeClr val="accent1"/>
+    </dgm:fillClrLst>
+    <dgm:linClrLst meth="repeat">
+      <a:schemeClr val="lt1"/>
+    </dgm:linClrLst>
+    <dgm:effectClrLst/>
+    <dgm:txLinClrLst/>
+    <dgm:txFillClrLst/>
+    <dgm:txEffectClrLst/>
+  </dgm:styleLbl>
+  <dgm:styleLbl name="asst1">
+    <dgm:fillClrLst meth="repeat">
+      <a:schemeClr val="accent2"/>
+    </dgm:fillClrLst>
+    <dgm:linClrLst meth="repeat">
+      <a:schemeClr val="lt1"/>
+    </dgm:linClrLst>
+    <dgm:effectClrLst/>
+    <dgm:txLinClrLst/>
+    <dgm:txFillClrLst/>
+    <dgm:txEffectClrLst/>
+  </dgm:styleLbl>
+  <dgm:styleLbl name="asst2">
+    <dgm:fillClrLst>
+      <a:schemeClr val="accent3"/>
+    </dgm:fillClrLst>
+    <dgm:linClrLst meth="repeat">
+      <a:schemeClr val="lt1"/>
+    </dgm:linClrLst>
+    <dgm:effectClrLst/>
+    <dgm:txLinClrLst/>
+    <dgm:txFillClrLst/>
+    <dgm:txEffectClrLst/>
+  </dgm:styleLbl>
+  <dgm:styleLbl name="asst3">
+    <dgm:fillClrLst>
+      <a:schemeClr val="accent4"/>
+    </dgm:fillClrLst>
+    <dgm:linClrLst meth="repeat">
+      <a:schemeClr val="lt1"/>
+    </dgm:linClrLst>
+    <dgm:effectClrLst/>
+    <dgm:txLinClrLst/>
+    <dgm:txFillClrLst/>
+    <dgm:txEffectClrLst/>
+  </dgm:styleLbl>
+  <dgm:styleLbl name="asst4">
+    <dgm:fillClrLst>
+      <a:schemeClr val="accent5"/>
+    </dgm:fillClrLst>
+    <dgm:linClrLst meth="repeat">
+      <a:schemeClr val="lt1"/>
+    </dgm:linClrLst>
+    <dgm:effectClrLst/>
+    <dgm:txLinClrLst/>
+    <dgm:txFillClrLst/>
+    <dgm:txEffectClrLst/>
+  </dgm:styleLbl>
+  <dgm:styleLbl name="parChTrans2D1">
+    <dgm:fillClrLst meth="repeat">
+      <a:schemeClr val="accent2"/>
+    </dgm:fillClrLst>
+    <dgm:linClrLst meth="repeat">
+      <a:schemeClr val="lt1"/>
+    </dgm:linClrLst>
+    <dgm:effectClrLst/>
+    <dgm:txLinClrLst/>
+    <dgm:txFillClrLst meth="repeat">
+      <a:schemeClr val="lt1"/>
+    </dgm:txFillClrLst>
+    <dgm:txEffectClrLst/>
+  </dgm:styleLbl>
+  <dgm:styleLbl name="parChTrans2D2">
+    <dgm:fillClrLst meth="repeat">
+      <a:schemeClr val="accent3"/>
+    </dgm:fillClrLst>
+    <dgm:linClrLst meth="repeat">
+      <a:schemeClr val="lt1"/>
+    </dgm:linClrLst>
+    <dgm:effectClrLst/>
+    <dgm:txLinClrLst/>
+    <dgm:txFillClrLst/>
+    <dgm:txEffectClrLst/>
+  </dgm:styleLbl>
+  <dgm:styleLbl name="parChTrans2D3">
+    <dgm:fillClrLst meth="repeat">
+      <a:schemeClr val="accent4"/>
+    </dgm:fillClrLst>
+    <dgm:linClrLst meth="repeat">
+      <a:schemeClr val="lt1"/>
+    </dgm:linClrLst>
+    <dgm:effectClrLst/>
+    <dgm:txLinClrLst/>
+    <dgm:txFillClrLst/>
+    <dgm:txEffectClrLst/>
+  </dgm:styleLbl>
+  <dgm:styleLbl name="parChTrans2D4">
+    <dgm:fillClrLst meth="repeat">
+      <a:schemeClr val="accent5"/>
+    </dgm:fillClrLst>
+    <dgm:linClrLst meth="repeat">
+      <a:schemeClr val="lt1"/>
+    </dgm:linClrLst>
+    <dgm:effectClrLst/>
+    <dgm:txLinClrLst/>
+    <dgm:txFillClrLst meth="repeat">
+      <a:schemeClr val="lt1"/>
+    </dgm:txFillClrLst>
+    <dgm:txEffectClrLst/>
+  </dgm:styleLbl>
+  <dgm:styleLbl name="parChTrans1D1">
+    <dgm:fillClrLst meth="repeat">
+      <a:schemeClr val="accent2"/>
+    </dgm:fillClrLst>
+    <dgm:linClrLst meth="repeat">
+      <a:schemeClr val="accent1"/>
+    </dgm:linClrLst>
+    <dgm:effectClrLst/>
+    <dgm:txLinClrLst/>
+    <dgm:txFillClrLst meth="repeat">
+      <a:schemeClr val="tx1"/>
+    </dgm:txFillClrLst>
+    <dgm:txEffectClrLst/>
+  </dgm:styleLbl>
+  <dgm:styleLbl name="parChTrans1D2">
+    <dgm:fillClrLst meth="repeat">
+      <a:schemeClr val="accent3">
+        <a:tint val="90000"/>
+      </a:schemeClr>
+    </dgm:fillClrLst>
+    <dgm:linClrLst meth="repeat">
+      <a:schemeClr val="accent2"/>
+    </dgm:linClrLst>
+    <dgm:effectClrLst/>
+    <dgm:txLinClrLst/>
+    <dgm:txFillClrLst meth="repeat">
+      <a:schemeClr val="tx1"/>
+    </dgm:txFillClrLst>
+    <dgm:txEffectClrLst/>
+  </dgm:styleLbl>
+  <dgm:styleLbl name="parChTrans1D3">
+    <dgm:fillClrLst meth="repeat">
+      <a:schemeClr val="accent4">
+        <a:tint val="70000"/>
+      </a:schemeClr>
+    </dgm:fillClrLst>
+    <dgm:linClrLst meth="repeat">
+      <a:schemeClr val="accent3"/>
+    </dgm:linClrLst>
+    <dgm:effectClrLst/>
+    <dgm:txLinClrLst/>
+    <dgm:txFillClrLst meth="repeat">
+      <a:schemeClr val="tx1"/>
+    </dgm:txFillClrLst>
+    <dgm:txEffectClrLst/>
+  </dgm:styleLbl>
+  <dgm:styleLbl name="parChTrans1D4">
+    <dgm:fillClrLst meth="repeat">
+      <a:schemeClr val="accent5">
+        <a:tint val="50000"/>
+      </a:schemeClr>
+    </dgm:fillClrLst>
+    <dgm:linClrLst meth="repeat">
+      <a:schemeClr val="accent4"/>
+    </dgm:linClrLst>
+    <dgm:effectClrLst/>
+    <dgm:txLinClrLst/>
+    <dgm:txFillClrLst meth="repeat">
+      <a:schemeClr val="tx1"/>
+    </dgm:txFillClrLst>
+    <dgm:txEffectClrLst/>
+  </dgm:styleLbl>
+  <dgm:styleLbl name="fgAcc1">
+    <dgm:fillClrLst meth="repeat">
+      <a:schemeClr val="lt1">
+        <a:alpha val="90000"/>
+      </a:schemeClr>
+    </dgm:fillClrLst>
+    <dgm:linClrLst meth="repeat">
+      <a:schemeClr val="accent2"/>
+      <a:schemeClr val="accent3"/>
+      <a:schemeClr val="accent4"/>
+      <a:schemeClr val="accent5"/>
+      <a:schemeClr val="accent6"/>
+    </dgm:linClrLst>
+    <dgm:effectClrLst/>
+    <dgm:txLinClrLst/>
+    <dgm:txFillClrLst meth="repeat">
+      <a:schemeClr val="dk1"/>
+    </dgm:txFillClrLst>
+    <dgm:txEffectClrLst/>
+  </dgm:styleLbl>
+  <dgm:styleLbl name="conFgAcc1">
+    <dgm:fillClrLst meth="repeat">
+      <a:schemeClr val="lt1">
+        <a:alpha val="90000"/>
+      </a:schemeClr>
+    </dgm:fillClrLst>
+    <dgm:linClrLst meth="repeat">
+      <a:schemeClr val="accent2"/>
+      <a:schemeClr val="accent3"/>
+      <a:schemeClr val="accent4"/>
+      <a:schemeClr val="accent5"/>
+      <a:schemeClr val="accent6"/>
+    </dgm:linClrLst>
+    <dgm:effectClrLst/>
+    <dgm:txLinClrLst/>
+    <dgm:txFillClrLst meth="repeat">
+      <a:schemeClr val="dk1"/>
+    </dgm:txFillClrLst>
+    <dgm:txEffectClrLst/>
+  </dgm:styleLbl>
+  <dgm:styleLbl name="alignAcc1">
+    <dgm:fillClrLst meth="repeat">
+      <a:schemeClr val="lt1">
+        <a:alpha val="90000"/>
+      </a:schemeClr>
+    </dgm:fillClrLst>
+    <dgm:linClrLst meth="repeat">
+      <a:schemeClr val="accent2"/>
+      <a:schemeClr val="accent3"/>
+      <a:schemeClr val="accent4"/>
+      <a:schemeClr val="accent5"/>
+      <a:schemeClr val="accent6"/>
+    </dgm:linClrLst>
+    <dgm:effectClrLst/>
+    <dgm:txLinClrLst/>
+    <dgm:txFillClrLst meth="repeat">
+      <a:schemeClr val="dk1"/>
+    </dgm:txFillClrLst>
+    <dgm:txEffectClrLst/>
+  </dgm:styleLbl>
+  <dgm:styleLbl name="trAlignAcc1">
+    <dgm:fillClrLst meth="repeat">
+      <a:schemeClr val="lt1">
+        <a:alpha val="40000"/>
+      </a:schemeClr>
+    </dgm:fillClrLst>
+    <dgm:linClrLst meth="repeat">
+      <a:schemeClr val="accent1"/>
+    </dgm:linClrLst>
+    <dgm:effectClrLst/>
+    <dgm:txLinClrLst/>
+    <dgm:txFillClrLst meth="repeat">
+      <a:schemeClr val="dk1"/>
+    </dgm:txFillClrLst>
+    <dgm:txEffectClrLst/>
+  </dgm:styleLbl>
+  <dgm:styleLbl name="bgAcc1">
+    <dgm:fillClrLst meth="repeat">
+      <a:schemeClr val="lt1">
+        <a:alpha val="90000"/>
+      </a:schemeClr>
+    </dgm:fillClrLst>
+    <dgm:linClrLst meth="repeat">
+      <a:schemeClr val="accent2"/>
+      <a:schemeClr val="accent3"/>
+      <a:schemeClr val="accent4"/>
+      <a:schemeClr val="accent5"/>
+      <a:schemeClr val="accent6"/>
+    </dgm:linClrLst>
+    <dgm:effectClrLst/>
+    <dgm:txLinClrLst/>
+    <dgm:txFillClrLst meth="repeat">
+      <a:schemeClr val="dk1"/>
+    </dgm:txFillClrLst>
+    <dgm:txEffectClrLst/>
+  </dgm:styleLbl>
+  <dgm:styleLbl name="solidFgAcc1">
+    <dgm:fillClrLst meth="repeat">
+      <a:schemeClr val="lt1"/>
+    </dgm:fillClrLst>
+    <dgm:linClrLst meth="repeat">
+      <a:schemeClr val="accent2"/>
+      <a:schemeClr val="accent3"/>
+      <a:schemeClr val="accent4"/>
+      <a:schemeClr val="accent5"/>
+      <a:schemeClr val="accent6"/>
+    </dgm:linClrLst>
+    <dgm:effectClrLst/>
+    <dgm:txLinClrLst/>
+    <dgm:txFillClrLst meth="repeat">
+      <a:schemeClr val="dk1"/>
+    </dgm:txFillClrLst>
+    <dgm:txEffectClrLst/>
+  </dgm:styleLbl>
+  <dgm:styleLbl name="solidAlignAcc1">
+    <dgm:fillClrLst meth="repeat">
+      <a:schemeClr val="lt1"/>
+    </dgm:fillClrLst>
+    <dgm:linClrLst meth="repeat">
+      <a:schemeClr val="accent2"/>
+      <a:schemeClr val="accent3"/>
+      <a:schemeClr val="accent4"/>
+      <a:schemeClr val="accent5"/>
+      <a:schemeClr val="accent6"/>
+    </dgm:linClrLst>
+    <dgm:effectClrLst/>
+    <dgm:txLinClrLst/>
+    <dgm:txFillClrLst meth="repeat">
+      <a:schemeClr val="dk1"/>
+    </dgm:txFillClrLst>
+    <dgm:txEffectClrLst/>
+  </dgm:styleLbl>
+  <dgm:styleLbl name="solidBgAcc1">
+    <dgm:fillClrLst meth="repeat">
+      <a:schemeClr val="lt1"/>
+    </dgm:fillClrLst>
+    <dgm:linClrLst meth="repeat">
+      <a:schemeClr val="accent2"/>
+      <a:schemeClr val="accent3"/>
+      <a:schemeClr val="accent4"/>
+      <a:schemeClr val="accent5"/>
+      <a:schemeClr val="accent6"/>
+    </dgm:linClrLst>
+    <dgm:effectClrLst/>
+    <dgm:txLinClrLst/>
+    <dgm:txFillClrLst meth="repeat">
+      <a:schemeClr val="dk1"/>
+    </dgm:txFillClrLst>
+    <dgm:txEffectClrLst/>
+  </dgm:styleLbl>
+  <dgm:styleLbl name="fgAccFollowNode1">
+    <dgm:fillClrLst meth="repeat">
+      <a:schemeClr val="accent2">
+        <a:tint val="40000"/>
+        <a:alpha val="90000"/>
+      </a:schemeClr>
+      <a:schemeClr val="accent3">
+        <a:tint val="40000"/>
+        <a:alpha val="90000"/>
+      </a:schemeClr>
+      <a:schemeClr val="accent4">
+        <a:tint val="40000"/>
+        <a:alpha val="90000"/>
+      </a:schemeClr>
+      <a:schemeClr val="accent5">
+        <a:tint val="40000"/>
+        <a:alpha val="90000"/>
+      </a:schemeClr>
+      <a:schemeClr val="accent6">
+        <a:tint val="40000"/>
+        <a:alpha val="90000"/>
+      </a:schemeClr>
+    </dgm:fillClrLst>
+    <dgm:linClrLst meth="repeat">
+      <a:schemeClr val="accent2">
+        <a:tint val="40000"/>
+        <a:alpha val="90000"/>
+      </a:schemeClr>
+      <a:schemeClr val="accent3">
+        <a:tint val="40000"/>
+        <a:alpha val="90000"/>
+      </a:schemeClr>
+      <a:schemeClr val="accent4">
+        <a:tint val="40000"/>
+        <a:alpha val="90000"/>
+      </a:schemeClr>
+      <a:schemeClr val="accent5">
+        <a:tint val="40000"/>
+        <a:alpha val="90000"/>
+      </a:schemeClr>
+      <a:schemeClr val="accent6">
+        <a:tint val="40000"/>
+        <a:alpha val="90000"/>
+      </a:schemeClr>
+    </dgm:linClrLst>
+    <dgm:effectClrLst/>
+    <dgm:txLinClrLst/>
+    <dgm:txFillClrLst meth="repeat">
+      <a:schemeClr val="dk1"/>
+    </dgm:txFillClrLst>
+    <dgm:txEffectClrLst/>
+  </dgm:styleLbl>
+  <dgm:styleLbl name="alignAccFollowNode1">
+    <dgm:fillClrLst meth="repeat">
+      <a:schemeClr val="accent2">
+        <a:tint val="40000"/>
+        <a:alpha val="90000"/>
+      </a:schemeClr>
+      <a:schemeClr val="accent3">
+        <a:tint val="40000"/>
+        <a:alpha val="90000"/>
+      </a:schemeClr>
+      <a:schemeClr val="accent4">
+        <a:tint val="40000"/>
+        <a:alpha val="90000"/>
+      </a:schemeClr>
+      <a:schemeClr val="accent5">
+        <a:tint val="40000"/>
+        <a:alpha val="90000"/>
+      </a:schemeClr>
+      <a:schemeClr val="accent6">
+        <a:tint val="40000"/>
+        <a:alpha val="90000"/>
+      </a:schemeClr>
+    </dgm:fillClrLst>
+    <dgm:linClrLst meth="repeat">
+      <a:schemeClr val="accent2">
+        <a:tint val="40000"/>
+        <a:alpha val="90000"/>
+      </a:schemeClr>
+      <a:schemeClr val="accent3">
+        <a:tint val="40000"/>
+        <a:alpha val="90000"/>
+      </a:schemeClr>
+      <a:schemeClr val="accent4">
+        <a:tint val="40000"/>
+        <a:alpha val="90000"/>
+      </a:schemeClr>
+      <a:schemeClr val="accent5">
+        <a:tint val="40000"/>
+        <a:alpha val="90000"/>
+      </a:schemeClr>
+      <a:schemeClr val="accent6">
+        <a:tint val="40000"/>
+        <a:alpha val="90000"/>
+      </a:schemeClr>
+    </dgm:linClrLst>
+    <dgm:effectClrLst/>
+    <dgm:txLinClrLst/>
+    <dgm:txFillClrLst meth="repeat">
+      <a:schemeClr val="dk1"/>
+    </dgm:txFillClrLst>
+    <dgm:txEffectClrLst/>
+  </dgm:styleLbl>
+  <dgm:styleLbl name="bgAccFollowNode1">
+    <dgm:fillClrLst meth="repeat">
+      <a:schemeClr val="accent2">
+        <a:tint val="40000"/>
+        <a:alpha val="90000"/>
+      </a:schemeClr>
+      <a:schemeClr val="accent3">
+        <a:tint val="40000"/>
+        <a:alpha val="90000"/>
+      </a:schemeClr>
+      <a:schemeClr val="accent4">
+        <a:tint val="40000"/>
+        <a:alpha val="90000"/>
+      </a:schemeClr>
+      <a:schemeClr val="accent5">
+        <a:tint val="40000"/>
+        <a:alpha val="90000"/>
+      </a:schemeClr>
+      <a:schemeClr val="accent6">
+        <a:tint val="40000"/>
+        <a:alpha val="90000"/>
+      </a:schemeClr>
+    </dgm:fillClrLst>
+    <dgm:linClrLst meth="repeat">
+      <a:schemeClr val="accent2">
+        <a:tint val="40000"/>
+        <a:alpha val="90000"/>
+      </a:schemeClr>
+      <a:schemeClr val="accent3">
+        <a:tint val="40000"/>
+        <a:alpha val="90000"/>
+      </a:schemeClr>
+      <a:schemeClr val="accent4">
+        <a:tint val="40000"/>
+        <a:alpha val="90000"/>
+      </a:schemeClr>
+      <a:schemeClr val="accent5">
+        <a:tint val="40000"/>
+        <a:alpha val="90000"/>
+      </a:schemeClr>
+      <a:schemeClr val="accent6">
+        <a:tint val="40000"/>
+        <a:alpha val="90000"/>
+      </a:schemeClr>
+    </dgm:linClrLst>
+    <dgm:effectClrLst/>
+    <dgm:txLinClrLst/>
+    <dgm:txFillClrLst meth="repeat">
+      <a:schemeClr val="dk1"/>
+    </dgm:txFillClrLst>
+    <dgm:txEffectClrLst/>
+  </dgm:styleLbl>
+  <dgm:styleLbl name="fgAcc0">
+    <dgm:fillClrLst meth="repeat">
+      <a:schemeClr val="lt1">
+        <a:alpha val="90000"/>
+      </a:schemeClr>
+    </dgm:fillClrLst>
+    <dgm:linClrLst>
+      <a:schemeClr val="accent1"/>
+    </dgm:linClrLst>
+    <dgm:effectClrLst/>
+    <dgm:txLinClrLst/>
+    <dgm:txFillClrLst meth="repeat">
+      <a:schemeClr val="dk1"/>
+    </dgm:txFillClrLst>
+    <dgm:txEffectClrLst/>
+  </dgm:styleLbl>
+  <dgm:styleLbl name="fgAcc2">
+    <dgm:fillClrLst meth="repeat">
+      <a:schemeClr val="lt1">
+        <a:alpha val="90000"/>
+      </a:schemeClr>
+    </dgm:fillClrLst>
+    <dgm:linClrLst>
+      <a:schemeClr val="accent2"/>
+    </dgm:linClrLst>
+    <dgm:effectClrLst/>
+    <dgm:txLinClrLst/>
+    <dgm:txFillClrLst meth="repeat">
+      <a:schemeClr val="dk1"/>
+    </dgm:txFillClrLst>
+    <dgm:txEffectClrLst/>
+  </dgm:styleLbl>
+  <dgm:styleLbl name="fgAcc3">
+    <dgm:fillClrLst meth="repeat">
+      <a:schemeClr val="lt1">
+        <a:alpha val="90000"/>
+      </a:schemeClr>
+    </dgm:fillClrLst>
+    <dgm:linClrLst>
+      <a:schemeClr val="accent3"/>
+    </dgm:linClrLst>
+    <dgm:effectClrLst/>
+    <dgm:txLinClrLst/>
+    <dgm:txFillClrLst meth="repeat">
+      <a:schemeClr val="dk1"/>
+    </dgm:txFillClrLst>
+    <dgm:txEffectClrLst/>
+  </dgm:styleLbl>
+  <dgm:styleLbl name="fgAcc4">
+    <dgm:fillClrLst meth="repeat">
+      <a:schemeClr val="lt1">
+        <a:alpha val="90000"/>
+      </a:schemeClr>
+    </dgm:fillClrLst>
+    <dgm:linClrLst>
+      <a:schemeClr val="accent4"/>
+    </dgm:linClrLst>
+    <dgm:effectClrLst/>
+    <dgm:txLinClrLst/>
+    <dgm:txFillClrLst meth="repeat">
+      <a:schemeClr val="dk1"/>
+    </dgm:txFillClrLst>
+    <dgm:txEffectClrLst/>
+  </dgm:styleLbl>
+  <dgm:styleLbl name="bgShp">
+    <dgm:fillClrLst meth="repeat">
+      <a:schemeClr val="accent2">
+        <a:tint val="40000"/>
+      </a:schemeClr>
+    </dgm:fillClrLst>
+    <dgm:linClrLst meth="repeat">
+      <a:schemeClr val="dk1"/>
+    </dgm:linClrLst>
+    <dgm:effectClrLst/>
+    <dgm:txLinClrLst/>
+    <dgm:txFillClrLst meth="repeat">
+      <a:schemeClr val="dk1"/>
+    </dgm:txFillClrLst>
+    <dgm:txEffectClrLst/>
+  </dgm:styleLbl>
+  <dgm:styleLbl name="dkBgShp">
+    <dgm:fillClrLst meth="repeat">
+      <a:schemeClr val="accent2">
+        <a:shade val="90000"/>
+      </a:schemeClr>
+    </dgm:fillClrLst>
+    <dgm:linClrLst meth="repeat">
+      <a:schemeClr val="dk1"/>
+    </dgm:linClrLst>
+    <dgm:effectClrLst/>
+    <dgm:txLinClrLst/>
+    <dgm:txFillClrLst meth="repeat">
+      <a:schemeClr val="lt1"/>
+    </dgm:txFillClrLst>
+    <dgm:txEffectClrLst/>
+  </dgm:styleLbl>
+  <dgm:styleLbl name="trBgShp">
+    <dgm:fillClrLst meth="repeat">
+      <a:schemeClr val="accent1">
+        <a:tint val="50000"/>
+        <a:alpha val="40000"/>
+      </a:schemeClr>
+    </dgm:fillClrLst>
+    <dgm:linClrLst meth="repeat">
+      <a:schemeClr val="accent2"/>
+    </dgm:linClrLst>
+    <dgm:effectClrLst/>
+    <dgm:txLinClrLst/>
+    <dgm:txFillClrLst meth="repeat">
+      <a:schemeClr val="lt1"/>
+    </dgm:txFillClrLst>
+    <dgm:txEffectClrLst/>
+  </dgm:styleLbl>
+  <dgm:styleLbl name="fgShp">
+    <dgm:fillClrLst meth="repeat">
+      <a:schemeClr val="accent2">
+        <a:tint val="40000"/>
+      </a:schemeClr>
+    </dgm:fillClrLst>
+    <dgm:linClrLst meth="repeat">
+      <a:schemeClr val="lt1"/>
+    </dgm:linClrLst>
+    <dgm:effectClrLst/>
+    <dgm:txLinClrLst/>
+    <dgm:txFillClrLst meth="repeat">
+      <a:schemeClr val="dk1"/>
+    </dgm:txFillClrLst>
+    <dgm:txEffectClrLst/>
+  </dgm:styleLbl>
+  <dgm:styleLbl name="revTx">
+    <dgm:fillClrLst meth="repeat">
+      <a:schemeClr val="lt1">
+        <a:alpha val="0"/>
+      </a:schemeClr>
+    </dgm:fillClrLst>
+    <dgm:linClrLst meth="repeat">
+      <a:schemeClr val="dk1">
+        <a:alpha val="0"/>
+      </a:schemeClr>
+    </dgm:linClrLst>
+    <dgm:effectClrLst/>
+    <dgm:txLinClrLst/>
+    <dgm:txFillClrLst meth="repeat">
+      <a:schemeClr val="tx1"/>
+    </dgm:txFillClrLst>
+    <dgm:txEffectClrLst/>
+  </dgm:styleLbl>
+</dgm:colorsDef>
+</file>
+
+<file path=ppt/diagrams/data1.xml><?xml version="1.0" encoding="utf-8"?>
+<dgm:dataModel xmlns:dgm="http://schemas.openxmlformats.org/drawingml/2006/diagram" xmlns:a="http://schemas.openxmlformats.org/drawingml/2006/main">
+  <dgm:ptLst>
+    <dgm:pt modelId="{2B87C726-A723-43C2-92BF-8C95F611D58C}" type="doc">
+      <dgm:prSet loTypeId="urn:microsoft.com/office/officeart/2008/layout/LinedList" loCatId="list" qsTypeId="urn:microsoft.com/office/officeart/2005/8/quickstyle/simple1" qsCatId="simple" csTypeId="urn:microsoft.com/office/officeart/2005/8/colors/colorful1" csCatId="colorful" phldr="1"/>
+      <dgm:spPr/>
+      <dgm:t>
+        <a:bodyPr/>
+        <a:lstStyle/>
+        <a:p>
+          <a:endParaRPr lang="en-US"/>
+        </a:p>
+      </dgm:t>
+    </dgm:pt>
+    <dgm:pt modelId="{2D9C052C-D1EA-4F91-958F-47CB50527383}">
+      <dgm:prSet/>
+      <dgm:spPr/>
+      <dgm:t>
+        <a:bodyPr/>
+        <a:lstStyle/>
+        <a:p>
+          <a:r>
+            <a:rPr lang="en-US"/>
+            <a:t>Overview of Ethereum smart contracts</a:t>
+          </a:r>
+        </a:p>
+      </dgm:t>
+    </dgm:pt>
+    <dgm:pt modelId="{11F6D7F5-1FFA-48A6-B3A1-47DBE272908A}" type="parTrans" cxnId="{7B0E146D-FBCA-4A57-9CE9-0FAF63D2D9E1}">
+      <dgm:prSet/>
+      <dgm:spPr/>
+      <dgm:t>
+        <a:bodyPr/>
+        <a:lstStyle/>
+        <a:p>
+          <a:endParaRPr lang="en-US"/>
+        </a:p>
+      </dgm:t>
+    </dgm:pt>
+    <dgm:pt modelId="{B59AC68C-B876-4E4B-9745-B8A2E8D07DC1}" type="sibTrans" cxnId="{7B0E146D-FBCA-4A57-9CE9-0FAF63D2D9E1}">
+      <dgm:prSet/>
+      <dgm:spPr/>
+      <dgm:t>
+        <a:bodyPr/>
+        <a:lstStyle/>
+        <a:p>
+          <a:endParaRPr lang="en-US"/>
+        </a:p>
+      </dgm:t>
+    </dgm:pt>
+    <dgm:pt modelId="{8420A88D-C491-4BB4-B2DB-C3202D832732}">
+      <dgm:prSet/>
+      <dgm:spPr/>
+      <dgm:t>
+        <a:bodyPr/>
+        <a:lstStyle/>
+        <a:p>
+          <a:r>
+            <a:rPr lang="en-US"/>
+            <a:t>How to add value with front-end integration</a:t>
+          </a:r>
+        </a:p>
+      </dgm:t>
+    </dgm:pt>
+    <dgm:pt modelId="{B48DBC19-1F23-43BB-864F-3EBAF85834CE}" type="parTrans" cxnId="{0375B557-E296-4C71-8D22-7A7860A6ADAE}">
+      <dgm:prSet/>
+      <dgm:spPr/>
+      <dgm:t>
+        <a:bodyPr/>
+        <a:lstStyle/>
+        <a:p>
+          <a:endParaRPr lang="en-US"/>
+        </a:p>
+      </dgm:t>
+    </dgm:pt>
+    <dgm:pt modelId="{DD02B946-0B10-4672-B9C4-FD84053CE9A5}" type="sibTrans" cxnId="{0375B557-E296-4C71-8D22-7A7860A6ADAE}">
+      <dgm:prSet/>
+      <dgm:spPr/>
+      <dgm:t>
+        <a:bodyPr/>
+        <a:lstStyle/>
+        <a:p>
+          <a:endParaRPr lang="en-US"/>
+        </a:p>
+      </dgm:t>
+    </dgm:pt>
+    <dgm:pt modelId="{E8FA9524-C100-41CE-B86A-8C00256A0EF7}">
+      <dgm:prSet/>
+      <dgm:spPr/>
+      <dgm:t>
+        <a:bodyPr/>
+        <a:lstStyle/>
+        <a:p>
+          <a:r>
+            <a:rPr lang="en-US"/>
+            <a:t>Deep dive into example dApp</a:t>
+          </a:r>
+        </a:p>
+      </dgm:t>
+    </dgm:pt>
+    <dgm:pt modelId="{5C85038C-5598-47AE-BC87-9B6C9762D3B6}" type="parTrans" cxnId="{193FC499-18E6-40B4-A1CB-D2FC5B21E7E9}">
+      <dgm:prSet/>
+      <dgm:spPr/>
+      <dgm:t>
+        <a:bodyPr/>
+        <a:lstStyle/>
+        <a:p>
+          <a:endParaRPr lang="en-US"/>
+        </a:p>
+      </dgm:t>
+    </dgm:pt>
+    <dgm:pt modelId="{2E127FC2-B0E8-4F6A-A3E4-750221828099}" type="sibTrans" cxnId="{193FC499-18E6-40B4-A1CB-D2FC5B21E7E9}">
+      <dgm:prSet/>
+      <dgm:spPr/>
+      <dgm:t>
+        <a:bodyPr/>
+        <a:lstStyle/>
+        <a:p>
+          <a:endParaRPr lang="en-US"/>
+        </a:p>
+      </dgm:t>
+    </dgm:pt>
+    <dgm:pt modelId="{1D81EDFE-0C97-4AD8-B55D-C78BD2E3FFF5}">
+      <dgm:prSet/>
+      <dgm:spPr/>
+      <dgm:t>
+        <a:bodyPr/>
+        <a:lstStyle/>
+        <a:p>
+          <a:r>
+            <a:rPr lang="en-US"/>
+            <a:t>-break to create teams-</a:t>
+          </a:r>
+        </a:p>
+      </dgm:t>
+    </dgm:pt>
+    <dgm:pt modelId="{04BC0DA5-CCCE-4D60-8518-18967E6C4586}" type="parTrans" cxnId="{2603630E-CA49-42E3-9707-0B828C8FD716}">
+      <dgm:prSet/>
+      <dgm:spPr/>
+      <dgm:t>
+        <a:bodyPr/>
+        <a:lstStyle/>
+        <a:p>
+          <a:endParaRPr lang="en-US"/>
+        </a:p>
+      </dgm:t>
+    </dgm:pt>
+    <dgm:pt modelId="{9913625C-B842-4520-AABC-4F3824FD7685}" type="sibTrans" cxnId="{2603630E-CA49-42E3-9707-0B828C8FD716}">
+      <dgm:prSet/>
+      <dgm:spPr/>
+      <dgm:t>
+        <a:bodyPr/>
+        <a:lstStyle/>
+        <a:p>
+          <a:endParaRPr lang="en-US"/>
+        </a:p>
+      </dgm:t>
+    </dgm:pt>
+    <dgm:pt modelId="{3EB97674-6AAE-473D-9F47-998160151449}">
+      <dgm:prSet/>
+      <dgm:spPr/>
+      <dgm:t>
+        <a:bodyPr/>
+        <a:lstStyle/>
+        <a:p>
+          <a:r>
+            <a:rPr lang="en-US"/>
+            <a:t>Brainstorming of dApp ideas and technical setup</a:t>
+          </a:r>
+        </a:p>
+      </dgm:t>
+    </dgm:pt>
+    <dgm:pt modelId="{2643420B-15B0-4FAE-9DE9-81216AD7ECDE}" type="parTrans" cxnId="{D73B7919-80FE-4DAC-A517-A334A793FC9F}">
+      <dgm:prSet/>
+      <dgm:spPr/>
+      <dgm:t>
+        <a:bodyPr/>
+        <a:lstStyle/>
+        <a:p>
+          <a:endParaRPr lang="en-US"/>
+        </a:p>
+      </dgm:t>
+    </dgm:pt>
+    <dgm:pt modelId="{EB917B39-1243-4B8D-AE9E-5DD5C0B5301C}" type="sibTrans" cxnId="{D73B7919-80FE-4DAC-A517-A334A793FC9F}">
+      <dgm:prSet/>
+      <dgm:spPr/>
+      <dgm:t>
+        <a:bodyPr/>
+        <a:lstStyle/>
+        <a:p>
+          <a:endParaRPr lang="en-US"/>
+        </a:p>
+      </dgm:t>
+    </dgm:pt>
+    <dgm:pt modelId="{B1C34650-B816-4DEE-B1AA-A0AE12E9EF3D}">
+      <dgm:prSet/>
+      <dgm:spPr/>
+      <dgm:t>
+        <a:bodyPr/>
+        <a:lstStyle/>
+        <a:p>
+          <a:r>
+            <a:rPr lang="en-US"/>
+            <a:t>Implementation time</a:t>
+          </a:r>
+        </a:p>
+      </dgm:t>
+    </dgm:pt>
+    <dgm:pt modelId="{3110D286-CB2A-4BB0-B9DA-8D3FAEF557C4}" type="parTrans" cxnId="{881D832E-7C5E-41E9-AF28-873A5970B354}">
+      <dgm:prSet/>
+      <dgm:spPr/>
+      <dgm:t>
+        <a:bodyPr/>
+        <a:lstStyle/>
+        <a:p>
+          <a:endParaRPr lang="en-US"/>
+        </a:p>
+      </dgm:t>
+    </dgm:pt>
+    <dgm:pt modelId="{5A1E9592-83BC-4E6A-8B24-BC714004C231}" type="sibTrans" cxnId="{881D832E-7C5E-41E9-AF28-873A5970B354}">
+      <dgm:prSet/>
+      <dgm:spPr/>
+      <dgm:t>
+        <a:bodyPr/>
+        <a:lstStyle/>
+        <a:p>
+          <a:endParaRPr lang="en-US"/>
+        </a:p>
+      </dgm:t>
+    </dgm:pt>
+    <dgm:pt modelId="{D440C9B0-EEF2-4A4A-8EFC-29AE304FF86E}">
+      <dgm:prSet/>
+      <dgm:spPr/>
+      <dgm:t>
+        <a:bodyPr/>
+        <a:lstStyle/>
+        <a:p>
+          <a:r>
+            <a:rPr lang="en-US"/>
+            <a:t>Presentations of dApp ideas</a:t>
+          </a:r>
+        </a:p>
+      </dgm:t>
+    </dgm:pt>
+    <dgm:pt modelId="{6DB9515F-ECC7-4C9E-813D-5BA868649633}" type="parTrans" cxnId="{6A8C505A-0660-4BF3-B5D1-B37FDA745E17}">
+      <dgm:prSet/>
+      <dgm:spPr/>
+      <dgm:t>
+        <a:bodyPr/>
+        <a:lstStyle/>
+        <a:p>
+          <a:endParaRPr lang="en-US"/>
+        </a:p>
+      </dgm:t>
+    </dgm:pt>
+    <dgm:pt modelId="{691A64B7-A448-4C87-9CDA-216B2C8DA322}" type="sibTrans" cxnId="{6A8C505A-0660-4BF3-B5D1-B37FDA745E17}">
+      <dgm:prSet/>
+      <dgm:spPr/>
+      <dgm:t>
+        <a:bodyPr/>
+        <a:lstStyle/>
+        <a:p>
+          <a:endParaRPr lang="en-US"/>
+        </a:p>
+      </dgm:t>
+    </dgm:pt>
+    <dgm:pt modelId="{A95D6825-F834-4576-B0D8-3B6BC3AD634B}">
+      <dgm:prSet/>
+      <dgm:spPr/>
+      <dgm:t>
+        <a:bodyPr/>
+        <a:lstStyle/>
+        <a:p>
+          <a:r>
+            <a:rPr lang="en-US" dirty="0"/>
+            <a:t>Judging and Prizes!</a:t>
+          </a:r>
+        </a:p>
+      </dgm:t>
+    </dgm:pt>
+    <dgm:pt modelId="{CF1B1DAE-DA49-4950-8F4A-65D54D4F0AD8}" type="parTrans" cxnId="{02FF6394-1ACA-4558-B2DC-CAE970A9E655}">
+      <dgm:prSet/>
+      <dgm:spPr/>
+      <dgm:t>
+        <a:bodyPr/>
+        <a:lstStyle/>
+        <a:p>
+          <a:endParaRPr lang="en-US"/>
+        </a:p>
+      </dgm:t>
+    </dgm:pt>
+    <dgm:pt modelId="{D22B233E-97D3-4817-908B-81FA436F88D3}" type="sibTrans" cxnId="{02FF6394-1ACA-4558-B2DC-CAE970A9E655}">
+      <dgm:prSet/>
+      <dgm:spPr/>
+      <dgm:t>
+        <a:bodyPr/>
+        <a:lstStyle/>
+        <a:p>
+          <a:endParaRPr lang="en-US"/>
+        </a:p>
+      </dgm:t>
+    </dgm:pt>
+    <dgm:pt modelId="{86FA1D1E-614D-7F49-A1C6-467FCCA0E17A}" type="pres">
+      <dgm:prSet presAssocID="{2B87C726-A723-43C2-92BF-8C95F611D58C}" presName="vert0" presStyleCnt="0">
+        <dgm:presLayoutVars>
+          <dgm:dir/>
+          <dgm:animOne val="branch"/>
+          <dgm:animLvl val="lvl"/>
+        </dgm:presLayoutVars>
+      </dgm:prSet>
+      <dgm:spPr/>
+    </dgm:pt>
+    <dgm:pt modelId="{2AE8F532-AA1C-E14F-BA7F-8A1AF927AB3F}" type="pres">
+      <dgm:prSet presAssocID="{2D9C052C-D1EA-4F91-958F-47CB50527383}" presName="thickLine" presStyleLbl="alignNode1" presStyleIdx="0" presStyleCnt="8"/>
+      <dgm:spPr/>
+    </dgm:pt>
+    <dgm:pt modelId="{3D66337C-6654-B145-824A-477F3DA50A29}" type="pres">
+      <dgm:prSet presAssocID="{2D9C052C-D1EA-4F91-958F-47CB50527383}" presName="horz1" presStyleCnt="0"/>
+      <dgm:spPr/>
+    </dgm:pt>
+    <dgm:pt modelId="{6C93FB2B-F6AC-A54E-9932-6C05BF44D6AF}" type="pres">
+      <dgm:prSet presAssocID="{2D9C052C-D1EA-4F91-958F-47CB50527383}" presName="tx1" presStyleLbl="revTx" presStyleIdx="0" presStyleCnt="8"/>
+      <dgm:spPr/>
+    </dgm:pt>
+    <dgm:pt modelId="{74EE7994-131B-F14F-8416-7EE54E2351E3}" type="pres">
+      <dgm:prSet presAssocID="{2D9C052C-D1EA-4F91-958F-47CB50527383}" presName="vert1" presStyleCnt="0"/>
+      <dgm:spPr/>
+    </dgm:pt>
+    <dgm:pt modelId="{274CF5D4-2FC4-5840-AE10-3487D59EE5B5}" type="pres">
+      <dgm:prSet presAssocID="{8420A88D-C491-4BB4-B2DB-C3202D832732}" presName="thickLine" presStyleLbl="alignNode1" presStyleIdx="1" presStyleCnt="8"/>
+      <dgm:spPr/>
+    </dgm:pt>
+    <dgm:pt modelId="{7E1700BB-A501-D648-945A-E63510727455}" type="pres">
+      <dgm:prSet presAssocID="{8420A88D-C491-4BB4-B2DB-C3202D832732}" presName="horz1" presStyleCnt="0"/>
+      <dgm:spPr/>
+    </dgm:pt>
+    <dgm:pt modelId="{F9603A20-5F52-CD4E-AC66-FD52924D39AE}" type="pres">
+      <dgm:prSet presAssocID="{8420A88D-C491-4BB4-B2DB-C3202D832732}" presName="tx1" presStyleLbl="revTx" presStyleIdx="1" presStyleCnt="8"/>
+      <dgm:spPr/>
+    </dgm:pt>
+    <dgm:pt modelId="{FB18A9B7-89CB-7046-A1B6-E3A055EF1F28}" type="pres">
+      <dgm:prSet presAssocID="{8420A88D-C491-4BB4-B2DB-C3202D832732}" presName="vert1" presStyleCnt="0"/>
+      <dgm:spPr/>
+    </dgm:pt>
+    <dgm:pt modelId="{A9FC49BC-286E-3343-8913-F72AD9E9D586}" type="pres">
+      <dgm:prSet presAssocID="{E8FA9524-C100-41CE-B86A-8C00256A0EF7}" presName="thickLine" presStyleLbl="alignNode1" presStyleIdx="2" presStyleCnt="8"/>
+      <dgm:spPr/>
+    </dgm:pt>
+    <dgm:pt modelId="{E941CA71-A36D-F545-81EB-7F3C7832F2E5}" type="pres">
+      <dgm:prSet presAssocID="{E8FA9524-C100-41CE-B86A-8C00256A0EF7}" presName="horz1" presStyleCnt="0"/>
+      <dgm:spPr/>
+    </dgm:pt>
+    <dgm:pt modelId="{4633EC71-0835-7041-948E-F325FC444C49}" type="pres">
+      <dgm:prSet presAssocID="{E8FA9524-C100-41CE-B86A-8C00256A0EF7}" presName="tx1" presStyleLbl="revTx" presStyleIdx="2" presStyleCnt="8"/>
+      <dgm:spPr/>
+    </dgm:pt>
+    <dgm:pt modelId="{1E071033-8BEF-E349-ACF7-7BF433E73BC8}" type="pres">
+      <dgm:prSet presAssocID="{E8FA9524-C100-41CE-B86A-8C00256A0EF7}" presName="vert1" presStyleCnt="0"/>
+      <dgm:spPr/>
+    </dgm:pt>
+    <dgm:pt modelId="{7D42A493-5C69-6247-981A-750446E09E8D}" type="pres">
+      <dgm:prSet presAssocID="{1D81EDFE-0C97-4AD8-B55D-C78BD2E3FFF5}" presName="thickLine" presStyleLbl="alignNode1" presStyleIdx="3" presStyleCnt="8"/>
+      <dgm:spPr/>
+    </dgm:pt>
+    <dgm:pt modelId="{DD7FA4A7-CCDF-7748-A588-ADE50CCE8127}" type="pres">
+      <dgm:prSet presAssocID="{1D81EDFE-0C97-4AD8-B55D-C78BD2E3FFF5}" presName="horz1" presStyleCnt="0"/>
+      <dgm:spPr/>
+    </dgm:pt>
+    <dgm:pt modelId="{C3018594-B119-4B4E-94ED-FB2DDDEC66F4}" type="pres">
+      <dgm:prSet presAssocID="{1D81EDFE-0C97-4AD8-B55D-C78BD2E3FFF5}" presName="tx1" presStyleLbl="revTx" presStyleIdx="3" presStyleCnt="8"/>
+      <dgm:spPr/>
+    </dgm:pt>
+    <dgm:pt modelId="{315850E0-6825-3741-9A5D-E8A6E89D3A85}" type="pres">
+      <dgm:prSet presAssocID="{1D81EDFE-0C97-4AD8-B55D-C78BD2E3FFF5}" presName="vert1" presStyleCnt="0"/>
+      <dgm:spPr/>
+    </dgm:pt>
+    <dgm:pt modelId="{7F799FD7-400E-8747-87ED-A9FEF37ED190}" type="pres">
+      <dgm:prSet presAssocID="{3EB97674-6AAE-473D-9F47-998160151449}" presName="thickLine" presStyleLbl="alignNode1" presStyleIdx="4" presStyleCnt="8"/>
+      <dgm:spPr/>
+    </dgm:pt>
+    <dgm:pt modelId="{8C5FEC47-D48D-3246-89F4-72C3907BE05B}" type="pres">
+      <dgm:prSet presAssocID="{3EB97674-6AAE-473D-9F47-998160151449}" presName="horz1" presStyleCnt="0"/>
+      <dgm:spPr/>
+    </dgm:pt>
+    <dgm:pt modelId="{DCC26E8D-A92A-6146-8F6F-145A54FF1338}" type="pres">
+      <dgm:prSet presAssocID="{3EB97674-6AAE-473D-9F47-998160151449}" presName="tx1" presStyleLbl="revTx" presStyleIdx="4" presStyleCnt="8"/>
+      <dgm:spPr/>
+    </dgm:pt>
+    <dgm:pt modelId="{F4398F4A-DAFD-D143-AAE4-110927201516}" type="pres">
+      <dgm:prSet presAssocID="{3EB97674-6AAE-473D-9F47-998160151449}" presName="vert1" presStyleCnt="0"/>
+      <dgm:spPr/>
+    </dgm:pt>
+    <dgm:pt modelId="{7D0144C3-F174-B048-B37B-9528C3F44082}" type="pres">
+      <dgm:prSet presAssocID="{B1C34650-B816-4DEE-B1AA-A0AE12E9EF3D}" presName="thickLine" presStyleLbl="alignNode1" presStyleIdx="5" presStyleCnt="8"/>
+      <dgm:spPr/>
+    </dgm:pt>
+    <dgm:pt modelId="{5E35E76D-4C2A-B842-9CFA-F4069BA2665E}" type="pres">
+      <dgm:prSet presAssocID="{B1C34650-B816-4DEE-B1AA-A0AE12E9EF3D}" presName="horz1" presStyleCnt="0"/>
+      <dgm:spPr/>
+    </dgm:pt>
+    <dgm:pt modelId="{5C0E4030-EF11-854E-A5C8-F6A553CCC652}" type="pres">
+      <dgm:prSet presAssocID="{B1C34650-B816-4DEE-B1AA-A0AE12E9EF3D}" presName="tx1" presStyleLbl="revTx" presStyleIdx="5" presStyleCnt="8"/>
+      <dgm:spPr/>
+    </dgm:pt>
+    <dgm:pt modelId="{A3D60109-9E45-E544-9D05-9746C2DCD290}" type="pres">
+      <dgm:prSet presAssocID="{B1C34650-B816-4DEE-B1AA-A0AE12E9EF3D}" presName="vert1" presStyleCnt="0"/>
+      <dgm:spPr/>
+    </dgm:pt>
+    <dgm:pt modelId="{E1E14FF7-45C1-C240-BF46-93CA50244DBB}" type="pres">
+      <dgm:prSet presAssocID="{D440C9B0-EEF2-4A4A-8EFC-29AE304FF86E}" presName="thickLine" presStyleLbl="alignNode1" presStyleIdx="6" presStyleCnt="8"/>
+      <dgm:spPr/>
+    </dgm:pt>
+    <dgm:pt modelId="{B8670335-BB57-1943-9685-F8A996DB350C}" type="pres">
+      <dgm:prSet presAssocID="{D440C9B0-EEF2-4A4A-8EFC-29AE304FF86E}" presName="horz1" presStyleCnt="0"/>
+      <dgm:spPr/>
+    </dgm:pt>
+    <dgm:pt modelId="{978F9046-B40D-4642-B6FD-74135DF38158}" type="pres">
+      <dgm:prSet presAssocID="{D440C9B0-EEF2-4A4A-8EFC-29AE304FF86E}" presName="tx1" presStyleLbl="revTx" presStyleIdx="6" presStyleCnt="8"/>
+      <dgm:spPr/>
+    </dgm:pt>
+    <dgm:pt modelId="{7A01E560-08FD-8E43-9B74-2837C18CD39A}" type="pres">
+      <dgm:prSet presAssocID="{D440C9B0-EEF2-4A4A-8EFC-29AE304FF86E}" presName="vert1" presStyleCnt="0"/>
+      <dgm:spPr/>
+    </dgm:pt>
+    <dgm:pt modelId="{62C2DD1D-F756-7D4C-A32C-05280F74FCC2}" type="pres">
+      <dgm:prSet presAssocID="{A95D6825-F834-4576-B0D8-3B6BC3AD634B}" presName="thickLine" presStyleLbl="alignNode1" presStyleIdx="7" presStyleCnt="8"/>
+      <dgm:spPr/>
+    </dgm:pt>
+    <dgm:pt modelId="{4B6E89E6-C8AA-DF47-95BB-F7A928D61373}" type="pres">
+      <dgm:prSet presAssocID="{A95D6825-F834-4576-B0D8-3B6BC3AD634B}" presName="horz1" presStyleCnt="0"/>
+      <dgm:spPr/>
+    </dgm:pt>
+    <dgm:pt modelId="{743932FD-3D19-7D46-BC04-349C90F617C6}" type="pres">
+      <dgm:prSet presAssocID="{A95D6825-F834-4576-B0D8-3B6BC3AD634B}" presName="tx1" presStyleLbl="revTx" presStyleIdx="7" presStyleCnt="8"/>
+      <dgm:spPr/>
+    </dgm:pt>
+    <dgm:pt modelId="{322EA443-7940-BB4B-8C2D-498EFE66C1E6}" type="pres">
+      <dgm:prSet presAssocID="{A95D6825-F834-4576-B0D8-3B6BC3AD634B}" presName="vert1" presStyleCnt="0"/>
+      <dgm:spPr/>
+    </dgm:pt>
+  </dgm:ptLst>
+  <dgm:cxnLst>
+    <dgm:cxn modelId="{9FDE3100-DC39-3941-A689-CDF40E262574}" type="presOf" srcId="{2B87C726-A723-43C2-92BF-8C95F611D58C}" destId="{86FA1D1E-614D-7F49-A1C6-467FCCA0E17A}" srcOrd="0" destOrd="0" presId="urn:microsoft.com/office/officeart/2008/layout/LinedList"/>
+    <dgm:cxn modelId="{758E3D0C-112E-1548-AFBD-D0BEB93957DE}" type="presOf" srcId="{3EB97674-6AAE-473D-9F47-998160151449}" destId="{DCC26E8D-A92A-6146-8F6F-145A54FF1338}" srcOrd="0" destOrd="0" presId="urn:microsoft.com/office/officeart/2008/layout/LinedList"/>
+    <dgm:cxn modelId="{2603630E-CA49-42E3-9707-0B828C8FD716}" srcId="{2B87C726-A723-43C2-92BF-8C95F611D58C}" destId="{1D81EDFE-0C97-4AD8-B55D-C78BD2E3FFF5}" srcOrd="3" destOrd="0" parTransId="{04BC0DA5-CCCE-4D60-8518-18967E6C4586}" sibTransId="{9913625C-B842-4520-AABC-4F3824FD7685}"/>
+    <dgm:cxn modelId="{68B6A116-6E79-2F4D-86C7-3392E3A6F20D}" type="presOf" srcId="{2D9C052C-D1EA-4F91-958F-47CB50527383}" destId="{6C93FB2B-F6AC-A54E-9932-6C05BF44D6AF}" srcOrd="0" destOrd="0" presId="urn:microsoft.com/office/officeart/2008/layout/LinedList"/>
+    <dgm:cxn modelId="{D73B7919-80FE-4DAC-A517-A334A793FC9F}" srcId="{2B87C726-A723-43C2-92BF-8C95F611D58C}" destId="{3EB97674-6AAE-473D-9F47-998160151449}" srcOrd="4" destOrd="0" parTransId="{2643420B-15B0-4FAE-9DE9-81216AD7ECDE}" sibTransId="{EB917B39-1243-4B8D-AE9E-5DD5C0B5301C}"/>
+    <dgm:cxn modelId="{881D832E-7C5E-41E9-AF28-873A5970B354}" srcId="{2B87C726-A723-43C2-92BF-8C95F611D58C}" destId="{B1C34650-B816-4DEE-B1AA-A0AE12E9EF3D}" srcOrd="5" destOrd="0" parTransId="{3110D286-CB2A-4BB0-B9DA-8D3FAEF557C4}" sibTransId="{5A1E9592-83BC-4E6A-8B24-BC714004C231}"/>
+    <dgm:cxn modelId="{A2133355-00A9-B248-A91F-B658CAED28C4}" type="presOf" srcId="{A95D6825-F834-4576-B0D8-3B6BC3AD634B}" destId="{743932FD-3D19-7D46-BC04-349C90F617C6}" srcOrd="0" destOrd="0" presId="urn:microsoft.com/office/officeart/2008/layout/LinedList"/>
+    <dgm:cxn modelId="{0375B557-E296-4C71-8D22-7A7860A6ADAE}" srcId="{2B87C726-A723-43C2-92BF-8C95F611D58C}" destId="{8420A88D-C491-4BB4-B2DB-C3202D832732}" srcOrd="1" destOrd="0" parTransId="{B48DBC19-1F23-43BB-864F-3EBAF85834CE}" sibTransId="{DD02B946-0B10-4672-B9C4-FD84053CE9A5}"/>
+    <dgm:cxn modelId="{6A8C505A-0660-4BF3-B5D1-B37FDA745E17}" srcId="{2B87C726-A723-43C2-92BF-8C95F611D58C}" destId="{D440C9B0-EEF2-4A4A-8EFC-29AE304FF86E}" srcOrd="6" destOrd="0" parTransId="{6DB9515F-ECC7-4C9E-813D-5BA868649633}" sibTransId="{691A64B7-A448-4C87-9CDA-216B2C8DA322}"/>
+    <dgm:cxn modelId="{7B0E146D-FBCA-4A57-9CE9-0FAF63D2D9E1}" srcId="{2B87C726-A723-43C2-92BF-8C95F611D58C}" destId="{2D9C052C-D1EA-4F91-958F-47CB50527383}" srcOrd="0" destOrd="0" parTransId="{11F6D7F5-1FFA-48A6-B3A1-47DBE272908A}" sibTransId="{B59AC68C-B876-4E4B-9745-B8A2E8D07DC1}"/>
+    <dgm:cxn modelId="{02FF6394-1ACA-4558-B2DC-CAE970A9E655}" srcId="{2B87C726-A723-43C2-92BF-8C95F611D58C}" destId="{A95D6825-F834-4576-B0D8-3B6BC3AD634B}" srcOrd="7" destOrd="0" parTransId="{CF1B1DAE-DA49-4950-8F4A-65D54D4F0AD8}" sibTransId="{D22B233E-97D3-4817-908B-81FA436F88D3}"/>
+    <dgm:cxn modelId="{193FC499-18E6-40B4-A1CB-D2FC5B21E7E9}" srcId="{2B87C726-A723-43C2-92BF-8C95F611D58C}" destId="{E8FA9524-C100-41CE-B86A-8C00256A0EF7}" srcOrd="2" destOrd="0" parTransId="{5C85038C-5598-47AE-BC87-9B6C9762D3B6}" sibTransId="{2E127FC2-B0E8-4F6A-A3E4-750221828099}"/>
+    <dgm:cxn modelId="{646907A5-ECCA-1945-818A-BEC4A7F292A5}" type="presOf" srcId="{E8FA9524-C100-41CE-B86A-8C00256A0EF7}" destId="{4633EC71-0835-7041-948E-F325FC444C49}" srcOrd="0" destOrd="0" presId="urn:microsoft.com/office/officeart/2008/layout/LinedList"/>
+    <dgm:cxn modelId="{82DC89A7-7D09-D64D-9863-CD90654F08EE}" type="presOf" srcId="{1D81EDFE-0C97-4AD8-B55D-C78BD2E3FFF5}" destId="{C3018594-B119-4B4E-94ED-FB2DDDEC66F4}" srcOrd="0" destOrd="0" presId="urn:microsoft.com/office/officeart/2008/layout/LinedList"/>
+    <dgm:cxn modelId="{A1E7FAC7-19ED-A64C-92C8-6BA185C0E2BF}" type="presOf" srcId="{B1C34650-B816-4DEE-B1AA-A0AE12E9EF3D}" destId="{5C0E4030-EF11-854E-A5C8-F6A553CCC652}" srcOrd="0" destOrd="0" presId="urn:microsoft.com/office/officeart/2008/layout/LinedList"/>
+    <dgm:cxn modelId="{32B6ECE8-6B44-E646-9210-AB86AB73307A}" type="presOf" srcId="{D440C9B0-EEF2-4A4A-8EFC-29AE304FF86E}" destId="{978F9046-B40D-4642-B6FD-74135DF38158}" srcOrd="0" destOrd="0" presId="urn:microsoft.com/office/officeart/2008/layout/LinedList"/>
+    <dgm:cxn modelId="{5DE8EAF3-9B74-2141-BC37-D052423F1D92}" type="presOf" srcId="{8420A88D-C491-4BB4-B2DB-C3202D832732}" destId="{F9603A20-5F52-CD4E-AC66-FD52924D39AE}" srcOrd="0" destOrd="0" presId="urn:microsoft.com/office/officeart/2008/layout/LinedList"/>
+    <dgm:cxn modelId="{D480C8DD-01F7-F646-98C3-59E7EE87EE64}" type="presParOf" srcId="{86FA1D1E-614D-7F49-A1C6-467FCCA0E17A}" destId="{2AE8F532-AA1C-E14F-BA7F-8A1AF927AB3F}" srcOrd="0" destOrd="0" presId="urn:microsoft.com/office/officeart/2008/layout/LinedList"/>
+    <dgm:cxn modelId="{EBC96D63-E4D5-1643-AEB7-E21640ECE11A}" type="presParOf" srcId="{86FA1D1E-614D-7F49-A1C6-467FCCA0E17A}" destId="{3D66337C-6654-B145-824A-477F3DA50A29}" srcOrd="1" destOrd="0" presId="urn:microsoft.com/office/officeart/2008/layout/LinedList"/>
+    <dgm:cxn modelId="{4F6C3D13-9F0B-B243-AE49-60488CE431B6}" type="presParOf" srcId="{3D66337C-6654-B145-824A-477F3DA50A29}" destId="{6C93FB2B-F6AC-A54E-9932-6C05BF44D6AF}" srcOrd="0" destOrd="0" presId="urn:microsoft.com/office/officeart/2008/layout/LinedList"/>
+    <dgm:cxn modelId="{5421D878-BEB5-E740-AF45-C3255B9A2B64}" type="presParOf" srcId="{3D66337C-6654-B145-824A-477F3DA50A29}" destId="{74EE7994-131B-F14F-8416-7EE54E2351E3}" srcOrd="1" destOrd="0" presId="urn:microsoft.com/office/officeart/2008/layout/LinedList"/>
+    <dgm:cxn modelId="{E9D37FE4-7C28-514B-A949-301B8C5472E1}" type="presParOf" srcId="{86FA1D1E-614D-7F49-A1C6-467FCCA0E17A}" destId="{274CF5D4-2FC4-5840-AE10-3487D59EE5B5}" srcOrd="2" destOrd="0" presId="urn:microsoft.com/office/officeart/2008/layout/LinedList"/>
+    <dgm:cxn modelId="{B40BC6C8-4272-6F44-8B8A-2671F5E0F3F1}" type="presParOf" srcId="{86FA1D1E-614D-7F49-A1C6-467FCCA0E17A}" destId="{7E1700BB-A501-D648-945A-E63510727455}" srcOrd="3" destOrd="0" presId="urn:microsoft.com/office/officeart/2008/layout/LinedList"/>
+    <dgm:cxn modelId="{0222ABB9-5698-374F-BBDB-43894903B532}" type="presParOf" srcId="{7E1700BB-A501-D648-945A-E63510727455}" destId="{F9603A20-5F52-CD4E-AC66-FD52924D39AE}" srcOrd="0" destOrd="0" presId="urn:microsoft.com/office/officeart/2008/layout/LinedList"/>
+    <dgm:cxn modelId="{9FF5F99B-D499-3A48-8872-A49498893916}" type="presParOf" srcId="{7E1700BB-A501-D648-945A-E63510727455}" destId="{FB18A9B7-89CB-7046-A1B6-E3A055EF1F28}" srcOrd="1" destOrd="0" presId="urn:microsoft.com/office/officeart/2008/layout/LinedList"/>
+    <dgm:cxn modelId="{DD703470-C382-9B4E-BD87-C03AC0C2FE02}" type="presParOf" srcId="{86FA1D1E-614D-7F49-A1C6-467FCCA0E17A}" destId="{A9FC49BC-286E-3343-8913-F72AD9E9D586}" srcOrd="4" destOrd="0" presId="urn:microsoft.com/office/officeart/2008/layout/LinedList"/>
+    <dgm:cxn modelId="{737B77C7-788E-1543-AA3C-CE715DC5F1C0}" type="presParOf" srcId="{86FA1D1E-614D-7F49-A1C6-467FCCA0E17A}" destId="{E941CA71-A36D-F545-81EB-7F3C7832F2E5}" srcOrd="5" destOrd="0" presId="urn:microsoft.com/office/officeart/2008/layout/LinedList"/>
+    <dgm:cxn modelId="{C643BE38-0996-994A-98B4-F61831BCD35A}" type="presParOf" srcId="{E941CA71-A36D-F545-81EB-7F3C7832F2E5}" destId="{4633EC71-0835-7041-948E-F325FC444C49}" srcOrd="0" destOrd="0" presId="urn:microsoft.com/office/officeart/2008/layout/LinedList"/>
+    <dgm:cxn modelId="{AE466C88-DC74-EC42-B8CE-6940C6207639}" type="presParOf" srcId="{E941CA71-A36D-F545-81EB-7F3C7832F2E5}" destId="{1E071033-8BEF-E349-ACF7-7BF433E73BC8}" srcOrd="1" destOrd="0" presId="urn:microsoft.com/office/officeart/2008/layout/LinedList"/>
+    <dgm:cxn modelId="{4EFE2E78-BC9C-D645-B1D7-DDC90413D449}" type="presParOf" srcId="{86FA1D1E-614D-7F49-A1C6-467FCCA0E17A}" destId="{7D42A493-5C69-6247-981A-750446E09E8D}" srcOrd="6" destOrd="0" presId="urn:microsoft.com/office/officeart/2008/layout/LinedList"/>
+    <dgm:cxn modelId="{5A314998-53D7-DC45-9AD1-689F63EC7E00}" type="presParOf" srcId="{86FA1D1E-614D-7F49-A1C6-467FCCA0E17A}" destId="{DD7FA4A7-CCDF-7748-A588-ADE50CCE8127}" srcOrd="7" destOrd="0" presId="urn:microsoft.com/office/officeart/2008/layout/LinedList"/>
+    <dgm:cxn modelId="{26109E65-3AC7-8646-9C88-C0FCC1264136}" type="presParOf" srcId="{DD7FA4A7-CCDF-7748-A588-ADE50CCE8127}" destId="{C3018594-B119-4B4E-94ED-FB2DDDEC66F4}" srcOrd="0" destOrd="0" presId="urn:microsoft.com/office/officeart/2008/layout/LinedList"/>
+    <dgm:cxn modelId="{01330CCC-3D4A-5640-AEC4-3F6B3031AB7E}" type="presParOf" srcId="{DD7FA4A7-CCDF-7748-A588-ADE50CCE8127}" destId="{315850E0-6825-3741-9A5D-E8A6E89D3A85}" srcOrd="1" destOrd="0" presId="urn:microsoft.com/office/officeart/2008/layout/LinedList"/>
+    <dgm:cxn modelId="{A30A3E15-C6BA-A74E-B9A5-CE8F9A7FB5E1}" type="presParOf" srcId="{86FA1D1E-614D-7F49-A1C6-467FCCA0E17A}" destId="{7F799FD7-400E-8747-87ED-A9FEF37ED190}" srcOrd="8" destOrd="0" presId="urn:microsoft.com/office/officeart/2008/layout/LinedList"/>
+    <dgm:cxn modelId="{062E4A0D-23DF-FA4E-B9FB-6679DAE95E19}" type="presParOf" srcId="{86FA1D1E-614D-7F49-A1C6-467FCCA0E17A}" destId="{8C5FEC47-D48D-3246-89F4-72C3907BE05B}" srcOrd="9" destOrd="0" presId="urn:microsoft.com/office/officeart/2008/layout/LinedList"/>
+    <dgm:cxn modelId="{75194B43-9497-FE41-8666-94A42510C16A}" type="presParOf" srcId="{8C5FEC47-D48D-3246-89F4-72C3907BE05B}" destId="{DCC26E8D-A92A-6146-8F6F-145A54FF1338}" srcOrd="0" destOrd="0" presId="urn:microsoft.com/office/officeart/2008/layout/LinedList"/>
+    <dgm:cxn modelId="{D22F5CA2-7891-124E-8D42-15DAAC1425AB}" type="presParOf" srcId="{8C5FEC47-D48D-3246-89F4-72C3907BE05B}" destId="{F4398F4A-DAFD-D143-AAE4-110927201516}" srcOrd="1" destOrd="0" presId="urn:microsoft.com/office/officeart/2008/layout/LinedList"/>
+    <dgm:cxn modelId="{A8224698-CE16-6B4C-B871-923EA5DE542E}" type="presParOf" srcId="{86FA1D1E-614D-7F49-A1C6-467FCCA0E17A}" destId="{7D0144C3-F174-B048-B37B-9528C3F44082}" srcOrd="10" destOrd="0" presId="urn:microsoft.com/office/officeart/2008/layout/LinedList"/>
+    <dgm:cxn modelId="{82C0AB62-37C6-0849-8E10-72B2CF37743F}" type="presParOf" srcId="{86FA1D1E-614D-7F49-A1C6-467FCCA0E17A}" destId="{5E35E76D-4C2A-B842-9CFA-F4069BA2665E}" srcOrd="11" destOrd="0" presId="urn:microsoft.com/office/officeart/2008/layout/LinedList"/>
+    <dgm:cxn modelId="{A3399FC7-2608-B446-BFD3-D2D84B39905E}" type="presParOf" srcId="{5E35E76D-4C2A-B842-9CFA-F4069BA2665E}" destId="{5C0E4030-EF11-854E-A5C8-F6A553CCC652}" srcOrd="0" destOrd="0" presId="urn:microsoft.com/office/officeart/2008/layout/LinedList"/>
+    <dgm:cxn modelId="{12101159-9A2C-4F42-99E4-EBCBA6A44B15}" type="presParOf" srcId="{5E35E76D-4C2A-B842-9CFA-F4069BA2665E}" destId="{A3D60109-9E45-E544-9D05-9746C2DCD290}" srcOrd="1" destOrd="0" presId="urn:microsoft.com/office/officeart/2008/layout/LinedList"/>
+    <dgm:cxn modelId="{612E4A52-FDEC-844C-B5A7-495AC69EBA6A}" type="presParOf" srcId="{86FA1D1E-614D-7F49-A1C6-467FCCA0E17A}" destId="{E1E14FF7-45C1-C240-BF46-93CA50244DBB}" srcOrd="12" destOrd="0" presId="urn:microsoft.com/office/officeart/2008/layout/LinedList"/>
+    <dgm:cxn modelId="{65D3CE9E-030D-7849-827B-658305EBF705}" type="presParOf" srcId="{86FA1D1E-614D-7F49-A1C6-467FCCA0E17A}" destId="{B8670335-BB57-1943-9685-F8A996DB350C}" srcOrd="13" destOrd="0" presId="urn:microsoft.com/office/officeart/2008/layout/LinedList"/>
+    <dgm:cxn modelId="{88578031-B2D0-8B48-ABCE-8CE81F7F4511}" type="presParOf" srcId="{B8670335-BB57-1943-9685-F8A996DB350C}" destId="{978F9046-B40D-4642-B6FD-74135DF38158}" srcOrd="0" destOrd="0" presId="urn:microsoft.com/office/officeart/2008/layout/LinedList"/>
+    <dgm:cxn modelId="{1B45538A-B086-3749-9CAA-21FBF1521397}" type="presParOf" srcId="{B8670335-BB57-1943-9685-F8A996DB350C}" destId="{7A01E560-08FD-8E43-9B74-2837C18CD39A}" srcOrd="1" destOrd="0" presId="urn:microsoft.com/office/officeart/2008/layout/LinedList"/>
+    <dgm:cxn modelId="{FF1EFAD1-5B7D-5E49-BFFF-D5D2ADF6E4D3}" type="presParOf" srcId="{86FA1D1E-614D-7F49-A1C6-467FCCA0E17A}" destId="{62C2DD1D-F756-7D4C-A32C-05280F74FCC2}" srcOrd="14" destOrd="0" presId="urn:microsoft.com/office/officeart/2008/layout/LinedList"/>
+    <dgm:cxn modelId="{DEFD6DF2-AB64-764B-A1A8-0BBF07563A81}" type="presParOf" srcId="{86FA1D1E-614D-7F49-A1C6-467FCCA0E17A}" destId="{4B6E89E6-C8AA-DF47-95BB-F7A928D61373}" srcOrd="15" destOrd="0" presId="urn:microsoft.com/office/officeart/2008/layout/LinedList"/>
+    <dgm:cxn modelId="{532874C6-E8C5-7949-AA03-9E8B619AA8EE}" type="presParOf" srcId="{4B6E89E6-C8AA-DF47-95BB-F7A928D61373}" destId="{743932FD-3D19-7D46-BC04-349C90F617C6}" srcOrd="0" destOrd="0" presId="urn:microsoft.com/office/officeart/2008/layout/LinedList"/>
+    <dgm:cxn modelId="{4FAEF3FD-A1D2-4645-85CA-419A9CEC8F28}" type="presParOf" srcId="{4B6E89E6-C8AA-DF47-95BB-F7A928D61373}" destId="{322EA443-7940-BB4B-8C2D-498EFE66C1E6}" srcOrd="1" destOrd="0" presId="urn:microsoft.com/office/officeart/2008/layout/LinedList"/>
+  </dgm:cxnLst>
+  <dgm:bg/>
+  <dgm:whole/>
+  <dgm:extLst>
+    <a:ext uri="http://schemas.microsoft.com/office/drawing/2008/diagram">
+      <dsp:dataModelExt xmlns:dsp="http://schemas.microsoft.com/office/drawing/2008/diagram" relId="rId6" minVer="http://schemas.openxmlformats.org/drawingml/2006/diagram"/>
+    </a:ext>
+  </dgm:extLst>
+</dgm:dataModel>
+</file>
+
+<file path=ppt/diagrams/drawing1.xml><?xml version="1.0" encoding="utf-8"?>
+<dsp:drawing xmlns:dgm="http://schemas.openxmlformats.org/drawingml/2006/diagram" xmlns:dsp="http://schemas.microsoft.com/office/drawing/2008/diagram" xmlns:a="http://schemas.openxmlformats.org/drawingml/2006/main">
+  <dsp:spTree>
+    <dsp:nvGrpSpPr>
+      <dsp:cNvPr id="0" name=""/>
+      <dsp:cNvGrpSpPr/>
+    </dsp:nvGrpSpPr>
+    <dsp:grpSpPr/>
+    <dsp:sp modelId="{2AE8F532-AA1C-E14F-BA7F-8A1AF927AB3F}">
+      <dsp:nvSpPr>
+        <dsp:cNvPr id="0" name=""/>
+        <dsp:cNvSpPr/>
+      </dsp:nvSpPr>
+      <dsp:spPr>
+        <a:xfrm>
+          <a:off x="0" y="0"/>
+          <a:ext cx="6492875" cy="0"/>
+        </a:xfrm>
+        <a:prstGeom prst="line">
+          <a:avLst/>
+        </a:prstGeom>
+        <a:solidFill>
+          <a:schemeClr val="accent2">
+            <a:hueOff val="0"/>
+            <a:satOff val="0"/>
+            <a:lumOff val="0"/>
+            <a:alphaOff val="0"/>
+          </a:schemeClr>
+        </a:solidFill>
+        <a:ln w="12700" cap="flat" cmpd="sng" algn="ctr">
+          <a:solidFill>
+            <a:schemeClr val="accent2">
+              <a:hueOff val="0"/>
+              <a:satOff val="0"/>
+              <a:lumOff val="0"/>
+              <a:alphaOff val="0"/>
+            </a:schemeClr>
+          </a:solidFill>
+          <a:prstDash val="solid"/>
+          <a:miter lim="800000"/>
+        </a:ln>
+        <a:effectLst/>
+      </dsp:spPr>
+      <dsp:style>
+        <a:lnRef idx="2">
+          <a:scrgbClr r="0" g="0" b="0"/>
+        </a:lnRef>
+        <a:fillRef idx="1">
+          <a:scrgbClr r="0" g="0" b="0"/>
+        </a:fillRef>
+        <a:effectRef idx="0">
+          <a:scrgbClr r="0" g="0" b="0"/>
+        </a:effectRef>
+        <a:fontRef idx="minor">
+          <a:schemeClr val="lt1"/>
+        </a:fontRef>
+      </dsp:style>
+    </dsp:sp>
+    <dsp:sp modelId="{6C93FB2B-F6AC-A54E-9932-6C05BF44D6AF}">
+      <dsp:nvSpPr>
+        <dsp:cNvPr id="0" name=""/>
+        <dsp:cNvSpPr/>
+      </dsp:nvSpPr>
+      <dsp:spPr>
+        <a:xfrm>
+          <a:off x="0" y="0"/>
+          <a:ext cx="6492875" cy="638175"/>
+        </a:xfrm>
+        <a:prstGeom prst="rect">
+          <a:avLst/>
+        </a:prstGeom>
+        <a:noFill/>
+        <a:ln>
+          <a:noFill/>
+        </a:ln>
+        <a:effectLst/>
+      </dsp:spPr>
+      <dsp:style>
+        <a:lnRef idx="0">
+          <a:scrgbClr r="0" g="0" b="0"/>
+        </a:lnRef>
+        <a:fillRef idx="0">
+          <a:scrgbClr r="0" g="0" b="0"/>
+        </a:fillRef>
+        <a:effectRef idx="0">
+          <a:scrgbClr r="0" g="0" b="0"/>
+        </a:effectRef>
+        <a:fontRef idx="minor"/>
+      </dsp:style>
+      <dsp:txBody>
+        <a:bodyPr spcFirstLastPara="0" vert="horz" wrap="square" lIns="95250" tIns="95250" rIns="95250" bIns="95250" numCol="1" spcCol="1270" anchor="t" anchorCtr="0">
+          <a:noAutofit/>
+        </a:bodyPr>
+        <a:lstStyle/>
+        <a:p>
+          <a:pPr marL="0" lvl="0" indent="0" algn="l" defTabSz="1111250">
+            <a:lnSpc>
+              <a:spcPct val="90000"/>
+            </a:lnSpc>
+            <a:spcBef>
+              <a:spcPct val="0"/>
+            </a:spcBef>
+            <a:spcAft>
+              <a:spcPct val="35000"/>
+            </a:spcAft>
+            <a:buNone/>
+          </a:pPr>
+          <a:r>
+            <a:rPr lang="en-US" sz="2500" kern="1200"/>
+            <a:t>Overview of Ethereum smart contracts</a:t>
+          </a:r>
+        </a:p>
+      </dsp:txBody>
+      <dsp:txXfrm>
+        <a:off x="0" y="0"/>
+        <a:ext cx="6492875" cy="638175"/>
+      </dsp:txXfrm>
+    </dsp:sp>
+    <dsp:sp modelId="{274CF5D4-2FC4-5840-AE10-3487D59EE5B5}">
+      <dsp:nvSpPr>
+        <dsp:cNvPr id="0" name=""/>
+        <dsp:cNvSpPr/>
+      </dsp:nvSpPr>
+      <dsp:spPr>
+        <a:xfrm>
+          <a:off x="0" y="638175"/>
+          <a:ext cx="6492875" cy="0"/>
+        </a:xfrm>
+        <a:prstGeom prst="line">
+          <a:avLst/>
+        </a:prstGeom>
+        <a:solidFill>
+          <a:schemeClr val="accent3">
+            <a:hueOff val="0"/>
+            <a:satOff val="0"/>
+            <a:lumOff val="0"/>
+            <a:alphaOff val="0"/>
+          </a:schemeClr>
+        </a:solidFill>
+        <a:ln w="12700" cap="flat" cmpd="sng" algn="ctr">
+          <a:solidFill>
+            <a:schemeClr val="accent3">
+              <a:hueOff val="0"/>
+              <a:satOff val="0"/>
+              <a:lumOff val="0"/>
+              <a:alphaOff val="0"/>
+            </a:schemeClr>
+          </a:solidFill>
+          <a:prstDash val="solid"/>
+          <a:miter lim="800000"/>
+        </a:ln>
+        <a:effectLst/>
+      </dsp:spPr>
+      <dsp:style>
+        <a:lnRef idx="2">
+          <a:scrgbClr r="0" g="0" b="0"/>
+        </a:lnRef>
+        <a:fillRef idx="1">
+          <a:scrgbClr r="0" g="0" b="0"/>
+        </a:fillRef>
+        <a:effectRef idx="0">
+          <a:scrgbClr r="0" g="0" b="0"/>
+        </a:effectRef>
+        <a:fontRef idx="minor">
+          <a:schemeClr val="lt1"/>
+        </a:fontRef>
+      </dsp:style>
+    </dsp:sp>
+    <dsp:sp modelId="{F9603A20-5F52-CD4E-AC66-FD52924D39AE}">
+      <dsp:nvSpPr>
+        <dsp:cNvPr id="0" name=""/>
+        <dsp:cNvSpPr/>
+      </dsp:nvSpPr>
+      <dsp:spPr>
+        <a:xfrm>
+          <a:off x="0" y="638175"/>
+          <a:ext cx="6492875" cy="638175"/>
+        </a:xfrm>
+        <a:prstGeom prst="rect">
+          <a:avLst/>
+        </a:prstGeom>
+        <a:noFill/>
+        <a:ln>
+          <a:noFill/>
+        </a:ln>
+        <a:effectLst/>
+      </dsp:spPr>
+      <dsp:style>
+        <a:lnRef idx="0">
+          <a:scrgbClr r="0" g="0" b="0"/>
+        </a:lnRef>
+        <a:fillRef idx="0">
+          <a:scrgbClr r="0" g="0" b="0"/>
+        </a:fillRef>
+        <a:effectRef idx="0">
+          <a:scrgbClr r="0" g="0" b="0"/>
+        </a:effectRef>
+        <a:fontRef idx="minor"/>
+      </dsp:style>
+      <dsp:txBody>
+        <a:bodyPr spcFirstLastPara="0" vert="horz" wrap="square" lIns="95250" tIns="95250" rIns="95250" bIns="95250" numCol="1" spcCol="1270" anchor="t" anchorCtr="0">
+          <a:noAutofit/>
+        </a:bodyPr>
+        <a:lstStyle/>
+        <a:p>
+          <a:pPr marL="0" lvl="0" indent="0" algn="l" defTabSz="1111250">
+            <a:lnSpc>
+              <a:spcPct val="90000"/>
+            </a:lnSpc>
+            <a:spcBef>
+              <a:spcPct val="0"/>
+            </a:spcBef>
+            <a:spcAft>
+              <a:spcPct val="35000"/>
+            </a:spcAft>
+            <a:buNone/>
+          </a:pPr>
+          <a:r>
+            <a:rPr lang="en-US" sz="2500" kern="1200"/>
+            <a:t>How to add value with front-end integration</a:t>
+          </a:r>
+        </a:p>
+      </dsp:txBody>
+      <dsp:txXfrm>
+        <a:off x="0" y="638175"/>
+        <a:ext cx="6492875" cy="638175"/>
+      </dsp:txXfrm>
+    </dsp:sp>
+    <dsp:sp modelId="{A9FC49BC-286E-3343-8913-F72AD9E9D586}">
+      <dsp:nvSpPr>
+        <dsp:cNvPr id="0" name=""/>
+        <dsp:cNvSpPr/>
+      </dsp:nvSpPr>
+      <dsp:spPr>
+        <a:xfrm>
+          <a:off x="0" y="1276350"/>
+          <a:ext cx="6492875" cy="0"/>
+        </a:xfrm>
+        <a:prstGeom prst="line">
+          <a:avLst/>
+        </a:prstGeom>
+        <a:solidFill>
+          <a:schemeClr val="accent4">
+            <a:hueOff val="0"/>
+            <a:satOff val="0"/>
+            <a:lumOff val="0"/>
+            <a:alphaOff val="0"/>
+          </a:schemeClr>
+        </a:solidFill>
+        <a:ln w="12700" cap="flat" cmpd="sng" algn="ctr">
+          <a:solidFill>
+            <a:schemeClr val="accent4">
+              <a:hueOff val="0"/>
+              <a:satOff val="0"/>
+              <a:lumOff val="0"/>
+              <a:alphaOff val="0"/>
+            </a:schemeClr>
+          </a:solidFill>
+          <a:prstDash val="solid"/>
+          <a:miter lim="800000"/>
+        </a:ln>
+        <a:effectLst/>
+      </dsp:spPr>
+      <dsp:style>
+        <a:lnRef idx="2">
+          <a:scrgbClr r="0" g="0" b="0"/>
+        </a:lnRef>
+        <a:fillRef idx="1">
+          <a:scrgbClr r="0" g="0" b="0"/>
+        </a:fillRef>
+        <a:effectRef idx="0">
+          <a:scrgbClr r="0" g="0" b="0"/>
+        </a:effectRef>
+        <a:fontRef idx="minor">
+          <a:schemeClr val="lt1"/>
+        </a:fontRef>
+      </dsp:style>
+    </dsp:sp>
+    <dsp:sp modelId="{4633EC71-0835-7041-948E-F325FC444C49}">
+      <dsp:nvSpPr>
+        <dsp:cNvPr id="0" name=""/>
+        <dsp:cNvSpPr/>
+      </dsp:nvSpPr>
+      <dsp:spPr>
+        <a:xfrm>
+          <a:off x="0" y="1276350"/>
+          <a:ext cx="6492875" cy="638175"/>
+        </a:xfrm>
+        <a:prstGeom prst="rect">
+          <a:avLst/>
+        </a:prstGeom>
+        <a:noFill/>
+        <a:ln>
+          <a:noFill/>
+        </a:ln>
+        <a:effectLst/>
+      </dsp:spPr>
+      <dsp:style>
+        <a:lnRef idx="0">
+          <a:scrgbClr r="0" g="0" b="0"/>
+        </a:lnRef>
+        <a:fillRef idx="0">
+          <a:scrgbClr r="0" g="0" b="0"/>
+        </a:fillRef>
+        <a:effectRef idx="0">
+          <a:scrgbClr r="0" g="0" b="0"/>
+        </a:effectRef>
+        <a:fontRef idx="minor"/>
+      </dsp:style>
+      <dsp:txBody>
+        <a:bodyPr spcFirstLastPara="0" vert="horz" wrap="square" lIns="95250" tIns="95250" rIns="95250" bIns="95250" numCol="1" spcCol="1270" anchor="t" anchorCtr="0">
+          <a:noAutofit/>
+        </a:bodyPr>
+        <a:lstStyle/>
+        <a:p>
+          <a:pPr marL="0" lvl="0" indent="0" algn="l" defTabSz="1111250">
+            <a:lnSpc>
+              <a:spcPct val="90000"/>
+            </a:lnSpc>
+            <a:spcBef>
+              <a:spcPct val="0"/>
+            </a:spcBef>
+            <a:spcAft>
+              <a:spcPct val="35000"/>
+            </a:spcAft>
+            <a:buNone/>
+          </a:pPr>
+          <a:r>
+            <a:rPr lang="en-US" sz="2500" kern="1200"/>
+            <a:t>Deep dive into example dApp</a:t>
+          </a:r>
+        </a:p>
+      </dsp:txBody>
+      <dsp:txXfrm>
+        <a:off x="0" y="1276350"/>
+        <a:ext cx="6492875" cy="638175"/>
+      </dsp:txXfrm>
+    </dsp:sp>
+    <dsp:sp modelId="{7D42A493-5C69-6247-981A-750446E09E8D}">
+      <dsp:nvSpPr>
+        <dsp:cNvPr id="0" name=""/>
+        <dsp:cNvSpPr/>
+      </dsp:nvSpPr>
+      <dsp:spPr>
+        <a:xfrm>
+          <a:off x="0" y="1914524"/>
+          <a:ext cx="6492875" cy="0"/>
+        </a:xfrm>
+        <a:prstGeom prst="line">
+          <a:avLst/>
+        </a:prstGeom>
+        <a:solidFill>
+          <a:schemeClr val="accent5">
+            <a:hueOff val="0"/>
+            <a:satOff val="0"/>
+            <a:lumOff val="0"/>
+            <a:alphaOff val="0"/>
+          </a:schemeClr>
+        </a:solidFill>
+        <a:ln w="12700" cap="flat" cmpd="sng" algn="ctr">
+          <a:solidFill>
+            <a:schemeClr val="accent5">
+              <a:hueOff val="0"/>
+              <a:satOff val="0"/>
+              <a:lumOff val="0"/>
+              <a:alphaOff val="0"/>
+            </a:schemeClr>
+          </a:solidFill>
+          <a:prstDash val="solid"/>
+          <a:miter lim="800000"/>
+        </a:ln>
+        <a:effectLst/>
+      </dsp:spPr>
+      <dsp:style>
+        <a:lnRef idx="2">
+          <a:scrgbClr r="0" g="0" b="0"/>
+        </a:lnRef>
+        <a:fillRef idx="1">
+          <a:scrgbClr r="0" g="0" b="0"/>
+        </a:fillRef>
+        <a:effectRef idx="0">
+          <a:scrgbClr r="0" g="0" b="0"/>
+        </a:effectRef>
+        <a:fontRef idx="minor">
+          <a:schemeClr val="lt1"/>
+        </a:fontRef>
+      </dsp:style>
+    </dsp:sp>
+    <dsp:sp modelId="{C3018594-B119-4B4E-94ED-FB2DDDEC66F4}">
+      <dsp:nvSpPr>
+        <dsp:cNvPr id="0" name=""/>
+        <dsp:cNvSpPr/>
+      </dsp:nvSpPr>
+      <dsp:spPr>
+        <a:xfrm>
+          <a:off x="0" y="1914525"/>
+          <a:ext cx="6492875" cy="638175"/>
+        </a:xfrm>
+        <a:prstGeom prst="rect">
+          <a:avLst/>
+        </a:prstGeom>
+        <a:noFill/>
+        <a:ln>
+          <a:noFill/>
+        </a:ln>
+        <a:effectLst/>
+      </dsp:spPr>
+      <dsp:style>
+        <a:lnRef idx="0">
+          <a:scrgbClr r="0" g="0" b="0"/>
+        </a:lnRef>
+        <a:fillRef idx="0">
+          <a:scrgbClr r="0" g="0" b="0"/>
+        </a:fillRef>
+        <a:effectRef idx="0">
+          <a:scrgbClr r="0" g="0" b="0"/>
+        </a:effectRef>
+        <a:fontRef idx="minor"/>
+      </dsp:style>
+      <dsp:txBody>
+        <a:bodyPr spcFirstLastPara="0" vert="horz" wrap="square" lIns="95250" tIns="95250" rIns="95250" bIns="95250" numCol="1" spcCol="1270" anchor="t" anchorCtr="0">
+          <a:noAutofit/>
+        </a:bodyPr>
+        <a:lstStyle/>
+        <a:p>
+          <a:pPr marL="0" lvl="0" indent="0" algn="l" defTabSz="1111250">
+            <a:lnSpc>
+              <a:spcPct val="90000"/>
+            </a:lnSpc>
+            <a:spcBef>
+              <a:spcPct val="0"/>
+            </a:spcBef>
+            <a:spcAft>
+              <a:spcPct val="35000"/>
+            </a:spcAft>
+            <a:buNone/>
+          </a:pPr>
+          <a:r>
+            <a:rPr lang="en-US" sz="2500" kern="1200"/>
+            <a:t>-break to create teams-</a:t>
+          </a:r>
+        </a:p>
+      </dsp:txBody>
+      <dsp:txXfrm>
+        <a:off x="0" y="1914525"/>
+        <a:ext cx="6492875" cy="638175"/>
+      </dsp:txXfrm>
+    </dsp:sp>
+    <dsp:sp modelId="{7F799FD7-400E-8747-87ED-A9FEF37ED190}">
+      <dsp:nvSpPr>
+        <dsp:cNvPr id="0" name=""/>
+        <dsp:cNvSpPr/>
+      </dsp:nvSpPr>
+      <dsp:spPr>
+        <a:xfrm>
+          <a:off x="0" y="2552700"/>
+          <a:ext cx="6492875" cy="0"/>
+        </a:xfrm>
+        <a:prstGeom prst="line">
+          <a:avLst/>
+        </a:prstGeom>
+        <a:solidFill>
+          <a:schemeClr val="accent6">
+            <a:hueOff val="0"/>
+            <a:satOff val="0"/>
+            <a:lumOff val="0"/>
+            <a:alphaOff val="0"/>
+          </a:schemeClr>
+        </a:solidFill>
+        <a:ln w="12700" cap="flat" cmpd="sng" algn="ctr">
+          <a:solidFill>
+            <a:schemeClr val="accent6">
+              <a:hueOff val="0"/>
+              <a:satOff val="0"/>
+              <a:lumOff val="0"/>
+              <a:alphaOff val="0"/>
+            </a:schemeClr>
+          </a:solidFill>
+          <a:prstDash val="solid"/>
+          <a:miter lim="800000"/>
+        </a:ln>
+        <a:effectLst/>
+      </dsp:spPr>
+      <dsp:style>
+        <a:lnRef idx="2">
+          <a:scrgbClr r="0" g="0" b="0"/>
+        </a:lnRef>
+        <a:fillRef idx="1">
+          <a:scrgbClr r="0" g="0" b="0"/>
+        </a:fillRef>
+        <a:effectRef idx="0">
+          <a:scrgbClr r="0" g="0" b="0"/>
+        </a:effectRef>
+        <a:fontRef idx="minor">
+          <a:schemeClr val="lt1"/>
+        </a:fontRef>
+      </dsp:style>
+    </dsp:sp>
+    <dsp:sp modelId="{DCC26E8D-A92A-6146-8F6F-145A54FF1338}">
+      <dsp:nvSpPr>
+        <dsp:cNvPr id="0" name=""/>
+        <dsp:cNvSpPr/>
+      </dsp:nvSpPr>
+      <dsp:spPr>
+        <a:xfrm>
+          <a:off x="0" y="2552700"/>
+          <a:ext cx="6492875" cy="638175"/>
+        </a:xfrm>
+        <a:prstGeom prst="rect">
+          <a:avLst/>
+        </a:prstGeom>
+        <a:noFill/>
+        <a:ln>
+          <a:noFill/>
+        </a:ln>
+        <a:effectLst/>
+      </dsp:spPr>
+      <dsp:style>
+        <a:lnRef idx="0">
+          <a:scrgbClr r="0" g="0" b="0"/>
+        </a:lnRef>
+        <a:fillRef idx="0">
+          <a:scrgbClr r="0" g="0" b="0"/>
+        </a:fillRef>
+        <a:effectRef idx="0">
+          <a:scrgbClr r="0" g="0" b="0"/>
+        </a:effectRef>
+        <a:fontRef idx="minor"/>
+      </dsp:style>
+      <dsp:txBody>
+        <a:bodyPr spcFirstLastPara="0" vert="horz" wrap="square" lIns="95250" tIns="95250" rIns="95250" bIns="95250" numCol="1" spcCol="1270" anchor="t" anchorCtr="0">
+          <a:noAutofit/>
+        </a:bodyPr>
+        <a:lstStyle/>
+        <a:p>
+          <a:pPr marL="0" lvl="0" indent="0" algn="l" defTabSz="1111250">
+            <a:lnSpc>
+              <a:spcPct val="90000"/>
+            </a:lnSpc>
+            <a:spcBef>
+              <a:spcPct val="0"/>
+            </a:spcBef>
+            <a:spcAft>
+              <a:spcPct val="35000"/>
+            </a:spcAft>
+            <a:buNone/>
+          </a:pPr>
+          <a:r>
+            <a:rPr lang="en-US" sz="2500" kern="1200"/>
+            <a:t>Brainstorming of dApp ideas and technical setup</a:t>
+          </a:r>
+        </a:p>
+      </dsp:txBody>
+      <dsp:txXfrm>
+        <a:off x="0" y="2552700"/>
+        <a:ext cx="6492875" cy="638175"/>
+      </dsp:txXfrm>
+    </dsp:sp>
+    <dsp:sp modelId="{7D0144C3-F174-B048-B37B-9528C3F44082}">
+      <dsp:nvSpPr>
+        <dsp:cNvPr id="0" name=""/>
+        <dsp:cNvSpPr/>
+      </dsp:nvSpPr>
+      <dsp:spPr>
+        <a:xfrm>
+          <a:off x="0" y="3190874"/>
+          <a:ext cx="6492875" cy="0"/>
+        </a:xfrm>
+        <a:prstGeom prst="line">
+          <a:avLst/>
+        </a:prstGeom>
+        <a:solidFill>
+          <a:schemeClr val="accent2">
+            <a:hueOff val="0"/>
+            <a:satOff val="0"/>
+            <a:lumOff val="0"/>
+            <a:alphaOff val="0"/>
+          </a:schemeClr>
+        </a:solidFill>
+        <a:ln w="12700" cap="flat" cmpd="sng" algn="ctr">
+          <a:solidFill>
+            <a:schemeClr val="accent2">
+              <a:hueOff val="0"/>
+              <a:satOff val="0"/>
+              <a:lumOff val="0"/>
+              <a:alphaOff val="0"/>
+            </a:schemeClr>
+          </a:solidFill>
+          <a:prstDash val="solid"/>
+          <a:miter lim="800000"/>
+        </a:ln>
+        <a:effectLst/>
+      </dsp:spPr>
+      <dsp:style>
+        <a:lnRef idx="2">
+          <a:scrgbClr r="0" g="0" b="0"/>
+        </a:lnRef>
+        <a:fillRef idx="1">
+          <a:scrgbClr r="0" g="0" b="0"/>
+        </a:fillRef>
+        <a:effectRef idx="0">
+          <a:scrgbClr r="0" g="0" b="0"/>
+        </a:effectRef>
+        <a:fontRef idx="minor">
+          <a:schemeClr val="lt1"/>
+        </a:fontRef>
+      </dsp:style>
+    </dsp:sp>
+    <dsp:sp modelId="{5C0E4030-EF11-854E-A5C8-F6A553CCC652}">
+      <dsp:nvSpPr>
+        <dsp:cNvPr id="0" name=""/>
+        <dsp:cNvSpPr/>
+      </dsp:nvSpPr>
+      <dsp:spPr>
+        <a:xfrm>
+          <a:off x="0" y="3190875"/>
+          <a:ext cx="6492875" cy="638175"/>
+        </a:xfrm>
+        <a:prstGeom prst="rect">
+          <a:avLst/>
+        </a:prstGeom>
+        <a:noFill/>
+        <a:ln>
+          <a:noFill/>
+        </a:ln>
+        <a:effectLst/>
+      </dsp:spPr>
+      <dsp:style>
+        <a:lnRef idx="0">
+          <a:scrgbClr r="0" g="0" b="0"/>
+        </a:lnRef>
+        <a:fillRef idx="0">
+          <a:scrgbClr r="0" g="0" b="0"/>
+        </a:fillRef>
+        <a:effectRef idx="0">
+          <a:scrgbClr r="0" g="0" b="0"/>
+        </a:effectRef>
+        <a:fontRef idx="minor"/>
+      </dsp:style>
+      <dsp:txBody>
+        <a:bodyPr spcFirstLastPara="0" vert="horz" wrap="square" lIns="95250" tIns="95250" rIns="95250" bIns="95250" numCol="1" spcCol="1270" anchor="t" anchorCtr="0">
+          <a:noAutofit/>
+        </a:bodyPr>
+        <a:lstStyle/>
+        <a:p>
+          <a:pPr marL="0" lvl="0" indent="0" algn="l" defTabSz="1111250">
+            <a:lnSpc>
+              <a:spcPct val="90000"/>
+            </a:lnSpc>
+            <a:spcBef>
+              <a:spcPct val="0"/>
+            </a:spcBef>
+            <a:spcAft>
+              <a:spcPct val="35000"/>
+            </a:spcAft>
+            <a:buNone/>
+          </a:pPr>
+          <a:r>
+            <a:rPr lang="en-US" sz="2500" kern="1200"/>
+            <a:t>Implementation time</a:t>
+          </a:r>
+        </a:p>
+      </dsp:txBody>
+      <dsp:txXfrm>
+        <a:off x="0" y="3190875"/>
+        <a:ext cx="6492875" cy="638175"/>
+      </dsp:txXfrm>
+    </dsp:sp>
+    <dsp:sp modelId="{E1E14FF7-45C1-C240-BF46-93CA50244DBB}">
+      <dsp:nvSpPr>
+        <dsp:cNvPr id="0" name=""/>
+        <dsp:cNvSpPr/>
+      </dsp:nvSpPr>
+      <dsp:spPr>
+        <a:xfrm>
+          <a:off x="0" y="3829050"/>
+          <a:ext cx="6492875" cy="0"/>
+        </a:xfrm>
+        <a:prstGeom prst="line">
+          <a:avLst/>
+        </a:prstGeom>
+        <a:solidFill>
+          <a:schemeClr val="accent3">
+            <a:hueOff val="0"/>
+            <a:satOff val="0"/>
+            <a:lumOff val="0"/>
+            <a:alphaOff val="0"/>
+          </a:schemeClr>
+        </a:solidFill>
+        <a:ln w="12700" cap="flat" cmpd="sng" algn="ctr">
+          <a:solidFill>
+            <a:schemeClr val="accent3">
+              <a:hueOff val="0"/>
+              <a:satOff val="0"/>
+              <a:lumOff val="0"/>
+              <a:alphaOff val="0"/>
+            </a:schemeClr>
+          </a:solidFill>
+          <a:prstDash val="solid"/>
+          <a:miter lim="800000"/>
+        </a:ln>
+        <a:effectLst/>
+      </dsp:spPr>
+      <dsp:style>
+        <a:lnRef idx="2">
+          <a:scrgbClr r="0" g="0" b="0"/>
+        </a:lnRef>
+        <a:fillRef idx="1">
+          <a:scrgbClr r="0" g="0" b="0"/>
+        </a:fillRef>
+        <a:effectRef idx="0">
+          <a:scrgbClr r="0" g="0" b="0"/>
+        </a:effectRef>
+        <a:fontRef idx="minor">
+          <a:schemeClr val="lt1"/>
+        </a:fontRef>
+      </dsp:style>
+    </dsp:sp>
+    <dsp:sp modelId="{978F9046-B40D-4642-B6FD-74135DF38158}">
+      <dsp:nvSpPr>
+        <dsp:cNvPr id="0" name=""/>
+        <dsp:cNvSpPr/>
+      </dsp:nvSpPr>
+      <dsp:spPr>
+        <a:xfrm>
+          <a:off x="0" y="3829050"/>
+          <a:ext cx="6492875" cy="638175"/>
+        </a:xfrm>
+        <a:prstGeom prst="rect">
+          <a:avLst/>
+        </a:prstGeom>
+        <a:noFill/>
+        <a:ln>
+          <a:noFill/>
+        </a:ln>
+        <a:effectLst/>
+      </dsp:spPr>
+      <dsp:style>
+        <a:lnRef idx="0">
+          <a:scrgbClr r="0" g="0" b="0"/>
+        </a:lnRef>
+        <a:fillRef idx="0">
+          <a:scrgbClr r="0" g="0" b="0"/>
+        </a:fillRef>
+        <a:effectRef idx="0">
+          <a:scrgbClr r="0" g="0" b="0"/>
+        </a:effectRef>
+        <a:fontRef idx="minor"/>
+      </dsp:style>
+      <dsp:txBody>
+        <a:bodyPr spcFirstLastPara="0" vert="horz" wrap="square" lIns="95250" tIns="95250" rIns="95250" bIns="95250" numCol="1" spcCol="1270" anchor="t" anchorCtr="0">
+          <a:noAutofit/>
+        </a:bodyPr>
+        <a:lstStyle/>
+        <a:p>
+          <a:pPr marL="0" lvl="0" indent="0" algn="l" defTabSz="1111250">
+            <a:lnSpc>
+              <a:spcPct val="90000"/>
+            </a:lnSpc>
+            <a:spcBef>
+              <a:spcPct val="0"/>
+            </a:spcBef>
+            <a:spcAft>
+              <a:spcPct val="35000"/>
+            </a:spcAft>
+            <a:buNone/>
+          </a:pPr>
+          <a:r>
+            <a:rPr lang="en-US" sz="2500" kern="1200"/>
+            <a:t>Presentations of dApp ideas</a:t>
+          </a:r>
+        </a:p>
+      </dsp:txBody>
+      <dsp:txXfrm>
+        <a:off x="0" y="3829050"/>
+        <a:ext cx="6492875" cy="638175"/>
+      </dsp:txXfrm>
+    </dsp:sp>
+    <dsp:sp modelId="{62C2DD1D-F756-7D4C-A32C-05280F74FCC2}">
+      <dsp:nvSpPr>
+        <dsp:cNvPr id="0" name=""/>
+        <dsp:cNvSpPr/>
+      </dsp:nvSpPr>
+      <dsp:spPr>
+        <a:xfrm>
+          <a:off x="0" y="4467225"/>
+          <a:ext cx="6492875" cy="0"/>
+        </a:xfrm>
+        <a:prstGeom prst="line">
+          <a:avLst/>
+        </a:prstGeom>
+        <a:solidFill>
+          <a:schemeClr val="accent4">
+            <a:hueOff val="0"/>
+            <a:satOff val="0"/>
+            <a:lumOff val="0"/>
+            <a:alphaOff val="0"/>
+          </a:schemeClr>
+        </a:solidFill>
+        <a:ln w="12700" cap="flat" cmpd="sng" algn="ctr">
+          <a:solidFill>
+            <a:schemeClr val="accent4">
+              <a:hueOff val="0"/>
+              <a:satOff val="0"/>
+              <a:lumOff val="0"/>
+              <a:alphaOff val="0"/>
+            </a:schemeClr>
+          </a:solidFill>
+          <a:prstDash val="solid"/>
+          <a:miter lim="800000"/>
+        </a:ln>
+        <a:effectLst/>
+      </dsp:spPr>
+      <dsp:style>
+        <a:lnRef idx="2">
+          <a:scrgbClr r="0" g="0" b="0"/>
+        </a:lnRef>
+        <a:fillRef idx="1">
+          <a:scrgbClr r="0" g="0" b="0"/>
+        </a:fillRef>
+        <a:effectRef idx="0">
+          <a:scrgbClr r="0" g="0" b="0"/>
+        </a:effectRef>
+        <a:fontRef idx="minor">
+          <a:schemeClr val="lt1"/>
+        </a:fontRef>
+      </dsp:style>
+    </dsp:sp>
+    <dsp:sp modelId="{743932FD-3D19-7D46-BC04-349C90F617C6}">
+      <dsp:nvSpPr>
+        <dsp:cNvPr id="0" name=""/>
+        <dsp:cNvSpPr/>
+      </dsp:nvSpPr>
+      <dsp:spPr>
+        <a:xfrm>
+          <a:off x="0" y="4467225"/>
+          <a:ext cx="6492875" cy="638175"/>
+        </a:xfrm>
+        <a:prstGeom prst="rect">
+          <a:avLst/>
+        </a:prstGeom>
+        <a:noFill/>
+        <a:ln>
+          <a:noFill/>
+        </a:ln>
+        <a:effectLst/>
+      </dsp:spPr>
+      <dsp:style>
+        <a:lnRef idx="0">
+          <a:scrgbClr r="0" g="0" b="0"/>
+        </a:lnRef>
+        <a:fillRef idx="0">
+          <a:scrgbClr r="0" g="0" b="0"/>
+        </a:fillRef>
+        <a:effectRef idx="0">
+          <a:scrgbClr r="0" g="0" b="0"/>
+        </a:effectRef>
+        <a:fontRef idx="minor"/>
+      </dsp:style>
+      <dsp:txBody>
+        <a:bodyPr spcFirstLastPara="0" vert="horz" wrap="square" lIns="95250" tIns="95250" rIns="95250" bIns="95250" numCol="1" spcCol="1270" anchor="t" anchorCtr="0">
+          <a:noAutofit/>
+        </a:bodyPr>
+        <a:lstStyle/>
+        <a:p>
+          <a:pPr marL="0" lvl="0" indent="0" algn="l" defTabSz="1111250">
+            <a:lnSpc>
+              <a:spcPct val="90000"/>
+            </a:lnSpc>
+            <a:spcBef>
+              <a:spcPct val="0"/>
+            </a:spcBef>
+            <a:spcAft>
+              <a:spcPct val="35000"/>
+            </a:spcAft>
+            <a:buNone/>
+          </a:pPr>
+          <a:r>
+            <a:rPr lang="en-US" sz="2500" kern="1200" dirty="0"/>
+            <a:t>Judging and Prizes!</a:t>
+          </a:r>
+        </a:p>
+      </dsp:txBody>
+      <dsp:txXfrm>
+        <a:off x="0" y="4467225"/>
+        <a:ext cx="6492875" cy="638175"/>
+      </dsp:txXfrm>
+    </dsp:sp>
+  </dsp:spTree>
+</dsp:drawing>
+</file>
+
+<file path=ppt/diagrams/layout1.xml><?xml version="1.0" encoding="utf-8"?>
+<dgm:layoutDef xmlns:dgm="http://schemas.openxmlformats.org/drawingml/2006/diagram" xmlns:a="http://schemas.openxmlformats.org/drawingml/2006/main" uniqueId="urn:microsoft.com/office/officeart/2008/layout/LinedList">
+  <dgm:title val=""/>
+  <dgm:desc val=""/>
+  <dgm:catLst>
+    <dgm:cat type="hierarchy" pri="8000"/>
+    <dgm:cat type="list" pri="2500"/>
+  </dgm:catLst>
+  <dgm:sampData>
+    <dgm:dataModel>
+      <dgm:ptLst>
+        <dgm:pt modelId="0" type="doc"/>
+        <dgm:pt modelId="1">
+          <dgm:prSet phldr="1"/>
+        </dgm:pt>
+        <dgm:pt modelId="11">
+          <dgm:prSet phldr="1"/>
+        </dgm:pt>
+        <dgm:pt modelId="12">
+          <dgm:prSet phldr="1"/>
+        </dgm:pt>
+        <dgm:pt modelId="13">
+          <dgm:prSet phldr="1"/>
+        </dgm:pt>
+      </dgm:ptLst>
+      <dgm:cxnLst>
+        <dgm:cxn modelId="2" srcId="0" destId="1" srcOrd="0" destOrd="0"/>
+        <dgm:cxn modelId="3" srcId="1" destId="11" srcOrd="0" destOrd="0"/>
+        <dgm:cxn modelId="4" srcId="1" destId="12" srcOrd="1" destOrd="0"/>
+        <dgm:cxn modelId="5" srcId="1" destId="13" srcOrd="2" destOrd="0"/>
+      </dgm:cxnLst>
+      <dgm:bg/>
+      <dgm:whole/>
+    </dgm:dataModel>
+  </dgm:sampData>
+  <dgm:styleData>
+    <dgm:dataModel>
+      <dgm:ptLst>
+        <dgm:pt modelId="0" type="doc"/>
+        <dgm:pt modelId="1">
+          <dgm:prSet phldr="1"/>
+        </dgm:pt>
+        <dgm:pt modelId="11">
+          <dgm:prSet phldr="1"/>
+        </dgm:pt>
+        <dgm:pt modelId="12">
+          <dgm:prSet phldr="1"/>
+        </dgm:pt>
+      </dgm:ptLst>
+      <dgm:cxnLst>
+        <dgm:cxn modelId="2" srcId="0" destId="1" srcOrd="0" destOrd="0"/>
+        <dgm:cxn modelId="3" srcId="1" destId="11" srcOrd="0" destOrd="0"/>
+        <dgm:cxn modelId="4" srcId="1" destId="12" srcOrd="1" destOrd="0"/>
+      </dgm:cxnLst>
+      <dgm:bg/>
+      <dgm:whole/>
+    </dgm:dataModel>
+  </dgm:styleData>
+  <dgm:clrData>
+    <dgm:dataModel>
+      <dgm:ptLst>
+        <dgm:pt modelId="0" type="doc"/>
+        <dgm:pt modelId="1">
+          <dgm:prSet phldr="1"/>
+        </dgm:pt>
+        <dgm:pt modelId="11">
+          <dgm:prSet phldr="1"/>
+        </dgm:pt>
+        <dgm:pt modelId="12">
+          <dgm:prSet phldr="1"/>
+        </dgm:pt>
+      </dgm:ptLst>
+      <dgm:cxnLst>
+        <dgm:cxn modelId="2" srcId="0" destId="1" srcOrd="0" destOrd="0"/>
+        <dgm:cxn modelId="3" srcId="1" destId="11" srcOrd="0" destOrd="0"/>
+        <dgm:cxn modelId="4" srcId="1" destId="12" srcOrd="1" destOrd="0"/>
+      </dgm:cxnLst>
+      <dgm:bg/>
+      <dgm:whole/>
+    </dgm:dataModel>
+  </dgm:clrData>
+  <dgm:layoutNode name="vert0">
+    <dgm:varLst>
+      <dgm:dir/>
+      <dgm:animOne val="branch"/>
+      <dgm:animLvl val="lvl"/>
+    </dgm:varLst>
+    <dgm:choose name="Name0">
+      <dgm:if name="Name1" func="var" arg="dir" op="equ" val="norm">
+        <dgm:alg type="lin">
+          <dgm:param type="linDir" val="fromT"/>
+          <dgm:param type="nodeHorzAlign" val="l"/>
+        </dgm:alg>
+      </dgm:if>
+      <dgm:else name="Name2">
+        <dgm:alg type="lin">
+          <dgm:param type="linDir" val="fromT"/>
+          <dgm:param type="nodeHorzAlign" val="r"/>
+        </dgm:alg>
+      </dgm:else>
+    </dgm:choose>
+    <dgm:shape xmlns:r="http://schemas.openxmlformats.org/officeDocument/2006/relationships" r:blip="">
+      <dgm:adjLst/>
+    </dgm:shape>
+    <dgm:presOf/>
+    <dgm:constrLst>
+      <dgm:constr type="w" for="ch" forName="horz1" refType="w"/>
+      <dgm:constr type="h" for="ch" forName="horz1" refType="h"/>
+      <dgm:constr type="h" for="des" forName="vert1" refType="h"/>
+      <dgm:constr type="h" for="des" forName="tx1" refType="h"/>
+      <dgm:constr type="h" for="des" forName="horz2" refType="h"/>
+      <dgm:constr type="h" for="des" forName="vert2" refType="h"/>
+      <dgm:constr type="h" for="des" forName="horz3" refType="h"/>
+      <dgm:constr type="h" for="des" forName="vert3" refType="h"/>
+      <dgm:constr type="h" for="des" forName="horz4" refType="h"/>
+      <dgm:constr type="h" for="des" ptType="node" refType="h"/>
+      <dgm:constr type="primFontSz" for="des" forName="tx1" op="equ" val="65"/>
+      <dgm:constr type="primFontSz" for="des" forName="tx2" op="equ" val="65"/>
+      <dgm:constr type="primFontSz" for="des" forName="tx3" op="equ" val="65"/>
+      <dgm:constr type="primFontSz" for="des" forName="tx4" op="equ" val="65"/>
+      <dgm:constr type="w" for="des" forName="thickLine" refType="w"/>
+      <dgm:constr type="h" for="des" forName="thickLine"/>
+      <dgm:constr type="h" for="des" forName="thinLine1"/>
+      <dgm:constr type="h" for="des" forName="thinLine2b"/>
+      <dgm:constr type="h" for="des" forName="thinLine3"/>
+      <dgm:constr type="h" for="des" forName="vertSpace2a" refType="h" fact="0.05"/>
+      <dgm:constr type="h" for="des" forName="vertSpace2b" refType="h" refFor="des" refForName="vertSpace2a"/>
+    </dgm:constrLst>
+    <dgm:forEach name="Name3" axis="ch" ptType="node">
+      <dgm:layoutNode name="thickLine" styleLbl="alignNode1">
+        <dgm:alg type="sp"/>
+        <dgm:shape xmlns:r="http://schemas.openxmlformats.org/officeDocument/2006/relationships" type="line" r:blip="">
+          <dgm:adjLst/>
+        </dgm:shape>
+        <dgm:presOf/>
+      </dgm:layoutNode>
+      <dgm:layoutNode name="horz1">
+        <dgm:choose name="Name4">
+          <dgm:if name="Name5" func="var" arg="dir" op="equ" val="norm">
+            <dgm:alg type="lin">
+              <dgm:param type="linDir" val="fromL"/>
+              <dgm:param type="nodeVertAlign" val="t"/>
+            </dgm:alg>
+          </dgm:if>
+          <dgm:else name="Name6">
+            <dgm:alg type="lin">
+              <dgm:param type="linDir" val="fromR"/>
+              <dgm:param type="nodeVertAlign" val="t"/>
+            </dgm:alg>
+          </dgm:else>
+        </dgm:choose>
+        <dgm:shape xmlns:r="http://schemas.openxmlformats.org/officeDocument/2006/relationships" r:blip="">
+          <dgm:adjLst/>
+        </dgm:shape>
+        <dgm:presOf/>
+        <dgm:choose name="Name7">
+          <dgm:if name="Name8" axis="root des" func="maxDepth" op="equ" val="1">
+            <dgm:constrLst>
+              <dgm:constr type="w" for="ch" forName="tx1" refType="w"/>
+            </dgm:constrLst>
+          </dgm:if>
+          <dgm:if name="Name9" axis="root des" func="maxDepth" op="equ" val="2">
+            <dgm:constrLst>
+              <dgm:constr type="w" for="ch" forName="tx1" refType="w" fact="0.2"/>
+              <dgm:constr type="w" for="des" forName="tx2" refType="w" fact="0.785"/>
+              <dgm:constr type="w" for="des" forName="horzSpace2" refType="w" fact="0.015"/>
+              <dgm:constr type="w" for="des" forName="thinLine2b" refType="w" fact="0.8"/>
+            </dgm:constrLst>
+          </dgm:if>
+          <dgm:if name="Name10" axis="root des" func="maxDepth" op="equ" val="3">
+            <dgm:constrLst>
+              <dgm:constr type="w" for="ch" forName="tx1" refType="w" fact="0.2"/>
+              <dgm:constr type="w" for="des" forName="tx2" refType="w" fact="0.385"/>
+              <dgm:constr type="w" for="des" forName="tx3" refType="w" fact="0.385"/>
+              <dgm:constr type="w" for="des" forName="horzSpace2" refType="w" fact="0.015"/>
+              <dgm:constr type="w" for="des" forName="horzSpace3" refType="w" fact="0.015"/>
+              <dgm:constr type="w" for="des" forName="thinLine2b" refType="w" fact="0.8"/>
+              <dgm:constr type="w" for="des" forName="thinLine3" refType="w" fact="0.385"/>
+            </dgm:constrLst>
+          </dgm:if>
+          <dgm:if name="Name11" axis="root des" func="maxDepth" op="gte" val="4">
+            <dgm:constrLst>
+              <dgm:constr type="w" for="ch" forName="tx1" refType="w" fact="0.2"/>
+              <dgm:constr type="w" for="des" forName="tx2" refType="w" fact="0.2516"/>
+              <dgm:constr type="w" for="des" forName="tx3" refType="w" fact="0.2516"/>
+              <dgm:constr type="w" for="des" forName="tx4" refType="w" fact="0.2516"/>
+              <dgm:constr type="w" for="des" forName="horzSpace2" refType="w" fact="0.015"/>
+              <dgm:constr type="w" for="des" forName="horzSpace3" refType="w" fact="0.015"/>
+              <dgm:constr type="w" for="des" forName="horzSpace4" refType="w" fact="0.015"/>
+              <dgm:constr type="w" for="des" forName="thinLine2b" refType="w" fact="0.8"/>
+              <dgm:constr type="w" for="des" forName="thinLine3" refType="w" fact="0.5332"/>
+            </dgm:constrLst>
+          </dgm:if>
+          <dgm:else name="Name12"/>
+        </dgm:choose>
+        <dgm:layoutNode name="tx1" styleLbl="revTx">
+          <dgm:alg type="tx">
+            <dgm:param type="parTxLTRAlign" val="l"/>
+            <dgm:param type="parTxRTLAlign" val="r"/>
+            <dgm:param type="txAnchorVert" val="t"/>
+          </dgm:alg>
+          <dgm:shape xmlns:r="http://schemas.openxmlformats.org/officeDocument/2006/relationships" type="rect" r:blip="">
+            <dgm:adjLst/>
+          </dgm:shape>
+          <dgm:presOf axis="self"/>
+          <dgm:constrLst>
+            <dgm:constr type="tMarg" refType="primFontSz" fact="0.3"/>
+            <dgm:constr type="bMarg" refType="primFontSz" fact="0.3"/>
+            <dgm:constr type="lMarg" refType="primFontSz" fact="0.3"/>
+            <dgm:constr type="rMarg" refType="primFontSz" fact="0.3"/>
+          </dgm:constrLst>
+          <dgm:ruleLst>
+            <dgm:rule type="primFontSz" val="5" fact="NaN" max="NaN"/>
+          </dgm:ruleLst>
+        </dgm:layoutNode>
+        <dgm:layoutNode name="vert1">
+          <dgm:choose name="Name13">
+            <dgm:if name="Name14" func="var" arg="dir" op="equ" val="norm">
+              <dgm:alg type="lin">
+                <dgm:param type="linDir" val="fromT"/>
+                <dgm:param type="nodeHorzAlign" val="l"/>
+              </dgm:alg>
+            </dgm:if>
+            <dgm:else name="Name15">
+              <dgm:alg type="lin">
+                <dgm:param type="linDir" val="fromT"/>
+                <dgm:param type="nodeHorzAlign" val="r"/>
+              </dgm:alg>
+            </dgm:else>
+          </dgm:choose>
+          <dgm:shape xmlns:r="http://schemas.openxmlformats.org/officeDocument/2006/relationships" r:blip="">
+            <dgm:adjLst/>
+          </dgm:shape>
+          <dgm:presOf/>
+          <dgm:forEach name="Name16" axis="ch" ptType="node">
+            <dgm:choose name="Name17">
+              <dgm:if name="Name18" axis="self" ptType="node" func="pos" op="equ" val="1">
+                <dgm:layoutNode name="vertSpace2a">
+                  <dgm:alg type="sp"/>
+                  <dgm:shape xmlns:r="http://schemas.openxmlformats.org/officeDocument/2006/relationships" r:blip="">
+                    <dgm:adjLst/>
+                  </dgm:shape>
+                  <dgm:presOf/>
+                </dgm:layoutNode>
+              </dgm:if>
+              <dgm:else name="Name19"/>
+            </dgm:choose>
+            <dgm:layoutNode name="horz2">
+              <dgm:choose name="Name20">
+                <dgm:if name="Name21" func="var" arg="dir" op="equ" val="norm">
+                  <dgm:alg type="lin">
+                    <dgm:param type="linDir" val="fromL"/>
+                    <dgm:param type="nodeVertAlign" val="t"/>
+                  </dgm:alg>
+                </dgm:if>
+                <dgm:else name="Name22">
+                  <dgm:alg type="lin">
+                    <dgm:param type="linDir" val="fromR"/>
+                    <dgm:param type="nodeVertAlign" val="t"/>
+                  </dgm:alg>
+                </dgm:else>
+              </dgm:choose>
+              <dgm:shape xmlns:r="http://schemas.openxmlformats.org/officeDocument/2006/relationships" r:blip="">
+                <dgm:adjLst/>
+              </dgm:shape>
+              <dgm:presOf/>
+              <dgm:layoutNode name="horzSpace2">
+                <dgm:alg type="sp"/>
+                <dgm:shape xmlns:r="http://schemas.openxmlformats.org/officeDocument/2006/relationships" r:blip="">
+                  <dgm:adjLst/>
+                </dgm:shape>
+                <dgm:presOf/>
+              </dgm:layoutNode>
+              <dgm:layoutNode name="tx2" styleLbl="revTx">
+                <dgm:alg type="tx">
+                  <dgm:param type="parTxLTRAlign" val="l"/>
+                  <dgm:param type="parTxRTLAlign" val="r"/>
+                  <dgm:param type="txAnchorVert" val="t"/>
+                </dgm:alg>
+                <dgm:shape xmlns:r="http://schemas.openxmlformats.org/officeDocument/2006/relationships" type="rect" r:blip="">
+                  <dgm:adjLst/>
+                </dgm:shape>
+                <dgm:presOf axis="self"/>
+                <dgm:constrLst>
+                  <dgm:constr type="tMarg" refType="primFontSz" fact="0.3"/>
+                  <dgm:constr type="bMarg" refType="primFontSz" fact="0.3"/>
+                  <dgm:constr type="lMarg" refType="primFontSz" fact="0.3"/>
+                  <dgm:constr type="rMarg" refType="primFontSz" fact="0.3"/>
+                </dgm:constrLst>
+                <dgm:ruleLst>
+                  <dgm:rule type="primFontSz" val="5" fact="NaN" max="NaN"/>
+                </dgm:ruleLst>
+              </dgm:layoutNode>
+              <dgm:layoutNode name="vert2">
+                <dgm:choose name="Name23">
+                  <dgm:if name="Name24" func="var" arg="dir" op="equ" val="norm">
+                    <dgm:alg type="lin">
+                      <dgm:param type="linDir" val="fromT"/>
+                      <dgm:param type="nodeHorzAlign" val="l"/>
+                    </dgm:alg>
+                  </dgm:if>
+                  <dgm:else name="Name25">
+                    <dgm:alg type="lin">
+                      <dgm:param type="linDir" val="fromT"/>
+                      <dgm:param type="nodeHorzAlign" val="r"/>
+                    </dgm:alg>
+                  </dgm:else>
+                </dgm:choose>
+                <dgm:shape xmlns:r="http://schemas.openxmlformats.org/officeDocument/2006/relationships" r:blip="">
+                  <dgm:adjLst/>
+                </dgm:shape>
+                <dgm:presOf/>
+                <dgm:forEach name="Name26" axis="ch" ptType="node">
+                  <dgm:layoutNode name="horz3">
+                    <dgm:choose name="Name27">
+                      <dgm:if name="Name28" func="var" arg="dir" op="equ" val="norm">
+                        <dgm:alg type="lin">
+                          <dgm:param type="linDir" val="fromL"/>
+                          <dgm:param type="nodeVertAlign" val="t"/>
+                        </dgm:alg>
+                      </dgm:if>
+                      <dgm:else name="Name29">
+                        <dgm:alg type="lin">
+                          <dgm:param type="linDir" val="fromR"/>
+                          <dgm:param type="nodeVertAlign" val="t"/>
+                        </dgm:alg>
+                      </dgm:else>
+                    </dgm:choose>
+                    <dgm:shape xmlns:r="http://schemas.openxmlformats.org/officeDocument/2006/relationships" r:blip="">
+                      <dgm:adjLst/>
+                    </dgm:shape>
+                    <dgm:presOf/>
+                    <dgm:layoutNode name="horzSpace3">
+                      <dgm:alg type="sp"/>
+                      <dgm:shape xmlns:r="http://schemas.openxmlformats.org/officeDocument/2006/relationships" r:blip="">
+                        <dgm:adjLst/>
+                      </dgm:shape>
+                      <dgm:presOf/>
+                    </dgm:layoutNode>
+                    <dgm:layoutNode name="tx3" styleLbl="revTx">
+                      <dgm:alg type="tx">
+                        <dgm:param type="parTxLTRAlign" val="l"/>
+                        <dgm:param type="parTxRTLAlign" val="r"/>
+                        <dgm:param type="txAnchorVert" val="t"/>
+                      </dgm:alg>
+                      <dgm:shape xmlns:r="http://schemas.openxmlformats.org/officeDocument/2006/relationships" type="rect" r:blip="">
+                        <dgm:adjLst/>
+                      </dgm:shape>
+                      <dgm:presOf axis="self"/>
+                      <dgm:constrLst>
+                        <dgm:constr type="tMarg" refType="primFontSz" fact="0.3"/>
+                        <dgm:constr type="bMarg" refType="primFontSz" fact="0.3"/>
+                        <dgm:constr type="lMarg" refType="primFontSz" fact="0.3"/>
+                        <dgm:constr type="rMarg" refType="primFontSz" fact="0.3"/>
+                      </dgm:constrLst>
+                      <dgm:ruleLst>
+                        <dgm:rule type="primFontSz" val="5" fact="NaN" max="NaN"/>
+                      </dgm:ruleLst>
+                    </dgm:layoutNode>
+                    <dgm:layoutNode name="vert3">
+                      <dgm:choose name="Name30">
+                        <dgm:if name="Name31" func="var" arg="dir" op="equ" val="norm">
+                          <dgm:alg type="lin">
+                            <dgm:param type="linDir" val="fromT"/>
+                            <dgm:param type="nodeHorzAlign" val="l"/>
+                          </dgm:alg>
+                        </dgm:if>
+                        <dgm:else name="Name32">
+                          <dgm:alg type="lin">
+                            <dgm:param type="linDir" val="fromT"/>
+                            <dgm:param type="nodeHorzAlign" val="r"/>
+                          </dgm:alg>
+                        </dgm:else>
+                      </dgm:choose>
+                      <dgm:shape xmlns:r="http://schemas.openxmlformats.org/officeDocument/2006/relationships" r:blip="">
+                        <dgm:adjLst/>
+                      </dgm:shape>
+                      <dgm:presOf/>
+                      <dgm:forEach name="Name33" axis="ch" ptType="node">
+                        <dgm:layoutNode name="horz4">
+                          <dgm:choose name="Name34">
+                            <dgm:if name="Name35" func="var" arg="dir" op="equ" val="norm">
+                              <dgm:alg type="lin">
+                                <dgm:param type="linDir" val="fromL"/>
+                                <dgm:param type="nodeVertAlign" val="t"/>
+                              </dgm:alg>
+                            </dgm:if>
+                            <dgm:else name="Name36">
+                              <dgm:alg type="lin">
+                                <dgm:param type="linDir" val="fromR"/>
+                                <dgm:param type="nodeVertAlign" val="t"/>
+                              </dgm:alg>
+                            </dgm:else>
+                          </dgm:choose>
+                          <dgm:shape xmlns:r="http://schemas.openxmlformats.org/officeDocument/2006/relationships" r:blip="">
+                            <dgm:adjLst/>
+                          </dgm:shape>
+                          <dgm:presOf/>
+                          <dgm:layoutNode name="horzSpace4">
+                            <dgm:alg type="sp"/>
+                            <dgm:shape xmlns:r="http://schemas.openxmlformats.org/officeDocument/2006/relationships" r:blip="">
+                              <dgm:adjLst/>
+                            </dgm:shape>
+                            <dgm:presOf/>
+                          </dgm:layoutNode>
+                          <dgm:layoutNode name="tx4" styleLbl="revTx">
+                            <dgm:varLst>
+                              <dgm:bulletEnabled val="1"/>
+                            </dgm:varLst>
+                            <dgm:alg type="tx">
+                              <dgm:param type="parTxLTRAlign" val="l"/>
+                              <dgm:param type="parTxRTLAlign" val="r"/>
+                              <dgm:param type="txAnchorVert" val="t"/>
+                            </dgm:alg>
+                            <dgm:shape xmlns:r="http://schemas.openxmlformats.org/officeDocument/2006/relationships" type="rect" r:blip="">
+                              <dgm:adjLst/>
+                            </dgm:shape>
+                            <dgm:presOf axis="desOrSelf" ptType="node"/>
+                            <dgm:constrLst>
+                              <dgm:constr type="tMarg" refType="primFontSz" fact="0.3"/>
+                              <dgm:constr type="bMarg" refType="primFontSz" fact="0.3"/>
+                              <dgm:constr type="lMarg" refType="primFontSz" fact="0.3"/>
+                              <dgm:constr type="rMarg" refType="primFontSz" fact="0.3"/>
+                            </dgm:constrLst>
+                            <dgm:ruleLst>
+                              <dgm:rule type="primFontSz" val="5" fact="NaN" max="NaN"/>
+                            </dgm:ruleLst>
+                          </dgm:layoutNode>
+                        </dgm:layoutNode>
+                      </dgm:forEach>
+                    </dgm:layoutNode>
+                  </dgm:layoutNode>
+                  <dgm:forEach name="Name37" axis="followSib" ptType="sibTrans" cnt="1">
+                    <dgm:layoutNode name="thinLine3" styleLbl="callout">
+                      <dgm:alg type="sp"/>
+                      <dgm:shape xmlns:r="http://schemas.openxmlformats.org/officeDocument/2006/relationships" type="line" r:blip="">
+                        <dgm:adjLst/>
+                      </dgm:shape>
+                      <dgm:presOf/>
+                    </dgm:layoutNode>
+                  </dgm:forEach>
+                </dgm:forEach>
+              </dgm:layoutNode>
+            </dgm:layoutNode>
+            <dgm:layoutNode name="thinLine2b" styleLbl="callout">
+              <dgm:alg type="sp"/>
+              <dgm:shape xmlns:r="http://schemas.openxmlformats.org/officeDocument/2006/relationships" type="line" r:blip="">
+                <dgm:adjLst/>
+              </dgm:shape>
+              <dgm:presOf/>
+            </dgm:layoutNode>
+            <dgm:layoutNode name="vertSpace2b">
+              <dgm:alg type="sp"/>
+              <dgm:shape xmlns:r="http://schemas.openxmlformats.org/officeDocument/2006/relationships" r:blip="">
+                <dgm:adjLst/>
+              </dgm:shape>
+              <dgm:presOf/>
+            </dgm:layoutNode>
+          </dgm:forEach>
+        </dgm:layoutNode>
+      </dgm:layoutNode>
+    </dgm:forEach>
+  </dgm:layoutNode>
+</dgm:layoutDef>
+</file>
+
+<file path=ppt/diagrams/quickStyle1.xml><?xml version="1.0" encoding="utf-8"?>
+<dgm:styleDef xmlns:dgm="http://schemas.openxmlformats.org/drawingml/2006/diagram" xmlns:a="http://schemas.openxmlformats.org/drawingml/2006/main" uniqueId="urn:microsoft.com/office/officeart/2005/8/quickstyle/simple1">
+  <dgm:title val=""/>
+  <dgm:desc val=""/>
+  <dgm:catLst>
+    <dgm:cat type="simple" pri="10100"/>
+  </dgm:catLst>
+  <dgm:scene3d>
+    <a:camera prst="orthographicFront"/>
+    <a:lightRig rig="threePt" dir="t"/>
+  </dgm:scene3d>
+  <dgm:styleLbl name="node0">
+    <dgm:scene3d>
+      <a:camera prst="orthographicFront"/>
+      <a:lightRig rig="threePt" dir="t"/>
+    </dgm:scene3d>
+    <dgm:sp3d/>
+    <dgm:txPr/>
+    <dgm:style>
+      <a:lnRef idx="2">
+        <a:scrgbClr r="0" g="0" b="0"/>
+      </a:lnRef>
+      <a:fillRef idx="1">
+        <a:scrgbClr r="0" g="0" b="0"/>
+      </a:fillRef>
+      <a:effectRef idx="0">
+        <a:scrgbClr r="0" g="0" b="0"/>
+      </a:effectRef>
+      <a:fontRef idx="minor">
+        <a:schemeClr val="lt1"/>
+      </a:fontRef>
+    </dgm:style>
+  </dgm:styleLbl>
+  <dgm:styleLbl name="lnNode1">
+    <dgm:scene3d>
+      <a:camera prst="orthographicFront"/>
+      <a:lightRig rig="threePt" dir="t"/>
+    </dgm:scene3d>
+    <dgm:sp3d/>
+    <dgm:txPr/>
+    <dgm:style>
+      <a:lnRef idx="2">
+        <a:scrgbClr r="0" g="0" b="0"/>
+      </a:lnRef>
+      <a:fillRef idx="1">
+        <a:scrgbClr r="0" g="0" b="0"/>
+      </a:fillRef>
+      <a:effectRef idx="0">
+        <a:scrgbClr r="0" g="0" b="0"/>
+      </a:effectRef>
+      <a:fontRef idx="minor">
+        <a:schemeClr val="lt1"/>
+      </a:fontRef>
+    </dgm:style>
+  </dgm:styleLbl>
+  <dgm:styleLbl name="vennNode1">
+    <dgm:scene3d>
+      <a:camera prst="orthographicFront"/>
+      <a:lightRig rig="threePt" dir="t"/>
+    </dgm:scene3d>
+    <dgm:sp3d/>
+    <dgm:txPr/>
+    <dgm:style>
+      <a:lnRef idx="2">
+        <a:scrgbClr r="0" g="0" b="0"/>
+      </a:lnRef>
+      <a:fillRef idx="1">
+        <a:scrgbClr r="0" g="0" b="0"/>
+      </a:fillRef>
+      <a:effectRef idx="0">
+        <a:scrgbClr r="0" g="0" b="0"/>
+      </a:effectRef>
+      <a:fontRef idx="minor">
+        <a:schemeClr val="tx1"/>
+      </a:fontRef>
+    </dgm:style>
+  </dgm:styleLbl>
+  <dgm:styleLbl name="alignNode1">
+    <dgm:scene3d>
+      <a:camera prst="orthographicFront"/>
+      <a:lightRig rig="threePt" dir="t"/>
+    </dgm:scene3d>
+    <dgm:sp3d/>
+    <dgm:txPr/>
+    <dgm:style>
+      <a:lnRef idx="2">
+        <a:scrgbClr r="0" g="0" b="0"/>
+      </a:lnRef>
+      <a:fillRef idx="1">
+        <a:scrgbClr r="0" g="0" b="0"/>
+      </a:fillRef>
+      <a:effectRef idx="0">
+        <a:scrgbClr r="0" g="0" b="0"/>
+      </a:effectRef>
+      <a:fontRef idx="minor">
+        <a:schemeClr val="lt1"/>
+      </a:fontRef>
+    </dgm:style>
+  </dgm:styleLbl>
+  <dgm:styleLbl name="node1">
+    <dgm:scene3d>
+      <a:camera prst="orthographicFront"/>
+      <a:lightRig rig="threePt" dir="t"/>
+    </dgm:scene3d>
+    <dgm:sp3d/>
+    <dgm:txPr/>
+    <dgm:style>
+      <a:lnRef idx="2">
+        <a:scrgbClr r="0" g="0" b="0"/>
+      </a:lnRef>
+      <a:fillRef idx="1">
+        <a:scrgbClr r="0" g="0" b="0"/>
+      </a:fillRef>
+      <a:effectRef idx="0">
+        <a:scrgbClr r="0" g="0" b="0"/>
+      </a:effectRef>
+      <a:fontRef idx="minor">
+        <a:schemeClr val="lt1"/>
+      </a:fontRef>
+    </dgm:style>
+  </dgm:styleLbl>
+  <dgm:styleLbl name="node2">
+    <dgm:scene3d>
+      <a:camera prst="orthographicFront"/>
+      <a:lightRig rig="threePt" dir="t"/>
+    </dgm:scene3d>
+    <dgm:sp3d/>
+    <dgm:txPr/>
+    <dgm:style>
+      <a:lnRef idx="2">
+        <a:scrgbClr r="0" g="0" b="0"/>
+      </a:lnRef>
+      <a:fillRef idx="1">
+        <a:scrgbClr r="0" g="0" b="0"/>
+      </a:fillRef>
+      <a:effectRef idx="0">
+        <a:scrgbClr r="0" g="0" b="0"/>
+      </a:effectRef>
+      <a:fontRef idx="minor">
+        <a:schemeClr val="lt1"/>
+      </a:fontRef>
+    </dgm:style>
+  </dgm:styleLbl>
+  <dgm:styleLbl name="node3">
+    <dgm:scene3d>
+      <a:camera prst="orthographicFront"/>
+      <a:lightRig rig="threePt" dir="t"/>
+    </dgm:scene3d>
+    <dgm:sp3d/>
+    <dgm:txPr/>
+    <dgm:style>
+      <a:lnRef idx="2">
+        <a:scrgbClr r="0" g="0" b="0"/>
+      </a:lnRef>
+      <a:fillRef idx="1">
+        <a:scrgbClr r="0" g="0" b="0"/>
+      </a:fillRef>
+      <a:effectRef idx="0">
+        <a:scrgbClr r="0" g="0" b="0"/>
+      </a:effectRef>
+      <a:fontRef idx="minor">
+        <a:schemeClr val="lt1"/>
+      </a:fontRef>
+    </dgm:style>
+  </dgm:styleLbl>
+  <dgm:styleLbl name="node4">
+    <dgm:scene3d>
+      <a:camera prst="orthographicFront"/>
+      <a:lightRig rig="threePt" dir="t"/>
+    </dgm:scene3d>
+    <dgm:sp3d/>
+    <dgm:txPr/>
+    <dgm:style>
+      <a:lnRef idx="2">
+        <a:scrgbClr r="0" g="0" b="0"/>
+      </a:lnRef>
+      <a:fillRef idx="1">
+        <a:scrgbClr r="0" g="0" b="0"/>
+      </a:fillRef>
+      <a:effectRef idx="0">
+        <a:scrgbClr r="0" g="0" b="0"/>
+      </a:effectRef>
+      <a:fontRef idx="minor">
+        <a:schemeClr val="lt1"/>
+      </a:fontRef>
+    </dgm:style>
+  </dgm:styleLbl>
+  <dgm:styleLbl name="fgImgPlace1">
+    <dgm:scene3d>
+      <a:camera prst="orthographicFront"/>
+      <a:lightRig rig="threePt" dir="t"/>
+    </dgm:scene3d>
+    <dgm:sp3d/>
+    <dgm:txPr/>
+    <dgm:style>
+      <a:lnRef idx="2">
+        <a:scrgbClr r="0" g="0" b="0"/>
+      </a:lnRef>
+      <a:fillRef idx="1">
+        <a:scrgbClr r="0" g="0" b="0"/>
+      </a:fillRef>
+      <a:effectRef idx="0">
+        <a:scrgbClr r="0" g="0" b="0"/>
+      </a:effectRef>
+      <a:fontRef idx="minor"/>
+    </dgm:style>
+  </dgm:styleLbl>
+  <dgm:styleLbl name="alignImgPlace1">
+    <dgm:scene3d>
+      <a:camera prst="orthographicFront"/>
+      <a:lightRig rig="threePt" dir="t"/>
+    </dgm:scene3d>
+    <dgm:sp3d/>
+    <dgm:txPr/>
+    <dgm:style>
+      <a:lnRef idx="2">
+        <a:scrgbClr r="0" g="0" b="0"/>
+      </a:lnRef>
+      <a:fillRef idx="1">
+        <a:scrgbClr r="0" g="0" b="0"/>
+      </a:fillRef>
+      <a:effectRef idx="0">
+        <a:scrgbClr r="0" g="0" b="0"/>
+      </a:effectRef>
+      <a:fontRef idx="minor"/>
+    </dgm:style>
+  </dgm:styleLbl>
+  <dgm:styleLbl name="bgImgPlace1">
+    <dgm:scene3d>
+      <a:camera prst="orthographicFront"/>
+      <a:lightRig rig="threePt" dir="t"/>
+    </dgm:scene3d>
+    <dgm:sp3d/>
+    <dgm:txPr/>
+    <dgm:style>
+      <a:lnRef idx="2">
+        <a:scrgbClr r="0" g="0" b="0"/>
+      </a:lnRef>
+      <a:fillRef idx="1">
+        <a:scrgbClr r="0" g="0" b="0"/>
+      </a:fillRef>
+      <a:effectRef idx="0">
+        <a:scrgbClr r="0" g="0" b="0"/>
+      </a:effectRef>
+      <a:fontRef idx="minor"/>
+    </dgm:style>
+  </dgm:styleLbl>
+  <dgm:styleLbl name="sibTrans2D1">
+    <dgm:scene3d>
+      <a:camera prst="orthographicFront"/>
+      <a:lightRig rig="threePt" dir="t"/>
+    </dgm:scene3d>
+    <dgm:sp3d/>
+    <dgm:txPr/>
+    <dgm:style>
+      <a:lnRef idx="0">
+        <a:scrgbClr r="0" g="0" b="0"/>
+      </a:lnRef>
+      <a:fillRef idx="1">
+        <a:scrgbClr r="0" g="0" b="0"/>
+      </a:fillRef>
+      <a:effectRef idx="0">
+        <a:scrgbClr r="0" g="0" b="0"/>
+      </a:effectRef>
+      <a:fontRef idx="minor">
+        <a:schemeClr val="lt1"/>
+      </a:fontRef>
+    </dgm:style>
+  </dgm:styleLbl>
+  <dgm:styleLbl name="fgSibTrans2D1">
+    <dgm:scene3d>
+      <a:camera prst="orthographicFront"/>
+      <a:lightRig rig="threePt" dir="t"/>
+    </dgm:scene3d>
+    <dgm:sp3d/>
+    <dgm:txPr/>
+    <dgm:style>
+      <a:lnRef idx="0">
+        <a:scrgbClr r="0" g="0" b="0"/>
+      </a:lnRef>
+      <a:fillRef idx="1">
+        <a:scrgbClr r="0" g="0" b="0"/>
+      </a:fillRef>
+      <a:effectRef idx="0">
+        <a:scrgbClr r="0" g="0" b="0"/>
+      </a:effectRef>
+      <a:fontRef idx="minor">
+        <a:schemeClr val="lt1"/>
+      </a:fontRef>
+    </dgm:style>
+  </dgm:styleLbl>
+  <dgm:styleLbl name="bgSibTrans2D1">
+    <dgm:scene3d>
+      <a:camera prst="orthographicFront"/>
+      <a:lightRig rig="threePt" dir="t"/>
+    </dgm:scene3d>
+    <dgm:sp3d/>
+    <dgm:txPr/>
+    <dgm:style>
+      <a:lnRef idx="0">
+        <a:scrgbClr r="0" g="0" b="0"/>
+      </a:lnRef>
+      <a:fillRef idx="1">
+        <a:scrgbClr r="0" g="0" b="0"/>
+      </a:fillRef>
+      <a:effectRef idx="0">
+        <a:scrgbClr r="0" g="0" b="0"/>
+      </a:effectRef>
+      <a:fontRef idx="minor">
+        <a:schemeClr val="lt1"/>
+      </a:fontRef>
+    </dgm:style>
+  </dgm:styleLbl>
+  <dgm:styleLbl name="sibTrans1D1">
+    <dgm:scene3d>
+      <a:camera prst="orthographicFront"/>
+      <a:lightRig rig="threePt" dir="t"/>
+    </dgm:scene3d>
+    <dgm:sp3d/>
+    <dgm:txPr/>
+    <dgm:style>
+      <a:lnRef idx="1">
+        <a:scrgbClr r="0" g="0" b="0"/>
+      </a:lnRef>
+      <a:fillRef idx="0">
+        <a:scrgbClr r="0" g="0" b="0"/>
+      </a:fillRef>
+      <a:effectRef idx="0">
+        <a:scrgbClr r="0" g="0" b="0"/>
+      </a:effectRef>
+      <a:fontRef idx="minor"/>
+    </dgm:style>
+  </dgm:styleLbl>
+  <dgm:styleLbl name="callout">
+    <dgm:scene3d>
+      <a:camera prst="orthographicFront"/>
+      <a:lightRig rig="threePt" dir="t"/>
+    </dgm:scene3d>
+    <dgm:sp3d/>
+    <dgm:txPr/>
+    <dgm:style>
+      <a:lnRef idx="2">
+        <a:scrgbClr r="0" g="0" b="0"/>
+      </a:lnRef>
+      <a:fillRef idx="1">
+        <a:scrgbClr r="0" g="0" b="0"/>
+      </a:fillRef>
+      <a:effectRef idx="0">
+        <a:scrgbClr r="0" g="0" b="0"/>
+      </a:effectRef>
+      <a:fontRef idx="minor"/>
+    </dgm:style>
+  </dgm:styleLbl>
+  <dgm:styleLbl name="asst0">
+    <dgm:scene3d>
+      <a:camera prst="orthographicFront"/>
+      <a:lightRig rig="threePt" dir="t"/>
+    </dgm:scene3d>
+    <dgm:sp3d/>
+    <dgm:txPr/>
+    <dgm:style>
+      <a:lnRef idx="2">
+        <a:scrgbClr r="0" g="0" b="0"/>
+      </a:lnRef>
+      <a:fillRef idx="1">
+        <a:scrgbClr r="0" g="0" b="0"/>
+      </a:fillRef>
+      <a:effectRef idx="0">
+        <a:scrgbClr r="0" g="0" b="0"/>
+      </a:effectRef>
+      <a:fontRef idx="minor">
+        <a:schemeClr val="lt1"/>
+      </a:fontRef>
+    </dgm:style>
+  </dgm:styleLbl>
+  <dgm:styleLbl name="asst1">
+    <dgm:scene3d>
+      <a:camera prst="orthographicFront"/>
+      <a:lightRig rig="threePt" dir="t"/>
+    </dgm:scene3d>
+    <dgm:sp3d/>
+    <dgm:txPr/>
+    <dgm:style>
+      <a:lnRef idx="2">
+        <a:scrgbClr r="0" g="0" b="0"/>
+      </a:lnRef>
+      <a:fillRef idx="1">
+        <a:scrgbClr r="0" g="0" b="0"/>
+      </a:fillRef>
+      <a:effectRef idx="0">
+        <a:scrgbClr r="0" g="0" b="0"/>
+      </a:effectRef>
+      <a:fontRef idx="minor">
+        <a:schemeClr val="lt1"/>
+      </a:fontRef>
+    </dgm:style>
+  </dgm:styleLbl>
+  <dgm:styleLbl name="asst2">
+    <dgm:scene3d>
+      <a:camera prst="orthographicFront"/>
+      <a:lightRig rig="threePt" dir="t"/>
+    </dgm:scene3d>
+    <dgm:sp3d/>
+    <dgm:txPr/>
+    <dgm:style>
+      <a:lnRef idx="2">
+        <a:scrgbClr r="0" g="0" b="0"/>
+      </a:lnRef>
+      <a:fillRef idx="1">
+        <a:scrgbClr r="0" g="0" b="0"/>
+      </a:fillRef>
+      <a:effectRef idx="0">
+        <a:scrgbClr r="0" g="0" b="0"/>
+      </a:effectRef>
+      <a:fontRef idx="minor">
+        <a:schemeClr val="lt1"/>
+      </a:fontRef>
+    </dgm:style>
+  </dgm:styleLbl>
+  <dgm:styleLbl name="asst3">
+    <dgm:scene3d>
+      <a:camera prst="orthographicFront"/>
+      <a:lightRig rig="threePt" dir="t"/>
+    </dgm:scene3d>
+    <dgm:sp3d/>
+    <dgm:txPr/>
+    <dgm:style>
+      <a:lnRef idx="2">
+        <a:scrgbClr r="0" g="0" b="0"/>
+      </a:lnRef>
+      <a:fillRef idx="1">
+        <a:scrgbClr r="0" g="0" b="0"/>
+      </a:fillRef>
+      <a:effectRef idx="0">
+        <a:scrgbClr r="0" g="0" b="0"/>
+      </a:effectRef>
+      <a:fontRef idx="minor">
+        <a:schemeClr val="lt1"/>
+      </a:fontRef>
+    </dgm:style>
+  </dgm:styleLbl>
+  <dgm:styleLbl name="asst4">
+    <dgm:scene3d>
+      <a:camera prst="orthographicFront"/>
+      <a:lightRig rig="threePt" dir="t"/>
+    </dgm:scene3d>
+    <dgm:sp3d/>
+    <dgm:txPr/>
+    <dgm:style>
+      <a:lnRef idx="2">
+        <a:scrgbClr r="0" g="0" b="0"/>
+      </a:lnRef>
+      <a:fillRef idx="1">
+        <a:scrgbClr r="0" g="0" b="0"/>
+      </a:fillRef>
+      <a:effectRef idx="0">
+        <a:scrgbClr r="0" g="0" b="0"/>
+      </a:effectRef>
+      <a:fontRef idx="minor">
+        <a:schemeClr val="lt1"/>
+      </a:fontRef>
+    </dgm:style>
+  </dgm:styleLbl>
+  <dgm:styleLbl name="parChTrans2D1">
+    <dgm:scene3d>
+      <a:camera prst="orthographicFront"/>
+      <a:lightRig rig="threePt" dir="t"/>
+    </dgm:scene3d>
+    <dgm:sp3d/>
+    <dgm:txPr/>
+    <dgm:style>
+      <a:lnRef idx="2">
+        <a:scrgbClr r="0" g="0" b="0"/>
+      </a:lnRef>
+      <a:fillRef idx="1">
+        <a:scrgbClr r="0" g="0" b="0"/>
+      </a:fillRef>
+      <a:effectRef idx="0">
+        <a:scrgbClr r="0" g="0" b="0"/>
+      </a:effectRef>
+      <a:fontRef idx="minor">
+        <a:schemeClr val="lt1"/>
+      </a:fontRef>
+    </dgm:style>
+  </dgm:styleLbl>
+  <dgm:styleLbl name="parChTrans2D2">
+    <dgm:scene3d>
+      <a:camera prst="orthographicFront"/>
+      <a:lightRig rig="threePt" dir="t"/>
+    </dgm:scene3d>
+    <dgm:sp3d/>
+    <dgm:txPr/>
+    <dgm:style>
+      <a:lnRef idx="2">
+        <a:scrgbClr r="0" g="0" b="0"/>
+      </a:lnRef>
+      <a:fillRef idx="1">
+        <a:scrgbClr r="0" g="0" b="0"/>
+      </a:fillRef>
+      <a:effectRef idx="0">
+        <a:scrgbClr r="0" g="0" b="0"/>
+      </a:effectRef>
+      <a:fontRef idx="minor">
+        <a:schemeClr val="lt1"/>
+      </a:fontRef>
+    </dgm:style>
+  </dgm:styleLbl>
+  <dgm:styleLbl name="parChTrans2D3">
+    <dgm:scene3d>
+      <a:camera prst="orthographicFront"/>
+      <a:lightRig rig="threePt" dir="t"/>
+    </dgm:scene3d>
+    <dgm:sp3d/>
+    <dgm:txPr/>
+    <dgm:style>
+      <a:lnRef idx="2">
+        <a:scrgbClr r="0" g="0" b="0"/>
+      </a:lnRef>
+      <a:fillRef idx="1">
+        <a:scrgbClr r="0" g="0" b="0"/>
+      </a:fillRef>
+      <a:effectRef idx="0">
+        <a:scrgbClr r="0" g="0" b="0"/>
+      </a:effectRef>
+      <a:fontRef idx="minor">
+        <a:schemeClr val="lt1"/>
+      </a:fontRef>
+    </dgm:style>
+  </dgm:styleLbl>
+  <dgm:styleLbl name="parChTrans2D4">
+    <dgm:scene3d>
+      <a:camera prst="orthographicFront"/>
+      <a:lightRig rig="threePt" dir="t"/>
+    </dgm:scene3d>
+    <dgm:sp3d/>
+    <dgm:txPr/>
+    <dgm:style>
+      <a:lnRef idx="2">
+        <a:scrgbClr r="0" g="0" b="0"/>
+      </a:lnRef>
+      <a:fillRef idx="1">
+        <a:scrgbClr r="0" g="0" b="0"/>
+      </a:fillRef>
+      <a:effectRef idx="0">
+        <a:scrgbClr r="0" g="0" b="0"/>
+      </a:effectRef>
+      <a:fontRef idx="minor">
+        <a:schemeClr val="lt1"/>
+      </a:fontRef>
+    </dgm:style>
+  </dgm:styleLbl>
+  <dgm:styleLbl name="parChTrans1D1">
+    <dgm:scene3d>
+      <a:camera prst="orthographicFront"/>
+      <a:lightRig rig="threePt" dir="t"/>
+    </dgm:scene3d>
+    <dgm:sp3d/>
+    <dgm:txPr/>
+    <dgm:style>
+      <a:lnRef idx="2">
+        <a:scrgbClr r="0" g="0" b="0"/>
+      </a:lnRef>
+      <a:fillRef idx="0">
+        <a:scrgbClr r="0" g="0" b="0"/>
+      </a:fillRef>
+      <a:effectRef idx="0">
+        <a:scrgbClr r="0" g="0" b="0"/>
+      </a:effectRef>
+      <a:fontRef idx="minor"/>
+    </dgm:style>
+  </dgm:styleLbl>
+  <dgm:styleLbl name="parChTrans1D2">
+    <dgm:scene3d>
+      <a:camera prst="orthographicFront"/>
+      <a:lightRig rig="threePt" dir="t"/>
+    </dgm:scene3d>
+    <dgm:sp3d/>
+    <dgm:txPr/>
+    <dgm:style>
+      <a:lnRef idx="2">
+        <a:scrgbClr r="0" g="0" b="0"/>
+      </a:lnRef>
+      <a:fillRef idx="0">
+        <a:scrgbClr r="0" g="0" b="0"/>
+      </a:fillRef>
+      <a:effectRef idx="0">
+        <a:scrgbClr r="0" g="0" b="0"/>
+      </a:effectRef>
+      <a:fontRef idx="minor"/>
+    </dgm:style>
+  </dgm:styleLbl>
+  <dgm:styleLbl name="parChTrans1D3">
+    <dgm:scene3d>
+      <a:camera prst="orthographicFront"/>
+      <a:lightRig rig="threePt" dir="t"/>
+    </dgm:scene3d>
+    <dgm:sp3d/>
+    <dgm:txPr/>
+    <dgm:style>
+      <a:lnRef idx="2">
+        <a:scrgbClr r="0" g="0" b="0"/>
+      </a:lnRef>
+      <a:fillRef idx="0">
+        <a:scrgbClr r="0" g="0" b="0"/>
+      </a:fillRef>
+      <a:effectRef idx="0">
+        <a:scrgbClr r="0" g="0" b="0"/>
+      </a:effectRef>
+      <a:fontRef idx="minor"/>
+    </dgm:style>
+  </dgm:styleLbl>
+  <dgm:styleLbl name="parChTrans1D4">
+    <dgm:scene3d>
+      <a:camera prst="orthographicFront"/>
+      <a:lightRig rig="threePt" dir="t"/>
+    </dgm:scene3d>
+    <dgm:sp3d/>
+    <dgm:txPr/>
+    <dgm:style>
+      <a:lnRef idx="2">
+        <a:scrgbClr r="0" g="0" b="0"/>
+      </a:lnRef>
+      <a:fillRef idx="0">
+        <a:scrgbClr r="0" g="0" b="0"/>
+      </a:fillRef>
+      <a:effectRef idx="0">
+        <a:scrgbClr r="0" g="0" b="0"/>
+      </a:effectRef>
+      <a:fontRef idx="minor"/>
+    </dgm:style>
+  </dgm:styleLbl>
+  <dgm:styleLbl name="fgAcc1">
+    <dgm:scene3d>
+      <a:camera prst="orthographicFront"/>
+      <a:lightRig rig="threePt" dir="t"/>
+    </dgm:scene3d>
+    <dgm:sp3d/>
+    <dgm:txPr/>
+    <dgm:style>
+      <a:lnRef idx="2">
+        <a:scrgbClr r="0" g="0" b="0"/>
+      </a:lnRef>
+      <a:fillRef idx="1">
+        <a:scrgbClr r="0" g="0" b="0"/>
+      </a:fillRef>
+      <a:effectRef idx="0">
+        <a:scrgbClr r="0" g="0" b="0"/>
+      </a:effectRef>
+      <a:fontRef idx="minor"/>
+    </dgm:style>
+  </dgm:styleLbl>
+  <dgm:styleLbl name="conFgAcc1">
+    <dgm:scene3d>
+      <a:camera prst="orthographicFront"/>
+      <a:lightRig rig="threePt" dir="t"/>
+    </dgm:scene3d>
+    <dgm:sp3d/>
+    <dgm:txPr/>
+    <dgm:style>
+      <a:lnRef idx="2">
+        <a:scrgbClr r="0" g="0" b="0"/>
+      </a:lnRef>
+      <a:fillRef idx="1">
+        <a:scrgbClr r="0" g="0" b="0"/>
+      </a:fillRef>
+      <a:effectRef idx="0">
+        <a:scrgbClr r="0" g="0" b="0"/>
+      </a:effectRef>
+      <a:fontRef idx="minor"/>
+    </dgm:style>
+  </dgm:styleLbl>
+  <dgm:styleLbl name="alignAcc1">
+    <dgm:scene3d>
+      <a:camera prst="orthographicFront"/>
+      <a:lightRig rig="threePt" dir="t"/>
+    </dgm:scene3d>
+    <dgm:sp3d/>
+    <dgm:txPr/>
+    <dgm:style>
+      <a:lnRef idx="2">
+        <a:scrgbClr r="0" g="0" b="0"/>
+      </a:lnRef>
+      <a:fillRef idx="1">
+        <a:scrgbClr r="0" g="0" b="0"/>
+      </a:fillRef>
+      <a:effectRef idx="0">
+        <a:scrgbClr r="0" g="0" b="0"/>
+      </a:effectRef>
+      <a:fontRef idx="minor"/>
+    </dgm:style>
+  </dgm:styleLbl>
+  <dgm:styleLbl name="trAlignAcc1">
+    <dgm:scene3d>
+      <a:camera prst="orthographicFront"/>
+      <a:lightRig rig="threePt" dir="t"/>
+    </dgm:scene3d>
+    <dgm:sp3d/>
+    <dgm:txPr/>
+    <dgm:style>
+      <a:lnRef idx="1">
+        <a:scrgbClr r="0" g="0" b="0"/>
+      </a:lnRef>
+      <a:fillRef idx="1">
+        <a:scrgbClr r="0" g="0" b="0"/>
+      </a:fillRef>
+      <a:effectRef idx="0">
+        <a:scrgbClr r="0" g="0" b="0"/>
+      </a:effectRef>
+      <a:fontRef idx="minor"/>
+    </dgm:style>
+  </dgm:styleLbl>
+  <dgm:styleLbl name="bgAcc1">
+    <dgm:scene3d>
+      <a:camera prst="orthographicFront"/>
+      <a:lightRig rig="threePt" dir="t"/>
+    </dgm:scene3d>
+    <dgm:sp3d/>
+    <dgm:txPr/>
+    <dgm:style>
+      <a:lnRef idx="2">
+        <a:scrgbClr r="0" g="0" b="0"/>
+      </a:lnRef>
+      <a:fillRef idx="1">
+        <a:scrgbClr r="0" g="0" b="0"/>
+      </a:fillRef>
+      <a:effectRef idx="0">
+        <a:scrgbClr r="0" g="0" b="0"/>
+      </a:effectRef>
+      <a:fontRef idx="minor"/>
+    </dgm:style>
+  </dgm:styleLbl>
+  <dgm:styleLbl name="solidFgAcc1">
+    <dgm:scene3d>
+      <a:camera prst="orthographicFront"/>
+      <a:lightRig rig="threePt" dir="t"/>
+    </dgm:scene3d>
+    <dgm:sp3d/>
+    <dgm:txPr/>
+    <dgm:style>
+      <a:lnRef idx="2">
+        <a:scrgbClr r="0" g="0" b="0"/>
+      </a:lnRef>
+      <a:fillRef idx="1">
+        <a:scrgbClr r="0" g="0" b="0"/>
+      </a:fillRef>
+      <a:effectRef idx="0">
+        <a:scrgbClr r="0" g="0" b="0"/>
+      </a:effectRef>
+      <a:fontRef idx="minor"/>
+    </dgm:style>
+  </dgm:styleLbl>
+  <dgm:styleLbl name="solidAlignAcc1">
+    <dgm:scene3d>
+      <a:camera prst="orthographicFront"/>
+      <a:lightRig rig="threePt" dir="t"/>
+    </dgm:scene3d>
+    <dgm:sp3d/>
+    <dgm:txPr/>
+    <dgm:style>
+      <a:lnRef idx="2">
+        <a:scrgbClr r="0" g="0" b="0"/>
+      </a:lnRef>
+      <a:fillRef idx="1">
+        <a:scrgbClr r="0" g="0" b="0"/>
+      </a:fillRef>
+      <a:effectRef idx="0">
+        <a:scrgbClr r="0" g="0" b="0"/>
+      </a:effectRef>
+      <a:fontRef idx="minor"/>
+    </dgm:style>
+  </dgm:styleLbl>
+  <dgm:styleLbl name="solidBgAcc1">
+    <dgm:scene3d>
+      <a:camera prst="orthographicFront"/>
+      <a:lightRig rig="threePt" dir="t"/>
+    </dgm:scene3d>
+    <dgm:sp3d/>
+    <dgm:txPr/>
+    <dgm:style>
+      <a:lnRef idx="2">
+        <a:scrgbClr r="0" g="0" b="0"/>
+      </a:lnRef>
+      <a:fillRef idx="1">
+        <a:scrgbClr r="0" g="0" b="0"/>
+      </a:fillRef>
+      <a:effectRef idx="0">
+        <a:scrgbClr r="0" g="0" b="0"/>
+      </a:effectRef>
+      <a:fontRef idx="minor"/>
+    </dgm:style>
+  </dgm:styleLbl>
+  <dgm:styleLbl name="fgAccFollowNode1">
+    <dgm:scene3d>
+      <a:camera prst="orthographicFront"/>
+      <a:lightRig rig="threePt" dir="t"/>
+    </dgm:scene3d>
+    <dgm:sp3d/>
+    <dgm:txPr/>
+    <dgm:style>
+      <a:lnRef idx="2">
+        <a:scrgbClr r="0" g="0" b="0"/>
+      </a:lnRef>
+      <a:fillRef idx="1">
+        <a:scrgbClr r="0" g="0" b="0"/>
+      </a:fillRef>
+      <a:effectRef idx="0">
+        <a:scrgbClr r="0" g="0" b="0"/>
+      </a:effectRef>
+      <a:fontRef idx="minor"/>
+    </dgm:style>
+  </dgm:styleLbl>
+  <dgm:styleLbl name="alignAccFollowNode1">
+    <dgm:scene3d>
+      <a:camera prst="orthographicFront"/>
+      <a:lightRig rig="threePt" dir="t"/>
+    </dgm:scene3d>
+    <dgm:sp3d/>
+    <dgm:txPr/>
+    <dgm:style>
+      <a:lnRef idx="2">
+        <a:scrgbClr r="0" g="0" b="0"/>
+      </a:lnRef>
+      <a:fillRef idx="1">
+        <a:scrgbClr r="0" g="0" b="0"/>
+      </a:fillRef>
+      <a:effectRef idx="0">
+        <a:scrgbClr r="0" g="0" b="0"/>
+      </a:effectRef>
+      <a:fontRef idx="minor"/>
+    </dgm:style>
+  </dgm:styleLbl>
+  <dgm:styleLbl name="bgAccFollowNode1">
+    <dgm:scene3d>
+      <a:camera prst="orthographicFront"/>
+      <a:lightRig rig="threePt" dir="t"/>
+    </dgm:scene3d>
+    <dgm:sp3d/>
+    <dgm:txPr/>
+    <dgm:style>
+      <a:lnRef idx="2">
+        <a:scrgbClr r="0" g="0" b="0"/>
+      </a:lnRef>
+      <a:fillRef idx="1">
+        <a:scrgbClr r="0" g="0" b="0"/>
+      </a:fillRef>
+      <a:effectRef idx="0">
+        <a:scrgbClr r="0" g="0" b="0"/>
+      </a:effectRef>
+      <a:fontRef idx="minor"/>
+    </dgm:style>
+  </dgm:styleLbl>
+  <dgm:styleLbl name="fgAcc0">
+    <dgm:scene3d>
+      <a:camera prst="orthographicFront"/>
+      <a:lightRig rig="threePt" dir="t"/>
+    </dgm:scene3d>
+    <dgm:sp3d/>
+    <dgm:txPr/>
+    <dgm:style>
+      <a:lnRef idx="2">
+        <a:scrgbClr r="0" g="0" b="0"/>
+      </a:lnRef>
+      <a:fillRef idx="1">
+        <a:scrgbClr r="0" g="0" b="0"/>
+      </a:fillRef>
+      <a:effectRef idx="0">
+        <a:scrgbClr r="0" g="0" b="0"/>
+      </a:effectRef>
+      <a:fontRef idx="minor"/>
+    </dgm:style>
+  </dgm:styleLbl>
+  <dgm:styleLbl name="fgAcc2">
+    <dgm:scene3d>
+      <a:camera prst="orthographicFront"/>
+      <a:lightRig rig="threePt" dir="t"/>
+    </dgm:scene3d>
+    <dgm:sp3d/>
+    <dgm:txPr/>
+    <dgm:style>
+      <a:lnRef idx="2">
+        <a:scrgbClr r="0" g="0" b="0"/>
+      </a:lnRef>
+      <a:fillRef idx="1">
+        <a:scrgbClr r="0" g="0" b="0"/>
+      </a:fillRef>
+      <a:effectRef idx="0">
+        <a:scrgbClr r="0" g="0" b="0"/>
+      </a:effectRef>
+      <a:fontRef idx="minor"/>
+    </dgm:style>
+  </dgm:styleLbl>
+  <dgm:styleLbl name="fgAcc3">
+    <dgm:scene3d>
+      <a:camera prst="orthographicFront"/>
+      <a:lightRig rig="threePt" dir="t"/>
+    </dgm:scene3d>
+    <dgm:sp3d/>
+    <dgm:txPr/>
+    <dgm:style>
+      <a:lnRef idx="2">
+        <a:scrgbClr r="0" g="0" b="0"/>
+      </a:lnRef>
+      <a:fillRef idx="1">
+        <a:scrgbClr r="0" g="0" b="0"/>
+      </a:fillRef>
+      <a:effectRef idx="0">
+        <a:scrgbClr r="0" g="0" b="0"/>
+      </a:effectRef>
+      <a:fontRef idx="minor"/>
+    </dgm:style>
+  </dgm:styleLbl>
+  <dgm:styleLbl name="fgAcc4">
+    <dgm:scene3d>
+      <a:camera prst="orthographicFront"/>
+      <a:lightRig rig="threePt" dir="t"/>
+    </dgm:scene3d>
+    <dgm:sp3d/>
+    <dgm:txPr/>
+    <dgm:style>
+      <a:lnRef idx="2">
+        <a:scrgbClr r="0" g="0" b="0"/>
+      </a:lnRef>
+      <a:fillRef idx="1">
+        <a:scrgbClr r="0" g="0" b="0"/>
+      </a:fillRef>
+      <a:effectRef idx="0">
+        <a:scrgbClr r="0" g="0" b="0"/>
+      </a:effectRef>
+      <a:fontRef idx="minor"/>
+    </dgm:style>
+  </dgm:styleLbl>
+  <dgm:styleLbl name="bgShp">
+    <dgm:scene3d>
+      <a:camera prst="orthographicFront"/>
+      <a:lightRig rig="threePt" dir="t"/>
+    </dgm:scene3d>
+    <dgm:sp3d/>
+    <dgm:txPr/>
+    <dgm:style>
+      <a:lnRef idx="0">
+        <a:scrgbClr r="0" g="0" b="0"/>
+      </a:lnRef>
+      <a:fillRef idx="1">
+        <a:scrgbClr r="0" g="0" b="0"/>
+      </a:fillRef>
+      <a:effectRef idx="0">
+        <a:scrgbClr r="0" g="0" b="0"/>
+      </a:effectRef>
+      <a:fontRef idx="minor"/>
+    </dgm:style>
+  </dgm:styleLbl>
+  <dgm:styleLbl name="dkBgShp">
+    <dgm:scene3d>
+      <a:camera prst="orthographicFront"/>
+      <a:lightRig rig="threePt" dir="t"/>
+    </dgm:scene3d>
+    <dgm:sp3d/>
+    <dgm:txPr/>
+    <dgm:style>
+      <a:lnRef idx="0">
+        <a:scrgbClr r="0" g="0" b="0"/>
+      </a:lnRef>
+      <a:fillRef idx="1">
+        <a:scrgbClr r="0" g="0" b="0"/>
+      </a:fillRef>
+      <a:effectRef idx="0">
+        <a:scrgbClr r="0" g="0" b="0"/>
+      </a:effectRef>
+      <a:fontRef idx="minor"/>
+    </dgm:style>
+  </dgm:styleLbl>
+  <dgm:styleLbl name="trBgShp">
+    <dgm:scene3d>
+      <a:camera prst="orthographicFront"/>
+      <a:lightRig rig="threePt" dir="t"/>
+    </dgm:scene3d>
+    <dgm:sp3d/>
+    <dgm:txPr/>
+    <dgm:style>
+      <a:lnRef idx="0">
+        <a:scrgbClr r="0" g="0" b="0"/>
+      </a:lnRef>
+      <a:fillRef idx="1">
+        <a:scrgbClr r="0" g="0" b="0"/>
+      </a:fillRef>
+      <a:effectRef idx="0">
+        <a:scrgbClr r="0" g="0" b="0"/>
+      </a:effectRef>
+      <a:fontRef idx="minor"/>
+    </dgm:style>
+  </dgm:styleLbl>
+  <dgm:styleLbl name="fgShp">
+    <dgm:scene3d>
+      <a:camera prst="orthographicFront"/>
+      <a:lightRig rig="threePt" dir="t"/>
+    </dgm:scene3d>
+    <dgm:sp3d/>
+    <dgm:txPr/>
+    <dgm:style>
+      <a:lnRef idx="2">
+        <a:scrgbClr r="0" g="0" b="0"/>
+      </a:lnRef>
+      <a:fillRef idx="1">
+        <a:scrgbClr r="0" g="0" b="0"/>
+      </a:fillRef>
+      <a:effectRef idx="0">
+        <a:scrgbClr r="0" g="0" b="0"/>
+      </a:effectRef>
+      <a:fontRef idx="minor"/>
+    </dgm:style>
+  </dgm:styleLbl>
+  <dgm:styleLbl name="revTx">
+    <dgm:scene3d>
+      <a:camera prst="orthographicFront"/>
+      <a:lightRig rig="threePt" dir="t"/>
+    </dgm:scene3d>
+    <dgm:sp3d/>
+    <dgm:txPr/>
+    <dgm:style>
+      <a:lnRef idx="0">
+        <a:scrgbClr r="0" g="0" b="0"/>
+      </a:lnRef>
+      <a:fillRef idx="0">
+        <a:scrgbClr r="0" g="0" b="0"/>
+      </a:fillRef>
+      <a:effectRef idx="0">
+        <a:scrgbClr r="0" g="0" b="0"/>
+      </a:effectRef>
+      <a:fontRef idx="minor"/>
+    </dgm:style>
+  </dgm:styleLbl>
+</dgm:styleDef>
 </file>
 
 <file path=ppt/slideLayouts/slideLayout1.xml><?xml version="1.0" encoding="utf-8"?>
@@ -133,13 +3952,7 @@
       </p:grpSpPr>
       <p:sp>
         <p:nvSpPr>
-          <p:cNvPr id="2" name="Title 1">
-            <a:extLst>
-              <a:ext uri="{FF2B5EF4-FFF2-40B4-BE49-F238E27FC236}">
-                <a16:creationId xmlns:a16="http://schemas.microsoft.com/office/drawing/2014/main" id="{539E5028-0C97-AB40-ACBD-DFDA28D0BB97}"/>
-              </a:ext>
-            </a:extLst>
-          </p:cNvPr>
+          <p:cNvPr id="2" name="Title 1"/>
           <p:cNvSpPr>
             <a:spLocks noGrp="1"/>
           </p:cNvSpPr>
@@ -165,18 +3978,13 @@
               <a:rPr lang="en-US"/>
               <a:t>Click to edit Master title style</a:t>
             </a:r>
+            <a:endParaRPr lang="en-US" dirty="0"/>
           </a:p>
         </p:txBody>
       </p:sp>
       <p:sp>
         <p:nvSpPr>
-          <p:cNvPr id="3" name="Subtitle 2">
-            <a:extLst>
-              <a:ext uri="{FF2B5EF4-FFF2-40B4-BE49-F238E27FC236}">
-                <a16:creationId xmlns:a16="http://schemas.microsoft.com/office/drawing/2014/main" id="{8259E532-B0F9-9F4E-BB5F-25D08304257A}"/>
-              </a:ext>
-            </a:extLst>
-          </p:cNvPr>
+          <p:cNvPr id="3" name="Subtitle 2"/>
           <p:cNvSpPr>
             <a:spLocks noGrp="1"/>
           </p:cNvSpPr>
@@ -235,18 +4043,13 @@
               <a:rPr lang="en-US"/>
               <a:t>Click to edit Master subtitle style</a:t>
             </a:r>
+            <a:endParaRPr lang="en-US" dirty="0"/>
           </a:p>
         </p:txBody>
       </p:sp>
       <p:sp>
         <p:nvSpPr>
-          <p:cNvPr id="4" name="Date Placeholder 3">
-            <a:extLst>
-              <a:ext uri="{FF2B5EF4-FFF2-40B4-BE49-F238E27FC236}">
-                <a16:creationId xmlns:a16="http://schemas.microsoft.com/office/drawing/2014/main" id="{287D48EA-C340-9148-8562-C89DDA0F0D2F}"/>
-              </a:ext>
-            </a:extLst>
-          </p:cNvPr>
+          <p:cNvPr id="4" name="Date Placeholder 3"/>
           <p:cNvSpPr>
             <a:spLocks noGrp="1"/>
           </p:cNvSpPr>
@@ -261,7 +4064,7 @@
           <a:p>
             <a:fld id="{40DF7D66-0281-3C48-88BF-8ED247AEB486}" type="datetimeFigureOut">
               <a:rPr lang="en-US" smtClean="0"/>
-              <a:t>11/11/18</a:t>
+              <a:t>11/25/18</a:t>
             </a:fld>
             <a:endParaRPr lang="en-US"/>
           </a:p>
@@ -269,13 +4072,7 @@
       </p:sp>
       <p:sp>
         <p:nvSpPr>
-          <p:cNvPr id="5" name="Footer Placeholder 4">
-            <a:extLst>
-              <a:ext uri="{FF2B5EF4-FFF2-40B4-BE49-F238E27FC236}">
-                <a16:creationId xmlns:a16="http://schemas.microsoft.com/office/drawing/2014/main" id="{736BBA72-1394-5345-ABEA-1AE58AF1C2C3}"/>
-              </a:ext>
-            </a:extLst>
-          </p:cNvPr>
+          <p:cNvPr id="5" name="Footer Placeholder 4"/>
           <p:cNvSpPr>
             <a:spLocks noGrp="1"/>
           </p:cNvSpPr>
@@ -294,13 +4091,7 @@
       </p:sp>
       <p:sp>
         <p:nvSpPr>
-          <p:cNvPr id="6" name="Slide Number Placeholder 5">
-            <a:extLst>
-              <a:ext uri="{FF2B5EF4-FFF2-40B4-BE49-F238E27FC236}">
-                <a16:creationId xmlns:a16="http://schemas.microsoft.com/office/drawing/2014/main" id="{2473F13A-3F4E-2F4A-8EA8-21D6D8890F19}"/>
-              </a:ext>
-            </a:extLst>
-          </p:cNvPr>
+          <p:cNvPr id="6" name="Slide Number Placeholder 5"/>
           <p:cNvSpPr>
             <a:spLocks noGrp="1"/>
           </p:cNvSpPr>
@@ -324,7 +4115,7 @@
     </p:spTree>
     <p:extLst>
       <p:ext uri="{BB962C8B-B14F-4D97-AF65-F5344CB8AC3E}">
-        <p14:creationId xmlns:p14="http://schemas.microsoft.com/office/powerpoint/2010/main" val="932452493"/>
+        <p14:creationId xmlns:p14="http://schemas.microsoft.com/office/powerpoint/2010/main" val="2721937391"/>
       </p:ext>
     </p:extLst>
   </p:cSld>
@@ -353,13 +4144,7 @@
       </p:grpSpPr>
       <p:sp>
         <p:nvSpPr>
-          <p:cNvPr id="2" name="Title 1">
-            <a:extLst>
-              <a:ext uri="{FF2B5EF4-FFF2-40B4-BE49-F238E27FC236}">
-                <a16:creationId xmlns:a16="http://schemas.microsoft.com/office/drawing/2014/main" id="{3A9B865E-94D5-844A-A4E5-2BE81FCC6902}"/>
-              </a:ext>
-            </a:extLst>
-          </p:cNvPr>
+          <p:cNvPr id="2" name="Title 1"/>
           <p:cNvSpPr>
             <a:spLocks noGrp="1"/>
           </p:cNvSpPr>
@@ -376,18 +4161,13 @@
               <a:rPr lang="en-US"/>
               <a:t>Click to edit Master title style</a:t>
             </a:r>
+            <a:endParaRPr lang="en-US" dirty="0"/>
           </a:p>
         </p:txBody>
       </p:sp>
       <p:sp>
         <p:nvSpPr>
-          <p:cNvPr id="3" name="Vertical Text Placeholder 2">
-            <a:extLst>
-              <a:ext uri="{FF2B5EF4-FFF2-40B4-BE49-F238E27FC236}">
-                <a16:creationId xmlns:a16="http://schemas.microsoft.com/office/drawing/2014/main" id="{DB7D0764-527D-DE4D-B86B-7E09A04847DA}"/>
-              </a:ext>
-            </a:extLst>
-          </p:cNvPr>
+          <p:cNvPr id="3" name="Vertical Text Placeholder 2"/>
           <p:cNvSpPr>
             <a:spLocks noGrp="1"/>
           </p:cNvSpPr>
@@ -433,18 +4213,13 @@
               <a:rPr lang="en-US"/>
               <a:t>Fifth level</a:t>
             </a:r>
+            <a:endParaRPr lang="en-US" dirty="0"/>
           </a:p>
         </p:txBody>
       </p:sp>
       <p:sp>
         <p:nvSpPr>
-          <p:cNvPr id="4" name="Date Placeholder 3">
-            <a:extLst>
-              <a:ext uri="{FF2B5EF4-FFF2-40B4-BE49-F238E27FC236}">
-                <a16:creationId xmlns:a16="http://schemas.microsoft.com/office/drawing/2014/main" id="{34693E8F-5948-6341-BEB6-7382DACBA304}"/>
-              </a:ext>
-            </a:extLst>
-          </p:cNvPr>
+          <p:cNvPr id="4" name="Date Placeholder 3"/>
           <p:cNvSpPr>
             <a:spLocks noGrp="1"/>
           </p:cNvSpPr>
@@ -459,7 +4234,7 @@
           <a:p>
             <a:fld id="{40DF7D66-0281-3C48-88BF-8ED247AEB486}" type="datetimeFigureOut">
               <a:rPr lang="en-US" smtClean="0"/>
-              <a:t>11/11/18</a:t>
+              <a:t>11/25/18</a:t>
             </a:fld>
             <a:endParaRPr lang="en-US"/>
           </a:p>
@@ -467,13 +4242,7 @@
       </p:sp>
       <p:sp>
         <p:nvSpPr>
-          <p:cNvPr id="5" name="Footer Placeholder 4">
-            <a:extLst>
-              <a:ext uri="{FF2B5EF4-FFF2-40B4-BE49-F238E27FC236}">
-                <a16:creationId xmlns:a16="http://schemas.microsoft.com/office/drawing/2014/main" id="{6A61D74D-265F-2D41-8F11-3F995F8ECAA5}"/>
-              </a:ext>
-            </a:extLst>
-          </p:cNvPr>
+          <p:cNvPr id="5" name="Footer Placeholder 4"/>
           <p:cNvSpPr>
             <a:spLocks noGrp="1"/>
           </p:cNvSpPr>
@@ -492,13 +4261,7 @@
       </p:sp>
       <p:sp>
         <p:nvSpPr>
-          <p:cNvPr id="6" name="Slide Number Placeholder 5">
-            <a:extLst>
-              <a:ext uri="{FF2B5EF4-FFF2-40B4-BE49-F238E27FC236}">
-                <a16:creationId xmlns:a16="http://schemas.microsoft.com/office/drawing/2014/main" id="{4F44ACDD-C379-E94D-B274-01830FD3EE27}"/>
-              </a:ext>
-            </a:extLst>
-          </p:cNvPr>
+          <p:cNvPr id="6" name="Slide Number Placeholder 5"/>
           <p:cNvSpPr>
             <a:spLocks noGrp="1"/>
           </p:cNvSpPr>
@@ -522,7 +4285,7 @@
     </p:spTree>
     <p:extLst>
       <p:ext uri="{BB962C8B-B14F-4D97-AF65-F5344CB8AC3E}">
-        <p14:creationId xmlns:p14="http://schemas.microsoft.com/office/powerpoint/2010/main" val="2468756026"/>
+        <p14:creationId xmlns:p14="http://schemas.microsoft.com/office/powerpoint/2010/main" val="4034366523"/>
       </p:ext>
     </p:extLst>
   </p:cSld>
@@ -551,13 +4314,7 @@
       </p:grpSpPr>
       <p:sp>
         <p:nvSpPr>
-          <p:cNvPr id="2" name="Vertical Title 1">
-            <a:extLst>
-              <a:ext uri="{FF2B5EF4-FFF2-40B4-BE49-F238E27FC236}">
-                <a16:creationId xmlns:a16="http://schemas.microsoft.com/office/drawing/2014/main" id="{2DB2AF0B-B53B-334C-945E-5567F82027FE}"/>
-              </a:ext>
-            </a:extLst>
-          </p:cNvPr>
+          <p:cNvPr id="2" name="Vertical Title 1"/>
           <p:cNvSpPr>
             <a:spLocks noGrp="1"/>
           </p:cNvSpPr>
@@ -579,18 +4336,13 @@
               <a:rPr lang="en-US"/>
               <a:t>Click to edit Master title style</a:t>
             </a:r>
+            <a:endParaRPr lang="en-US" dirty="0"/>
           </a:p>
         </p:txBody>
       </p:sp>
       <p:sp>
         <p:nvSpPr>
-          <p:cNvPr id="3" name="Vertical Text Placeholder 2">
-            <a:extLst>
-              <a:ext uri="{FF2B5EF4-FFF2-40B4-BE49-F238E27FC236}">
-                <a16:creationId xmlns:a16="http://schemas.microsoft.com/office/drawing/2014/main" id="{C7CEE864-85D9-2748-B6FB-2CD1ADB024BC}"/>
-              </a:ext>
-            </a:extLst>
-          </p:cNvPr>
+          <p:cNvPr id="3" name="Vertical Text Placeholder 2"/>
           <p:cNvSpPr>
             <a:spLocks noGrp="1"/>
           </p:cNvSpPr>
@@ -641,18 +4393,13 @@
               <a:rPr lang="en-US"/>
               <a:t>Fifth level</a:t>
             </a:r>
+            <a:endParaRPr lang="en-US" dirty="0"/>
           </a:p>
         </p:txBody>
       </p:sp>
       <p:sp>
         <p:nvSpPr>
-          <p:cNvPr id="4" name="Date Placeholder 3">
-            <a:extLst>
-              <a:ext uri="{FF2B5EF4-FFF2-40B4-BE49-F238E27FC236}">
-                <a16:creationId xmlns:a16="http://schemas.microsoft.com/office/drawing/2014/main" id="{03373D58-7901-E44B-8498-761EA0603F69}"/>
-              </a:ext>
-            </a:extLst>
-          </p:cNvPr>
+          <p:cNvPr id="4" name="Date Placeholder 3"/>
           <p:cNvSpPr>
             <a:spLocks noGrp="1"/>
           </p:cNvSpPr>
@@ -667,7 +4414,7 @@
           <a:p>
             <a:fld id="{40DF7D66-0281-3C48-88BF-8ED247AEB486}" type="datetimeFigureOut">
               <a:rPr lang="en-US" smtClean="0"/>
-              <a:t>11/11/18</a:t>
+              <a:t>11/25/18</a:t>
             </a:fld>
             <a:endParaRPr lang="en-US"/>
           </a:p>
@@ -675,13 +4422,7 @@
       </p:sp>
       <p:sp>
         <p:nvSpPr>
-          <p:cNvPr id="5" name="Footer Placeholder 4">
-            <a:extLst>
-              <a:ext uri="{FF2B5EF4-FFF2-40B4-BE49-F238E27FC236}">
-                <a16:creationId xmlns:a16="http://schemas.microsoft.com/office/drawing/2014/main" id="{3A38FADD-4B93-4648-BCE1-C27BAEC1A86A}"/>
-              </a:ext>
-            </a:extLst>
-          </p:cNvPr>
+          <p:cNvPr id="5" name="Footer Placeholder 4"/>
           <p:cNvSpPr>
             <a:spLocks noGrp="1"/>
           </p:cNvSpPr>
@@ -700,13 +4441,7 @@
       </p:sp>
       <p:sp>
         <p:nvSpPr>
-          <p:cNvPr id="6" name="Slide Number Placeholder 5">
-            <a:extLst>
-              <a:ext uri="{FF2B5EF4-FFF2-40B4-BE49-F238E27FC236}">
-                <a16:creationId xmlns:a16="http://schemas.microsoft.com/office/drawing/2014/main" id="{2F2E30B4-2559-3948-B30A-64537D1BDC8E}"/>
-              </a:ext>
-            </a:extLst>
-          </p:cNvPr>
+          <p:cNvPr id="6" name="Slide Number Placeholder 5"/>
           <p:cNvSpPr>
             <a:spLocks noGrp="1"/>
           </p:cNvSpPr>
@@ -730,7 +4465,7 @@
     </p:spTree>
     <p:extLst>
       <p:ext uri="{BB962C8B-B14F-4D97-AF65-F5344CB8AC3E}">
-        <p14:creationId xmlns:p14="http://schemas.microsoft.com/office/powerpoint/2010/main" val="2549923255"/>
+        <p14:creationId xmlns:p14="http://schemas.microsoft.com/office/powerpoint/2010/main" val="2587082785"/>
       </p:ext>
     </p:extLst>
   </p:cSld>
@@ -759,13 +4494,7 @@
       </p:grpSpPr>
       <p:sp>
         <p:nvSpPr>
-          <p:cNvPr id="2" name="Title 1">
-            <a:extLst>
-              <a:ext uri="{FF2B5EF4-FFF2-40B4-BE49-F238E27FC236}">
-                <a16:creationId xmlns:a16="http://schemas.microsoft.com/office/drawing/2014/main" id="{87DB1F4D-D2E7-A44C-B4DE-A1E9BC9BA511}"/>
-              </a:ext>
-            </a:extLst>
-          </p:cNvPr>
+          <p:cNvPr id="2" name="Title 1"/>
           <p:cNvSpPr>
             <a:spLocks noGrp="1"/>
           </p:cNvSpPr>
@@ -782,18 +4511,13 @@
               <a:rPr lang="en-US"/>
               <a:t>Click to edit Master title style</a:t>
             </a:r>
+            <a:endParaRPr lang="en-US" dirty="0"/>
           </a:p>
         </p:txBody>
       </p:sp>
       <p:sp>
         <p:nvSpPr>
-          <p:cNvPr id="3" name="Content Placeholder 2">
-            <a:extLst>
-              <a:ext uri="{FF2B5EF4-FFF2-40B4-BE49-F238E27FC236}">
-                <a16:creationId xmlns:a16="http://schemas.microsoft.com/office/drawing/2014/main" id="{1F7A1F72-2865-C844-8DEE-86302EC3A511}"/>
-              </a:ext>
-            </a:extLst>
-          </p:cNvPr>
+          <p:cNvPr id="3" name="Content Placeholder 2"/>
           <p:cNvSpPr>
             <a:spLocks noGrp="1"/>
           </p:cNvSpPr>
@@ -839,18 +4563,13 @@
               <a:rPr lang="en-US"/>
               <a:t>Fifth level</a:t>
             </a:r>
+            <a:endParaRPr lang="en-US" dirty="0"/>
           </a:p>
         </p:txBody>
       </p:sp>
       <p:sp>
         <p:nvSpPr>
-          <p:cNvPr id="4" name="Date Placeholder 3">
-            <a:extLst>
-              <a:ext uri="{FF2B5EF4-FFF2-40B4-BE49-F238E27FC236}">
-                <a16:creationId xmlns:a16="http://schemas.microsoft.com/office/drawing/2014/main" id="{84BAE351-693D-3248-8A26-E7C90E53FB05}"/>
-              </a:ext>
-            </a:extLst>
-          </p:cNvPr>
+          <p:cNvPr id="4" name="Date Placeholder 3"/>
           <p:cNvSpPr>
             <a:spLocks noGrp="1"/>
           </p:cNvSpPr>
@@ -865,7 +4584,7 @@
           <a:p>
             <a:fld id="{40DF7D66-0281-3C48-88BF-8ED247AEB486}" type="datetimeFigureOut">
               <a:rPr lang="en-US" smtClean="0"/>
-              <a:t>11/11/18</a:t>
+              <a:t>11/25/18</a:t>
             </a:fld>
             <a:endParaRPr lang="en-US"/>
           </a:p>
@@ -873,13 +4592,7 @@
       </p:sp>
       <p:sp>
         <p:nvSpPr>
-          <p:cNvPr id="5" name="Footer Placeholder 4">
-            <a:extLst>
-              <a:ext uri="{FF2B5EF4-FFF2-40B4-BE49-F238E27FC236}">
-                <a16:creationId xmlns:a16="http://schemas.microsoft.com/office/drawing/2014/main" id="{7655C7F1-0E9C-A746-8EC1-7BEF5CE57509}"/>
-              </a:ext>
-            </a:extLst>
-          </p:cNvPr>
+          <p:cNvPr id="5" name="Footer Placeholder 4"/>
           <p:cNvSpPr>
             <a:spLocks noGrp="1"/>
           </p:cNvSpPr>
@@ -898,13 +4611,7 @@
       </p:sp>
       <p:sp>
         <p:nvSpPr>
-          <p:cNvPr id="6" name="Slide Number Placeholder 5">
-            <a:extLst>
-              <a:ext uri="{FF2B5EF4-FFF2-40B4-BE49-F238E27FC236}">
-                <a16:creationId xmlns:a16="http://schemas.microsoft.com/office/drawing/2014/main" id="{C63BD5AF-66CE-A049-8DE2-6DCA42F58354}"/>
-              </a:ext>
-            </a:extLst>
-          </p:cNvPr>
+          <p:cNvPr id="6" name="Slide Number Placeholder 5"/>
           <p:cNvSpPr>
             <a:spLocks noGrp="1"/>
           </p:cNvSpPr>
@@ -928,7 +4635,7 @@
     </p:spTree>
     <p:extLst>
       <p:ext uri="{BB962C8B-B14F-4D97-AF65-F5344CB8AC3E}">
-        <p14:creationId xmlns:p14="http://schemas.microsoft.com/office/powerpoint/2010/main" val="1067298228"/>
+        <p14:creationId xmlns:p14="http://schemas.microsoft.com/office/powerpoint/2010/main" val="504001746"/>
       </p:ext>
     </p:extLst>
   </p:cSld>
@@ -957,13 +4664,7 @@
       </p:grpSpPr>
       <p:sp>
         <p:nvSpPr>
-          <p:cNvPr id="2" name="Title 1">
-            <a:extLst>
-              <a:ext uri="{FF2B5EF4-FFF2-40B4-BE49-F238E27FC236}">
-                <a16:creationId xmlns:a16="http://schemas.microsoft.com/office/drawing/2014/main" id="{E2341C7B-A2FB-6A4A-B50B-E206A5AD8B2D}"/>
-              </a:ext>
-            </a:extLst>
-          </p:cNvPr>
+          <p:cNvPr id="2" name="Title 1"/>
           <p:cNvSpPr>
             <a:spLocks noGrp="1"/>
           </p:cNvSpPr>
@@ -989,18 +4690,13 @@
               <a:rPr lang="en-US"/>
               <a:t>Click to edit Master title style</a:t>
             </a:r>
+            <a:endParaRPr lang="en-US" dirty="0"/>
           </a:p>
         </p:txBody>
       </p:sp>
       <p:sp>
         <p:nvSpPr>
-          <p:cNvPr id="3" name="Text Placeholder 2">
-            <a:extLst>
-              <a:ext uri="{FF2B5EF4-FFF2-40B4-BE49-F238E27FC236}">
-                <a16:creationId xmlns:a16="http://schemas.microsoft.com/office/drawing/2014/main" id="{37DA91EC-2B34-5841-8550-30DFF7ED1943}"/>
-              </a:ext>
-            </a:extLst>
-          </p:cNvPr>
+          <p:cNvPr id="3" name="Text Placeholder 2"/>
           <p:cNvSpPr>
             <a:spLocks noGrp="1"/>
           </p:cNvSpPr>
@@ -1119,13 +4815,7 @@
       </p:sp>
       <p:sp>
         <p:nvSpPr>
-          <p:cNvPr id="4" name="Date Placeholder 3">
-            <a:extLst>
-              <a:ext uri="{FF2B5EF4-FFF2-40B4-BE49-F238E27FC236}">
-                <a16:creationId xmlns:a16="http://schemas.microsoft.com/office/drawing/2014/main" id="{52036FDC-2D40-DC48-A3E9-2E35F72094C6}"/>
-              </a:ext>
-            </a:extLst>
-          </p:cNvPr>
+          <p:cNvPr id="4" name="Date Placeholder 3"/>
           <p:cNvSpPr>
             <a:spLocks noGrp="1"/>
           </p:cNvSpPr>
@@ -1140,7 +4830,7 @@
           <a:p>
             <a:fld id="{40DF7D66-0281-3C48-88BF-8ED247AEB486}" type="datetimeFigureOut">
               <a:rPr lang="en-US" smtClean="0"/>
-              <a:t>11/11/18</a:t>
+              <a:t>11/25/18</a:t>
             </a:fld>
             <a:endParaRPr lang="en-US"/>
           </a:p>
@@ -1148,13 +4838,7 @@
       </p:sp>
       <p:sp>
         <p:nvSpPr>
-          <p:cNvPr id="5" name="Footer Placeholder 4">
-            <a:extLst>
-              <a:ext uri="{FF2B5EF4-FFF2-40B4-BE49-F238E27FC236}">
-                <a16:creationId xmlns:a16="http://schemas.microsoft.com/office/drawing/2014/main" id="{002EE205-1C65-DC49-8474-989E7681307F}"/>
-              </a:ext>
-            </a:extLst>
-          </p:cNvPr>
+          <p:cNvPr id="5" name="Footer Placeholder 4"/>
           <p:cNvSpPr>
             <a:spLocks noGrp="1"/>
           </p:cNvSpPr>
@@ -1173,13 +4857,7 @@
       </p:sp>
       <p:sp>
         <p:nvSpPr>
-          <p:cNvPr id="6" name="Slide Number Placeholder 5">
-            <a:extLst>
-              <a:ext uri="{FF2B5EF4-FFF2-40B4-BE49-F238E27FC236}">
-                <a16:creationId xmlns:a16="http://schemas.microsoft.com/office/drawing/2014/main" id="{712E6DD9-A5A1-9A46-95BD-7283CA411A3B}"/>
-              </a:ext>
-            </a:extLst>
-          </p:cNvPr>
+          <p:cNvPr id="6" name="Slide Number Placeholder 5"/>
           <p:cNvSpPr>
             <a:spLocks noGrp="1"/>
           </p:cNvSpPr>
@@ -1203,7 +4881,7 @@
     </p:spTree>
     <p:extLst>
       <p:ext uri="{BB962C8B-B14F-4D97-AF65-F5344CB8AC3E}">
-        <p14:creationId xmlns:p14="http://schemas.microsoft.com/office/powerpoint/2010/main" val="3077537044"/>
+        <p14:creationId xmlns:p14="http://schemas.microsoft.com/office/powerpoint/2010/main" val="3387221572"/>
       </p:ext>
     </p:extLst>
   </p:cSld>
@@ -1232,13 +4910,7 @@
       </p:grpSpPr>
       <p:sp>
         <p:nvSpPr>
-          <p:cNvPr id="2" name="Title 1">
-            <a:extLst>
-              <a:ext uri="{FF2B5EF4-FFF2-40B4-BE49-F238E27FC236}">
-                <a16:creationId xmlns:a16="http://schemas.microsoft.com/office/drawing/2014/main" id="{0C5F9A00-10A1-F542-8545-D78C3F38FDC4}"/>
-              </a:ext>
-            </a:extLst>
-          </p:cNvPr>
+          <p:cNvPr id="2" name="Title 1"/>
           <p:cNvSpPr>
             <a:spLocks noGrp="1"/>
           </p:cNvSpPr>
@@ -1255,18 +4927,13 @@
               <a:rPr lang="en-US"/>
               <a:t>Click to edit Master title style</a:t>
             </a:r>
+            <a:endParaRPr lang="en-US" dirty="0"/>
           </a:p>
         </p:txBody>
       </p:sp>
       <p:sp>
         <p:nvSpPr>
-          <p:cNvPr id="3" name="Content Placeholder 2">
-            <a:extLst>
-              <a:ext uri="{FF2B5EF4-FFF2-40B4-BE49-F238E27FC236}">
-                <a16:creationId xmlns:a16="http://schemas.microsoft.com/office/drawing/2014/main" id="{A8DAA455-E4FB-4845-990A-D498BFF8566D}"/>
-              </a:ext>
-            </a:extLst>
-          </p:cNvPr>
+          <p:cNvPr id="3" name="Content Placeholder 2"/>
           <p:cNvSpPr>
             <a:spLocks noGrp="1"/>
           </p:cNvSpPr>
@@ -1317,18 +4984,13 @@
               <a:rPr lang="en-US"/>
               <a:t>Fifth level</a:t>
             </a:r>
+            <a:endParaRPr lang="en-US" dirty="0"/>
           </a:p>
         </p:txBody>
       </p:sp>
       <p:sp>
         <p:nvSpPr>
-          <p:cNvPr id="4" name="Content Placeholder 3">
-            <a:extLst>
-              <a:ext uri="{FF2B5EF4-FFF2-40B4-BE49-F238E27FC236}">
-                <a16:creationId xmlns:a16="http://schemas.microsoft.com/office/drawing/2014/main" id="{BED221A3-8D9E-554B-9F01-E3A828E5AE38}"/>
-              </a:ext>
-            </a:extLst>
-          </p:cNvPr>
+          <p:cNvPr id="4" name="Content Placeholder 3"/>
           <p:cNvSpPr>
             <a:spLocks noGrp="1"/>
           </p:cNvSpPr>
@@ -1379,18 +5041,13 @@
               <a:rPr lang="en-US"/>
               <a:t>Fifth level</a:t>
             </a:r>
+            <a:endParaRPr lang="en-US" dirty="0"/>
           </a:p>
         </p:txBody>
       </p:sp>
       <p:sp>
         <p:nvSpPr>
-          <p:cNvPr id="5" name="Date Placeholder 4">
-            <a:extLst>
-              <a:ext uri="{FF2B5EF4-FFF2-40B4-BE49-F238E27FC236}">
-                <a16:creationId xmlns:a16="http://schemas.microsoft.com/office/drawing/2014/main" id="{9E6F9A98-449B-9349-A7CA-2A3048D9E6F8}"/>
-              </a:ext>
-            </a:extLst>
-          </p:cNvPr>
+          <p:cNvPr id="5" name="Date Placeholder 4"/>
           <p:cNvSpPr>
             <a:spLocks noGrp="1"/>
           </p:cNvSpPr>
@@ -1405,7 +5062,7 @@
           <a:p>
             <a:fld id="{40DF7D66-0281-3C48-88BF-8ED247AEB486}" type="datetimeFigureOut">
               <a:rPr lang="en-US" smtClean="0"/>
-              <a:t>11/11/18</a:t>
+              <a:t>11/25/18</a:t>
             </a:fld>
             <a:endParaRPr lang="en-US"/>
           </a:p>
@@ -1413,13 +5070,7 @@
       </p:sp>
       <p:sp>
         <p:nvSpPr>
-          <p:cNvPr id="6" name="Footer Placeholder 5">
-            <a:extLst>
-              <a:ext uri="{FF2B5EF4-FFF2-40B4-BE49-F238E27FC236}">
-                <a16:creationId xmlns:a16="http://schemas.microsoft.com/office/drawing/2014/main" id="{5444793E-D702-764D-9F15-9E68A7BD6E07}"/>
-              </a:ext>
-            </a:extLst>
-          </p:cNvPr>
+          <p:cNvPr id="6" name="Footer Placeholder 5"/>
           <p:cNvSpPr>
             <a:spLocks noGrp="1"/>
           </p:cNvSpPr>
@@ -1438,13 +5089,7 @@
       </p:sp>
       <p:sp>
         <p:nvSpPr>
-          <p:cNvPr id="7" name="Slide Number Placeholder 6">
-            <a:extLst>
-              <a:ext uri="{FF2B5EF4-FFF2-40B4-BE49-F238E27FC236}">
-                <a16:creationId xmlns:a16="http://schemas.microsoft.com/office/drawing/2014/main" id="{66575B42-8002-FE43-9A27-842118DCBCFE}"/>
-              </a:ext>
-            </a:extLst>
-          </p:cNvPr>
+          <p:cNvPr id="7" name="Slide Number Placeholder 6"/>
           <p:cNvSpPr>
             <a:spLocks noGrp="1"/>
           </p:cNvSpPr>
@@ -1468,7 +5113,7 @@
     </p:spTree>
     <p:extLst>
       <p:ext uri="{BB962C8B-B14F-4D97-AF65-F5344CB8AC3E}">
-        <p14:creationId xmlns:p14="http://schemas.microsoft.com/office/powerpoint/2010/main" val="848449283"/>
+        <p14:creationId xmlns:p14="http://schemas.microsoft.com/office/powerpoint/2010/main" val="2182844648"/>
       </p:ext>
     </p:extLst>
   </p:cSld>
@@ -1497,13 +5142,7 @@
       </p:grpSpPr>
       <p:sp>
         <p:nvSpPr>
-          <p:cNvPr id="2" name="Title 1">
-            <a:extLst>
-              <a:ext uri="{FF2B5EF4-FFF2-40B4-BE49-F238E27FC236}">
-                <a16:creationId xmlns:a16="http://schemas.microsoft.com/office/drawing/2014/main" id="{17202FB0-690A-824B-88E1-4E209F4AD31A}"/>
-              </a:ext>
-            </a:extLst>
-          </p:cNvPr>
+          <p:cNvPr id="2" name="Title 1"/>
           <p:cNvSpPr>
             <a:spLocks noGrp="1"/>
           </p:cNvSpPr>
@@ -1525,18 +5164,13 @@
               <a:rPr lang="en-US"/>
               <a:t>Click to edit Master title style</a:t>
             </a:r>
+            <a:endParaRPr lang="en-US" dirty="0"/>
           </a:p>
         </p:txBody>
       </p:sp>
       <p:sp>
         <p:nvSpPr>
-          <p:cNvPr id="3" name="Text Placeholder 2">
-            <a:extLst>
-              <a:ext uri="{FF2B5EF4-FFF2-40B4-BE49-F238E27FC236}">
-                <a16:creationId xmlns:a16="http://schemas.microsoft.com/office/drawing/2014/main" id="{EC8CDDEC-0A4B-8E4C-96AC-0DD72B259772}"/>
-              </a:ext>
-            </a:extLst>
-          </p:cNvPr>
+          <p:cNvPr id="3" name="Text Placeholder 2"/>
           <p:cNvSpPr>
             <a:spLocks noGrp="1"/>
           </p:cNvSpPr>
@@ -1601,13 +5235,7 @@
       </p:sp>
       <p:sp>
         <p:nvSpPr>
-          <p:cNvPr id="4" name="Content Placeholder 3">
-            <a:extLst>
-              <a:ext uri="{FF2B5EF4-FFF2-40B4-BE49-F238E27FC236}">
-                <a16:creationId xmlns:a16="http://schemas.microsoft.com/office/drawing/2014/main" id="{632AE6EF-D3D3-DD4E-849F-8D71BBB5A8CD}"/>
-              </a:ext>
-            </a:extLst>
-          </p:cNvPr>
+          <p:cNvPr id="4" name="Content Placeholder 3"/>
           <p:cNvSpPr>
             <a:spLocks noGrp="1"/>
           </p:cNvSpPr>
@@ -1658,18 +5286,13 @@
               <a:rPr lang="en-US"/>
               <a:t>Fifth level</a:t>
             </a:r>
+            <a:endParaRPr lang="en-US" dirty="0"/>
           </a:p>
         </p:txBody>
       </p:sp>
       <p:sp>
         <p:nvSpPr>
-          <p:cNvPr id="5" name="Text Placeholder 4">
-            <a:extLst>
-              <a:ext uri="{FF2B5EF4-FFF2-40B4-BE49-F238E27FC236}">
-                <a16:creationId xmlns:a16="http://schemas.microsoft.com/office/drawing/2014/main" id="{03DF6298-85C0-EF46-A84F-5BE47A32414D}"/>
-              </a:ext>
-            </a:extLst>
-          </p:cNvPr>
+          <p:cNvPr id="5" name="Text Placeholder 4"/>
           <p:cNvSpPr>
             <a:spLocks noGrp="1"/>
           </p:cNvSpPr>
@@ -1734,13 +5357,7 @@
       </p:sp>
       <p:sp>
         <p:nvSpPr>
-          <p:cNvPr id="6" name="Content Placeholder 5">
-            <a:extLst>
-              <a:ext uri="{FF2B5EF4-FFF2-40B4-BE49-F238E27FC236}">
-                <a16:creationId xmlns:a16="http://schemas.microsoft.com/office/drawing/2014/main" id="{AA77FC35-9C2B-494C-B676-B684E152713F}"/>
-              </a:ext>
-            </a:extLst>
-          </p:cNvPr>
+          <p:cNvPr id="6" name="Content Placeholder 5"/>
           <p:cNvSpPr>
             <a:spLocks noGrp="1"/>
           </p:cNvSpPr>
@@ -1791,18 +5408,13 @@
               <a:rPr lang="en-US"/>
               <a:t>Fifth level</a:t>
             </a:r>
+            <a:endParaRPr lang="en-US" dirty="0"/>
           </a:p>
         </p:txBody>
       </p:sp>
       <p:sp>
         <p:nvSpPr>
-          <p:cNvPr id="7" name="Date Placeholder 6">
-            <a:extLst>
-              <a:ext uri="{FF2B5EF4-FFF2-40B4-BE49-F238E27FC236}">
-                <a16:creationId xmlns:a16="http://schemas.microsoft.com/office/drawing/2014/main" id="{99342699-5B34-144A-A015-A9ACA704E742}"/>
-              </a:ext>
-            </a:extLst>
-          </p:cNvPr>
+          <p:cNvPr id="7" name="Date Placeholder 6"/>
           <p:cNvSpPr>
             <a:spLocks noGrp="1"/>
           </p:cNvSpPr>
@@ -1817,7 +5429,7 @@
           <a:p>
             <a:fld id="{40DF7D66-0281-3C48-88BF-8ED247AEB486}" type="datetimeFigureOut">
               <a:rPr lang="en-US" smtClean="0"/>
-              <a:t>11/11/18</a:t>
+              <a:t>11/25/18</a:t>
             </a:fld>
             <a:endParaRPr lang="en-US"/>
           </a:p>
@@ -1825,13 +5437,7 @@
       </p:sp>
       <p:sp>
         <p:nvSpPr>
-          <p:cNvPr id="8" name="Footer Placeholder 7">
-            <a:extLst>
-              <a:ext uri="{FF2B5EF4-FFF2-40B4-BE49-F238E27FC236}">
-                <a16:creationId xmlns:a16="http://schemas.microsoft.com/office/drawing/2014/main" id="{B1AC0E0B-B5BB-AA47-A063-40F05B466717}"/>
-              </a:ext>
-            </a:extLst>
-          </p:cNvPr>
+          <p:cNvPr id="8" name="Footer Placeholder 7"/>
           <p:cNvSpPr>
             <a:spLocks noGrp="1"/>
           </p:cNvSpPr>
@@ -1850,13 +5456,7 @@
       </p:sp>
       <p:sp>
         <p:nvSpPr>
-          <p:cNvPr id="9" name="Slide Number Placeholder 8">
-            <a:extLst>
-              <a:ext uri="{FF2B5EF4-FFF2-40B4-BE49-F238E27FC236}">
-                <a16:creationId xmlns:a16="http://schemas.microsoft.com/office/drawing/2014/main" id="{E403C42F-C2DA-A147-B421-E80B09F600A9}"/>
-              </a:ext>
-            </a:extLst>
-          </p:cNvPr>
+          <p:cNvPr id="9" name="Slide Number Placeholder 8"/>
           <p:cNvSpPr>
             <a:spLocks noGrp="1"/>
           </p:cNvSpPr>
@@ -1880,7 +5480,7 @@
     </p:spTree>
     <p:extLst>
       <p:ext uri="{BB962C8B-B14F-4D97-AF65-F5344CB8AC3E}">
-        <p14:creationId xmlns:p14="http://schemas.microsoft.com/office/powerpoint/2010/main" val="329838483"/>
+        <p14:creationId xmlns:p14="http://schemas.microsoft.com/office/powerpoint/2010/main" val="1260019386"/>
       </p:ext>
     </p:extLst>
   </p:cSld>
@@ -1909,13 +5509,7 @@
       </p:grpSpPr>
       <p:sp>
         <p:nvSpPr>
-          <p:cNvPr id="2" name="Title 1">
-            <a:extLst>
-              <a:ext uri="{FF2B5EF4-FFF2-40B4-BE49-F238E27FC236}">
-                <a16:creationId xmlns:a16="http://schemas.microsoft.com/office/drawing/2014/main" id="{2A4A0C05-4F03-FF40-A57A-5A0A55172087}"/>
-              </a:ext>
-            </a:extLst>
-          </p:cNvPr>
+          <p:cNvPr id="2" name="Title 1"/>
           <p:cNvSpPr>
             <a:spLocks noGrp="1"/>
           </p:cNvSpPr>
@@ -1932,18 +5526,13 @@
               <a:rPr lang="en-US"/>
               <a:t>Click to edit Master title style</a:t>
             </a:r>
+            <a:endParaRPr lang="en-US" dirty="0"/>
           </a:p>
         </p:txBody>
       </p:sp>
       <p:sp>
         <p:nvSpPr>
-          <p:cNvPr id="3" name="Date Placeholder 2">
-            <a:extLst>
-              <a:ext uri="{FF2B5EF4-FFF2-40B4-BE49-F238E27FC236}">
-                <a16:creationId xmlns:a16="http://schemas.microsoft.com/office/drawing/2014/main" id="{82929833-AC2D-604D-B6F1-B3D194B541B2}"/>
-              </a:ext>
-            </a:extLst>
-          </p:cNvPr>
+          <p:cNvPr id="3" name="Date Placeholder 2"/>
           <p:cNvSpPr>
             <a:spLocks noGrp="1"/>
           </p:cNvSpPr>
@@ -1958,7 +5547,7 @@
           <a:p>
             <a:fld id="{40DF7D66-0281-3C48-88BF-8ED247AEB486}" type="datetimeFigureOut">
               <a:rPr lang="en-US" smtClean="0"/>
-              <a:t>11/11/18</a:t>
+              <a:t>11/25/18</a:t>
             </a:fld>
             <a:endParaRPr lang="en-US"/>
           </a:p>
@@ -1966,13 +5555,7 @@
       </p:sp>
       <p:sp>
         <p:nvSpPr>
-          <p:cNvPr id="4" name="Footer Placeholder 3">
-            <a:extLst>
-              <a:ext uri="{FF2B5EF4-FFF2-40B4-BE49-F238E27FC236}">
-                <a16:creationId xmlns:a16="http://schemas.microsoft.com/office/drawing/2014/main" id="{43B21DD1-1938-3D48-AE3C-C52291B4E5C6}"/>
-              </a:ext>
-            </a:extLst>
-          </p:cNvPr>
+          <p:cNvPr id="4" name="Footer Placeholder 3"/>
           <p:cNvSpPr>
             <a:spLocks noGrp="1"/>
           </p:cNvSpPr>
@@ -1991,13 +5574,7 @@
       </p:sp>
       <p:sp>
         <p:nvSpPr>
-          <p:cNvPr id="5" name="Slide Number Placeholder 4">
-            <a:extLst>
-              <a:ext uri="{FF2B5EF4-FFF2-40B4-BE49-F238E27FC236}">
-                <a16:creationId xmlns:a16="http://schemas.microsoft.com/office/drawing/2014/main" id="{50E8CC00-04A0-204C-BF7B-3432FEE14F2F}"/>
-              </a:ext>
-            </a:extLst>
-          </p:cNvPr>
+          <p:cNvPr id="5" name="Slide Number Placeholder 4"/>
           <p:cNvSpPr>
             <a:spLocks noGrp="1"/>
           </p:cNvSpPr>
@@ -2021,7 +5598,7 @@
     </p:spTree>
     <p:extLst>
       <p:ext uri="{BB962C8B-B14F-4D97-AF65-F5344CB8AC3E}">
-        <p14:creationId xmlns:p14="http://schemas.microsoft.com/office/powerpoint/2010/main" val="2123653603"/>
+        <p14:creationId xmlns:p14="http://schemas.microsoft.com/office/powerpoint/2010/main" val="1537419933"/>
       </p:ext>
     </p:extLst>
   </p:cSld>
@@ -2050,13 +5627,7 @@
       </p:grpSpPr>
       <p:sp>
         <p:nvSpPr>
-          <p:cNvPr id="2" name="Date Placeholder 1">
-            <a:extLst>
-              <a:ext uri="{FF2B5EF4-FFF2-40B4-BE49-F238E27FC236}">
-                <a16:creationId xmlns:a16="http://schemas.microsoft.com/office/drawing/2014/main" id="{3FD57658-5FE6-7F4E-9149-3E658DB239F5}"/>
-              </a:ext>
-            </a:extLst>
-          </p:cNvPr>
+          <p:cNvPr id="2" name="Date Placeholder 1"/>
           <p:cNvSpPr>
             <a:spLocks noGrp="1"/>
           </p:cNvSpPr>
@@ -2071,7 +5642,7 @@
           <a:p>
             <a:fld id="{40DF7D66-0281-3C48-88BF-8ED247AEB486}" type="datetimeFigureOut">
               <a:rPr lang="en-US" smtClean="0"/>
-              <a:t>11/11/18</a:t>
+              <a:t>11/25/18</a:t>
             </a:fld>
             <a:endParaRPr lang="en-US"/>
           </a:p>
@@ -2079,13 +5650,7 @@
       </p:sp>
       <p:sp>
         <p:nvSpPr>
-          <p:cNvPr id="3" name="Footer Placeholder 2">
-            <a:extLst>
-              <a:ext uri="{FF2B5EF4-FFF2-40B4-BE49-F238E27FC236}">
-                <a16:creationId xmlns:a16="http://schemas.microsoft.com/office/drawing/2014/main" id="{A6871CDD-3FB9-3141-8834-2716F3982E25}"/>
-              </a:ext>
-            </a:extLst>
-          </p:cNvPr>
+          <p:cNvPr id="3" name="Footer Placeholder 2"/>
           <p:cNvSpPr>
             <a:spLocks noGrp="1"/>
           </p:cNvSpPr>
@@ -2104,13 +5669,7 @@
       </p:sp>
       <p:sp>
         <p:nvSpPr>
-          <p:cNvPr id="4" name="Slide Number Placeholder 3">
-            <a:extLst>
-              <a:ext uri="{FF2B5EF4-FFF2-40B4-BE49-F238E27FC236}">
-                <a16:creationId xmlns:a16="http://schemas.microsoft.com/office/drawing/2014/main" id="{9A00FF84-02A2-9049-9B1A-57E53A0649BE}"/>
-              </a:ext>
-            </a:extLst>
-          </p:cNvPr>
+          <p:cNvPr id="4" name="Slide Number Placeholder 3"/>
           <p:cNvSpPr>
             <a:spLocks noGrp="1"/>
           </p:cNvSpPr>
@@ -2134,7 +5693,7 @@
     </p:spTree>
     <p:extLst>
       <p:ext uri="{BB962C8B-B14F-4D97-AF65-F5344CB8AC3E}">
-        <p14:creationId xmlns:p14="http://schemas.microsoft.com/office/powerpoint/2010/main" val="1303654699"/>
+        <p14:creationId xmlns:p14="http://schemas.microsoft.com/office/powerpoint/2010/main" val="2941678310"/>
       </p:ext>
     </p:extLst>
   </p:cSld>
@@ -2163,13 +5722,7 @@
       </p:grpSpPr>
       <p:sp>
         <p:nvSpPr>
-          <p:cNvPr id="2" name="Title 1">
-            <a:extLst>
-              <a:ext uri="{FF2B5EF4-FFF2-40B4-BE49-F238E27FC236}">
-                <a16:creationId xmlns:a16="http://schemas.microsoft.com/office/drawing/2014/main" id="{85085BFC-17E1-B349-883D-7F40D1A1B2A3}"/>
-              </a:ext>
-            </a:extLst>
-          </p:cNvPr>
+          <p:cNvPr id="2" name="Title 1"/>
           <p:cNvSpPr>
             <a:spLocks noGrp="1"/>
           </p:cNvSpPr>
@@ -2195,18 +5748,13 @@
               <a:rPr lang="en-US"/>
               <a:t>Click to edit Master title style</a:t>
             </a:r>
+            <a:endParaRPr lang="en-US" dirty="0"/>
           </a:p>
         </p:txBody>
       </p:sp>
       <p:sp>
         <p:nvSpPr>
-          <p:cNvPr id="3" name="Content Placeholder 2">
-            <a:extLst>
-              <a:ext uri="{FF2B5EF4-FFF2-40B4-BE49-F238E27FC236}">
-                <a16:creationId xmlns:a16="http://schemas.microsoft.com/office/drawing/2014/main" id="{B84537E7-B9BF-524F-9ABC-0854B5ABED09}"/>
-              </a:ext>
-            </a:extLst>
-          </p:cNvPr>
+          <p:cNvPr id="3" name="Content Placeholder 2"/>
           <p:cNvSpPr>
             <a:spLocks noGrp="1"/>
           </p:cNvSpPr>
@@ -2285,18 +5833,13 @@
               <a:rPr lang="en-US"/>
               <a:t>Fifth level</a:t>
             </a:r>
+            <a:endParaRPr lang="en-US" dirty="0"/>
           </a:p>
         </p:txBody>
       </p:sp>
       <p:sp>
         <p:nvSpPr>
-          <p:cNvPr id="4" name="Text Placeholder 3">
-            <a:extLst>
-              <a:ext uri="{FF2B5EF4-FFF2-40B4-BE49-F238E27FC236}">
-                <a16:creationId xmlns:a16="http://schemas.microsoft.com/office/drawing/2014/main" id="{1F47990C-3E51-2049-8762-12EEBB2EED35}"/>
-              </a:ext>
-            </a:extLst>
-          </p:cNvPr>
+          <p:cNvPr id="4" name="Text Placeholder 3"/>
           <p:cNvSpPr>
             <a:spLocks noGrp="1"/>
           </p:cNvSpPr>
@@ -2361,13 +5904,7 @@
       </p:sp>
       <p:sp>
         <p:nvSpPr>
-          <p:cNvPr id="5" name="Date Placeholder 4">
-            <a:extLst>
-              <a:ext uri="{FF2B5EF4-FFF2-40B4-BE49-F238E27FC236}">
-                <a16:creationId xmlns:a16="http://schemas.microsoft.com/office/drawing/2014/main" id="{9D5A27DB-1658-0E47-8A35-8D38E80058D1}"/>
-              </a:ext>
-            </a:extLst>
-          </p:cNvPr>
+          <p:cNvPr id="5" name="Date Placeholder 4"/>
           <p:cNvSpPr>
             <a:spLocks noGrp="1"/>
           </p:cNvSpPr>
@@ -2382,7 +5919,7 @@
           <a:p>
             <a:fld id="{40DF7D66-0281-3C48-88BF-8ED247AEB486}" type="datetimeFigureOut">
               <a:rPr lang="en-US" smtClean="0"/>
-              <a:t>11/11/18</a:t>
+              <a:t>11/25/18</a:t>
             </a:fld>
             <a:endParaRPr lang="en-US"/>
           </a:p>
@@ -2390,13 +5927,7 @@
       </p:sp>
       <p:sp>
         <p:nvSpPr>
-          <p:cNvPr id="6" name="Footer Placeholder 5">
-            <a:extLst>
-              <a:ext uri="{FF2B5EF4-FFF2-40B4-BE49-F238E27FC236}">
-                <a16:creationId xmlns:a16="http://schemas.microsoft.com/office/drawing/2014/main" id="{8D1AC215-8813-1741-9E6C-BC97C6B679FD}"/>
-              </a:ext>
-            </a:extLst>
-          </p:cNvPr>
+          <p:cNvPr id="6" name="Footer Placeholder 5"/>
           <p:cNvSpPr>
             <a:spLocks noGrp="1"/>
           </p:cNvSpPr>
@@ -2415,13 +5946,7 @@
       </p:sp>
       <p:sp>
         <p:nvSpPr>
-          <p:cNvPr id="7" name="Slide Number Placeholder 6">
-            <a:extLst>
-              <a:ext uri="{FF2B5EF4-FFF2-40B4-BE49-F238E27FC236}">
-                <a16:creationId xmlns:a16="http://schemas.microsoft.com/office/drawing/2014/main" id="{EC4B1839-DFE2-1D4D-BDF2-C273DD4D77D4}"/>
-              </a:ext>
-            </a:extLst>
-          </p:cNvPr>
+          <p:cNvPr id="7" name="Slide Number Placeholder 6"/>
           <p:cNvSpPr>
             <a:spLocks noGrp="1"/>
           </p:cNvSpPr>
@@ -2445,7 +5970,7 @@
     </p:spTree>
     <p:extLst>
       <p:ext uri="{BB962C8B-B14F-4D97-AF65-F5344CB8AC3E}">
-        <p14:creationId xmlns:p14="http://schemas.microsoft.com/office/powerpoint/2010/main" val="75766815"/>
+        <p14:creationId xmlns:p14="http://schemas.microsoft.com/office/powerpoint/2010/main" val="3146592272"/>
       </p:ext>
     </p:extLst>
   </p:cSld>
@@ -2474,13 +5999,7 @@
       </p:grpSpPr>
       <p:sp>
         <p:nvSpPr>
-          <p:cNvPr id="2" name="Title 1">
-            <a:extLst>
-              <a:ext uri="{FF2B5EF4-FFF2-40B4-BE49-F238E27FC236}">
-                <a16:creationId xmlns:a16="http://schemas.microsoft.com/office/drawing/2014/main" id="{A662329E-33E9-E646-800F-3888D5C9F601}"/>
-              </a:ext>
-            </a:extLst>
-          </p:cNvPr>
+          <p:cNvPr id="2" name="Title 1"/>
           <p:cNvSpPr>
             <a:spLocks noGrp="1"/>
           </p:cNvSpPr>
@@ -2506,20 +6025,15 @@
               <a:rPr lang="en-US"/>
               <a:t>Click to edit Master title style</a:t>
             </a:r>
+            <a:endParaRPr lang="en-US" dirty="0"/>
           </a:p>
         </p:txBody>
       </p:sp>
       <p:sp>
         <p:nvSpPr>
-          <p:cNvPr id="3" name="Picture Placeholder 2">
-            <a:extLst>
-              <a:ext uri="{FF2B5EF4-FFF2-40B4-BE49-F238E27FC236}">
-                <a16:creationId xmlns:a16="http://schemas.microsoft.com/office/drawing/2014/main" id="{F6D2F0FB-A615-CC48-B44C-B2FADA605604}"/>
-              </a:ext>
-            </a:extLst>
-          </p:cNvPr>
+          <p:cNvPr id="3" name="Picture Placeholder 2"/>
           <p:cNvSpPr>
-            <a:spLocks noGrp="1"/>
+            <a:spLocks noGrp="1" noChangeAspect="1"/>
           </p:cNvSpPr>
           <p:nvPr>
             <p:ph type="pic" idx="1"/>
@@ -2532,7 +6046,7 @@
           </a:xfrm>
         </p:spPr>
         <p:txBody>
-          <a:bodyPr/>
+          <a:bodyPr anchor="t"/>
           <a:lstStyle>
             <a:lvl1pPr marL="0" indent="0">
               <a:buNone/>
@@ -2572,19 +6086,17 @@
             </a:lvl9pPr>
           </a:lstStyle>
           <a:p>
-            <a:endParaRPr lang="en-US"/>
+            <a:r>
+              <a:rPr lang="en-US"/>
+              <a:t>Click icon to add picture</a:t>
+            </a:r>
+            <a:endParaRPr lang="en-US" dirty="0"/>
           </a:p>
         </p:txBody>
       </p:sp>
       <p:sp>
         <p:nvSpPr>
-          <p:cNvPr id="4" name="Text Placeholder 3">
-            <a:extLst>
-              <a:ext uri="{FF2B5EF4-FFF2-40B4-BE49-F238E27FC236}">
-                <a16:creationId xmlns:a16="http://schemas.microsoft.com/office/drawing/2014/main" id="{E41F979A-7E77-0C4A-BA42-A26FB7D4FD0A}"/>
-              </a:ext>
-            </a:extLst>
-          </p:cNvPr>
+          <p:cNvPr id="4" name="Text Placeholder 3"/>
           <p:cNvSpPr>
             <a:spLocks noGrp="1"/>
           </p:cNvSpPr>
@@ -2649,13 +6161,7 @@
       </p:sp>
       <p:sp>
         <p:nvSpPr>
-          <p:cNvPr id="5" name="Date Placeholder 4">
-            <a:extLst>
-              <a:ext uri="{FF2B5EF4-FFF2-40B4-BE49-F238E27FC236}">
-                <a16:creationId xmlns:a16="http://schemas.microsoft.com/office/drawing/2014/main" id="{B00ABD7E-13DF-3441-BBFF-4BADD14DEFE6}"/>
-              </a:ext>
-            </a:extLst>
-          </p:cNvPr>
+          <p:cNvPr id="5" name="Date Placeholder 4"/>
           <p:cNvSpPr>
             <a:spLocks noGrp="1"/>
           </p:cNvSpPr>
@@ -2670,7 +6176,7 @@
           <a:p>
             <a:fld id="{40DF7D66-0281-3C48-88BF-8ED247AEB486}" type="datetimeFigureOut">
               <a:rPr lang="en-US" smtClean="0"/>
-              <a:t>11/11/18</a:t>
+              <a:t>11/25/18</a:t>
             </a:fld>
             <a:endParaRPr lang="en-US"/>
           </a:p>
@@ -2678,13 +6184,7 @@
       </p:sp>
       <p:sp>
         <p:nvSpPr>
-          <p:cNvPr id="6" name="Footer Placeholder 5">
-            <a:extLst>
-              <a:ext uri="{FF2B5EF4-FFF2-40B4-BE49-F238E27FC236}">
-                <a16:creationId xmlns:a16="http://schemas.microsoft.com/office/drawing/2014/main" id="{3ACDA5B4-6AD2-7243-B10F-42A78CD65AA7}"/>
-              </a:ext>
-            </a:extLst>
-          </p:cNvPr>
+          <p:cNvPr id="6" name="Footer Placeholder 5"/>
           <p:cNvSpPr>
             <a:spLocks noGrp="1"/>
           </p:cNvSpPr>
@@ -2703,13 +6203,7 @@
       </p:sp>
       <p:sp>
         <p:nvSpPr>
-          <p:cNvPr id="7" name="Slide Number Placeholder 6">
-            <a:extLst>
-              <a:ext uri="{FF2B5EF4-FFF2-40B4-BE49-F238E27FC236}">
-                <a16:creationId xmlns:a16="http://schemas.microsoft.com/office/drawing/2014/main" id="{B1EFB845-FA7B-454B-959E-748B55923989}"/>
-              </a:ext>
-            </a:extLst>
-          </p:cNvPr>
+          <p:cNvPr id="7" name="Slide Number Placeholder 6"/>
           <p:cNvSpPr>
             <a:spLocks noGrp="1"/>
           </p:cNvSpPr>
@@ -2733,7 +6227,7 @@
     </p:spTree>
     <p:extLst>
       <p:ext uri="{BB962C8B-B14F-4D97-AF65-F5344CB8AC3E}">
-        <p14:creationId xmlns:p14="http://schemas.microsoft.com/office/powerpoint/2010/main" val="94890377"/>
+        <p14:creationId xmlns:p14="http://schemas.microsoft.com/office/powerpoint/2010/main" val="3631931012"/>
       </p:ext>
     </p:extLst>
   </p:cSld>
@@ -2767,13 +6261,7 @@
       </p:grpSpPr>
       <p:sp>
         <p:nvSpPr>
-          <p:cNvPr id="2" name="Title Placeholder 1">
-            <a:extLst>
-              <a:ext uri="{FF2B5EF4-FFF2-40B4-BE49-F238E27FC236}">
-                <a16:creationId xmlns:a16="http://schemas.microsoft.com/office/drawing/2014/main" id="{646C69C1-052C-9B49-BD71-FA567B4F63C3}"/>
-              </a:ext>
-            </a:extLst>
-          </p:cNvPr>
+          <p:cNvPr id="2" name="Title Placeholder 1"/>
           <p:cNvSpPr>
             <a:spLocks noGrp="1"/>
           </p:cNvSpPr>
@@ -2800,18 +6288,13 @@
               <a:rPr lang="en-US"/>
               <a:t>Click to edit Master title style</a:t>
             </a:r>
+            <a:endParaRPr lang="en-US" dirty="0"/>
           </a:p>
         </p:txBody>
       </p:sp>
       <p:sp>
         <p:nvSpPr>
-          <p:cNvPr id="3" name="Text Placeholder 2">
-            <a:extLst>
-              <a:ext uri="{FF2B5EF4-FFF2-40B4-BE49-F238E27FC236}">
-                <a16:creationId xmlns:a16="http://schemas.microsoft.com/office/drawing/2014/main" id="{A367AEF9-7218-A040-8543-78BD30D10C56}"/>
-              </a:ext>
-            </a:extLst>
-          </p:cNvPr>
+          <p:cNvPr id="3" name="Text Placeholder 2"/>
           <p:cNvSpPr>
             <a:spLocks noGrp="1"/>
           </p:cNvSpPr>
@@ -2867,18 +6350,13 @@
               <a:rPr lang="en-US"/>
               <a:t>Fifth level</a:t>
             </a:r>
+            <a:endParaRPr lang="en-US" dirty="0"/>
           </a:p>
         </p:txBody>
       </p:sp>
       <p:sp>
         <p:nvSpPr>
-          <p:cNvPr id="4" name="Date Placeholder 3">
-            <a:extLst>
-              <a:ext uri="{FF2B5EF4-FFF2-40B4-BE49-F238E27FC236}">
-                <a16:creationId xmlns:a16="http://schemas.microsoft.com/office/drawing/2014/main" id="{A854529C-3FF9-C94B-A6D7-64726F635719}"/>
-              </a:ext>
-            </a:extLst>
-          </p:cNvPr>
+          <p:cNvPr id="4" name="Date Placeholder 3"/>
           <p:cNvSpPr>
             <a:spLocks noGrp="1"/>
           </p:cNvSpPr>
@@ -2911,7 +6389,7 @@
           <a:p>
             <a:fld id="{40DF7D66-0281-3C48-88BF-8ED247AEB486}" type="datetimeFigureOut">
               <a:rPr lang="en-US" smtClean="0"/>
-              <a:t>11/11/18</a:t>
+              <a:t>11/25/18</a:t>
             </a:fld>
             <a:endParaRPr lang="en-US"/>
           </a:p>
@@ -2919,13 +6397,7 @@
       </p:sp>
       <p:sp>
         <p:nvSpPr>
-          <p:cNvPr id="5" name="Footer Placeholder 4">
-            <a:extLst>
-              <a:ext uri="{FF2B5EF4-FFF2-40B4-BE49-F238E27FC236}">
-                <a16:creationId xmlns:a16="http://schemas.microsoft.com/office/drawing/2014/main" id="{CAC4D723-8C0B-7E41-A583-2DAFD72ECD0A}"/>
-              </a:ext>
-            </a:extLst>
-          </p:cNvPr>
+          <p:cNvPr id="5" name="Footer Placeholder 4"/>
           <p:cNvSpPr>
             <a:spLocks noGrp="1"/>
           </p:cNvSpPr>
@@ -2962,13 +6434,7 @@
       </p:sp>
       <p:sp>
         <p:nvSpPr>
-          <p:cNvPr id="6" name="Slide Number Placeholder 5">
-            <a:extLst>
-              <a:ext uri="{FF2B5EF4-FFF2-40B4-BE49-F238E27FC236}">
-                <a16:creationId xmlns:a16="http://schemas.microsoft.com/office/drawing/2014/main" id="{35578242-37EF-A542-8D22-12B3032A7D37}"/>
-              </a:ext>
-            </a:extLst>
-          </p:cNvPr>
+          <p:cNvPr id="6" name="Slide Number Placeholder 5"/>
           <p:cNvSpPr>
             <a:spLocks noGrp="1"/>
           </p:cNvSpPr>
@@ -3010,23 +6476,23 @@
     </p:spTree>
     <p:extLst>
       <p:ext uri="{BB962C8B-B14F-4D97-AF65-F5344CB8AC3E}">
-        <p14:creationId xmlns:p14="http://schemas.microsoft.com/office/powerpoint/2010/main" val="762038006"/>
+        <p14:creationId xmlns:p14="http://schemas.microsoft.com/office/powerpoint/2010/main" val="3326657918"/>
       </p:ext>
     </p:extLst>
   </p:cSld>
-  <p:clrMap bg1="lt1" tx1="dk1" bg2="lt2" tx2="dk2" accent1="accent1" accent2="accent2" accent3="accent3" accent4="accent4" accent5="accent5" accent6="accent6" hlink="hlink" folHlink="folHlink"/>
+  <p:clrMap bg1="dk1" tx1="lt1" bg2="dk2" tx2="lt2" accent1="accent1" accent2="accent2" accent3="accent3" accent4="accent4" accent5="accent5" accent6="accent6" hlink="hlink" folHlink="folHlink"/>
   <p:sldLayoutIdLst>
-    <p:sldLayoutId id="2147483649" r:id="rId1"/>
-    <p:sldLayoutId id="2147483650" r:id="rId2"/>
-    <p:sldLayoutId id="2147483651" r:id="rId3"/>
-    <p:sldLayoutId id="2147483652" r:id="rId4"/>
-    <p:sldLayoutId id="2147483653" r:id="rId5"/>
-    <p:sldLayoutId id="2147483654" r:id="rId6"/>
-    <p:sldLayoutId id="2147483655" r:id="rId7"/>
-    <p:sldLayoutId id="2147483656" r:id="rId8"/>
-    <p:sldLayoutId id="2147483657" r:id="rId9"/>
-    <p:sldLayoutId id="2147483658" r:id="rId10"/>
-    <p:sldLayoutId id="2147483659" r:id="rId11"/>
+    <p:sldLayoutId id="2147483661" r:id="rId1"/>
+    <p:sldLayoutId id="2147483662" r:id="rId2"/>
+    <p:sldLayoutId id="2147483663" r:id="rId3"/>
+    <p:sldLayoutId id="2147483664" r:id="rId4"/>
+    <p:sldLayoutId id="2147483665" r:id="rId5"/>
+    <p:sldLayoutId id="2147483666" r:id="rId6"/>
+    <p:sldLayoutId id="2147483667" r:id="rId7"/>
+    <p:sldLayoutId id="2147483668" r:id="rId8"/>
+    <p:sldLayoutId id="2147483669" r:id="rId9"/>
+    <p:sldLayoutId id="2147483670" r:id="rId10"/>
+    <p:sldLayoutId id="2147483671" r:id="rId11"/>
   </p:sldLayoutIdLst>
   <p:txStyles>
     <p:titleStyle>
@@ -3314,6 +6780,14 @@
 <file path=ppt/slides/slide1.xml><?xml version="1.0" encoding="utf-8"?>
 <p:sld xmlns:a="http://schemas.openxmlformats.org/drawingml/2006/main" xmlns:r="http://schemas.openxmlformats.org/officeDocument/2006/relationships" xmlns:p="http://schemas.openxmlformats.org/presentationml/2006/main">
   <p:cSld>
+    <p:bg>
+      <p:bgPr>
+        <a:solidFill>
+          <a:schemeClr val="bg1"/>
+        </a:solidFill>
+        <a:effectLst/>
+      </p:bgPr>
+    </p:bg>
     <p:spTree>
       <p:nvGrpSpPr>
         <p:cNvPr id="1" name=""/>
@@ -3344,16 +6818,42 @@
             <p:ph type="ctrTitle"/>
           </p:nvPr>
         </p:nvSpPr>
-        <p:spPr/>
+        <p:spPr>
+          <a:xfrm>
+            <a:off x="5189620" y="1306071"/>
+            <a:ext cx="6311214" cy="2663407"/>
+          </a:xfrm>
+        </p:spPr>
         <p:txBody>
-          <a:bodyPr/>
+          <a:bodyPr>
+            <a:normAutofit/>
+          </a:bodyPr>
           <a:lstStyle/>
           <a:p>
-            <a:r>
-              <a:rPr lang="en-US" dirty="0" err="1"/>
-              <a:t>Blockchain@Michigan</a:t>
-            </a:r>
-            <a:endParaRPr lang="en-US" dirty="0"/>
+            <a:pPr algn="l"/>
+            <a:r>
+              <a:rPr lang="en-US" sz="5400" dirty="0">
+                <a:solidFill>
+                  <a:srgbClr val="FFFFFF"/>
+                </a:solidFill>
+              </a:rPr>
+              <a:t>Beyond </a:t>
+            </a:r>
+            <a:br>
+              <a:rPr lang="en-US" sz="5400" dirty="0">
+                <a:solidFill>
+                  <a:srgbClr val="FFFFFF"/>
+                </a:solidFill>
+              </a:rPr>
+            </a:br>
+            <a:r>
+              <a:rPr lang="en-US" sz="5400" dirty="0">
+                <a:solidFill>
+                  <a:srgbClr val="FFFFFF"/>
+                </a:solidFill>
+              </a:rPr>
+              <a:t>Smart Contracts</a:t>
+            </a:r>
           </a:p>
         </p:txBody>
       </p:sp>
@@ -3373,43 +6873,80 @@
             <p:ph type="subTitle" idx="1"/>
           </p:nvPr>
         </p:nvSpPr>
-        <p:spPr/>
+        <p:spPr>
+          <a:xfrm>
+            <a:off x="5189620" y="4106004"/>
+            <a:ext cx="6311214" cy="1860883"/>
+          </a:xfrm>
+        </p:spPr>
         <p:txBody>
-          <a:bodyPr/>
+          <a:bodyPr>
+            <a:normAutofit/>
+          </a:bodyPr>
           <a:lstStyle/>
           <a:p>
-            <a:r>
-              <a:rPr lang="en-US" dirty="0"/>
-              <a:t>Front-end </a:t>
-            </a:r>
-            <a:r>
-              <a:rPr lang="en-US" dirty="0" err="1"/>
-              <a:t>dApp</a:t>
-            </a:r>
-            <a:r>
-              <a:rPr lang="en-US" dirty="0"/>
-              <a:t> Development Workshop</a:t>
-            </a:r>
-          </a:p>
-          <a:p>
-            <a:endParaRPr lang="en-US" dirty="0"/>
-          </a:p>
-          <a:p>
-            <a:r>
-              <a:rPr lang="en-US" dirty="0"/>
-              <a:t>Robert </a:t>
-            </a:r>
-            <a:r>
-              <a:rPr lang="en-US" dirty="0" err="1"/>
-              <a:t>Tanniru</a:t>
-            </a:r>
-            <a:r>
-              <a:rPr lang="en-US" dirty="0"/>
-              <a:t> – DEC Gaming</a:t>
+            <a:pPr algn="l"/>
+            <a:r>
+              <a:rPr lang="en-US" dirty="0">
+                <a:solidFill>
+                  <a:srgbClr val="FFFFFF"/>
+                </a:solidFill>
+              </a:rPr>
+              <a:t>A Front End Workshop for Blockchain Apps</a:t>
+            </a:r>
+          </a:p>
+          <a:p>
+            <a:pPr algn="l"/>
+            <a:r>
+              <a:rPr lang="en-US" dirty="0">
+                <a:solidFill>
+                  <a:srgbClr val="FFFFFF"/>
+                </a:solidFill>
+              </a:rPr>
+              <a:t>By: Robert Tanniru – Co-Founder of DEC Gaming</a:t>
             </a:r>
           </a:p>
         </p:txBody>
       </p:sp>
+      <p:pic>
+        <p:nvPicPr>
+          <p:cNvPr id="14" name="Graphic 13" descr="Contract">
+            <a:extLst>
+              <a:ext uri="{FF2B5EF4-FFF2-40B4-BE49-F238E27FC236}">
+                <a16:creationId xmlns:a16="http://schemas.microsoft.com/office/drawing/2014/main" id="{0974546B-9C9C-4707-BB86-2F38ECF879B4}"/>
+              </a:ext>
+            </a:extLst>
+          </p:cNvPr>
+          <p:cNvPicPr>
+            <a:picLocks noChangeAspect="1"/>
+          </p:cNvPicPr>
+          <p:nvPr/>
+        </p:nvPicPr>
+        <p:blipFill>
+          <a:blip r:embed="rId2">
+            <a:extLst>
+              <a:ext uri="{28A0092B-C50C-407E-A947-70E740481C1C}">
+                <a14:useLocalDpi xmlns:a14="http://schemas.microsoft.com/office/drawing/2010/main" val="0"/>
+              </a:ext>
+              <a:ext uri="{96DAC541-7B7A-43D3-8B79-37D633B846F1}">
+                <asvg:svgBlip xmlns:asvg="http://schemas.microsoft.com/office/drawing/2016/SVG/main" r:embed="rId3"/>
+              </a:ext>
+            </a:extLst>
+          </a:blip>
+          <a:stretch>
+            <a:fillRect/>
+          </a:stretch>
+        </p:blipFill>
+        <p:spPr>
+          <a:xfrm>
+            <a:off x="966567" y="2005775"/>
+            <a:ext cx="3592553" cy="3592553"/>
+          </a:xfrm>
+          <a:prstGeom prst="rect">
+            <a:avLst/>
+          </a:prstGeom>
+        </p:spPr>
+      </p:pic>
     </p:spTree>
     <p:extLst>
       <p:ext uri="{BB962C8B-B14F-4D97-AF65-F5344CB8AC3E}">
@@ -3509,6 +7046,14 @@
 <file path=ppt/slides/slide3.xml><?xml version="1.0" encoding="utf-8"?>
 <p:sld xmlns:a="http://schemas.openxmlformats.org/drawingml/2006/main" xmlns:r="http://schemas.openxmlformats.org/officeDocument/2006/relationships" xmlns:p="http://schemas.openxmlformats.org/presentationml/2006/main">
   <p:cSld>
+    <p:bg>
+      <p:bgPr>
+        <a:solidFill>
+          <a:schemeClr val="bg1"/>
+        </a:solidFill>
+        <a:effectLst/>
+      </p:bgPr>
+    </p:bg>
     <p:spTree>
       <p:nvGrpSpPr>
         <p:cNvPr id="1" name=""/>
@@ -3539,115 +7084,60 @@
             <p:ph type="title"/>
           </p:nvPr>
         </p:nvSpPr>
-        <p:spPr/>
+        <p:spPr>
+          <a:xfrm>
+            <a:off x="535020" y="685800"/>
+            <a:ext cx="2780271" cy="5105400"/>
+          </a:xfrm>
+        </p:spPr>
         <p:txBody>
-          <a:bodyPr/>
+          <a:bodyPr>
+            <a:normAutofit/>
+          </a:bodyPr>
           <a:lstStyle/>
           <a:p>
             <a:r>
-              <a:rPr lang="en-US" dirty="0"/>
+              <a:rPr lang="en-US" sz="4000">
+                <a:solidFill>
+                  <a:srgbClr val="FFFFFF"/>
+                </a:solidFill>
+              </a:rPr>
               <a:t>Roadmap</a:t>
             </a:r>
           </a:p>
         </p:txBody>
       </p:sp>
-      <p:sp>
-        <p:nvSpPr>
-          <p:cNvPr id="3" name="Content Placeholder 2">
+      <p:graphicFrame>
+        <p:nvGraphicFramePr>
+          <p:cNvPr id="5" name="Content Placeholder 2">
             <a:extLst>
               <a:ext uri="{FF2B5EF4-FFF2-40B4-BE49-F238E27FC236}">
-                <a16:creationId xmlns:a16="http://schemas.microsoft.com/office/drawing/2014/main" id="{5632196E-DBFC-0F40-BBC0-E315876CF46A}"/>
+                <a16:creationId xmlns:a16="http://schemas.microsoft.com/office/drawing/2014/main" id="{61ED2452-9A7D-41AE-B041-05142380FA0A}"/>
               </a:ext>
             </a:extLst>
           </p:cNvPr>
-          <p:cNvSpPr>
-            <a:spLocks noGrp="1"/>
-          </p:cNvSpPr>
+          <p:cNvGraphicFramePr>
+            <a:graphicFrameLocks noGrp="1"/>
+          </p:cNvGraphicFramePr>
           <p:nvPr>
             <p:ph idx="1"/>
+            <p:extLst>
+              <p:ext uri="{D42A27DB-BD31-4B8C-83A1-F6EECF244321}">
+                <p14:modId xmlns:p14="http://schemas.microsoft.com/office/powerpoint/2010/main" val="793687176"/>
+              </p:ext>
+            </p:extLst>
           </p:nvPr>
-        </p:nvSpPr>
-        <p:spPr/>
-        <p:txBody>
-          <a:bodyPr/>
-          <a:lstStyle/>
-          <a:p>
-            <a:r>
-              <a:rPr lang="en-US" dirty="0"/>
-              <a:t>Overview of Ethereum smart contracts</a:t>
-            </a:r>
-          </a:p>
-          <a:p>
-            <a:r>
-              <a:rPr lang="en-US" dirty="0"/>
-              <a:t>How to add value with front end integration</a:t>
-            </a:r>
-          </a:p>
-          <a:p>
-            <a:r>
-              <a:rPr lang="en-US" dirty="0"/>
-              <a:t>Deep dive into example </a:t>
-            </a:r>
-            <a:r>
-              <a:rPr lang="en-US" dirty="0" err="1"/>
-              <a:t>dApp</a:t>
-            </a:r>
-            <a:endParaRPr lang="en-US" dirty="0"/>
-          </a:p>
-          <a:p>
-            <a:r>
-              <a:rPr lang="en-US" dirty="0"/>
-              <a:t>-break to create teams-</a:t>
-            </a:r>
-          </a:p>
-          <a:p>
-            <a:r>
-              <a:rPr lang="en-US" dirty="0"/>
-              <a:t>Brainstorming of </a:t>
-            </a:r>
-            <a:r>
-              <a:rPr lang="en-US" dirty="0" err="1"/>
-              <a:t>dApp</a:t>
-            </a:r>
-            <a:r>
-              <a:rPr lang="en-US" dirty="0"/>
-              <a:t> ideas and technical setup</a:t>
-            </a:r>
-          </a:p>
-          <a:p>
-            <a:r>
-              <a:rPr lang="en-US" dirty="0"/>
-              <a:t>Implementation time</a:t>
-            </a:r>
-          </a:p>
-          <a:p>
-            <a:r>
-              <a:rPr lang="en-US" dirty="0"/>
-              <a:t>Presentations of </a:t>
-            </a:r>
-            <a:r>
-              <a:rPr lang="en-US" dirty="0" err="1"/>
-              <a:t>dApp</a:t>
-            </a:r>
-            <a:r>
-              <a:rPr lang="en-US" dirty="0"/>
-              <a:t> ideas</a:t>
-            </a:r>
-          </a:p>
-          <a:p>
-            <a:r>
-              <a:rPr lang="en-US" dirty="0"/>
-              <a:t>Prizes!</a:t>
-            </a:r>
-          </a:p>
-          <a:p>
-            <a:endParaRPr lang="en-US" dirty="0"/>
-          </a:p>
-          <a:p>
-            <a:endParaRPr lang="en-US" dirty="0"/>
-          </a:p>
-        </p:txBody>
-      </p:sp>
+        </p:nvGraphicFramePr>
+        <p:xfrm>
+          <a:off x="5010150" y="685800"/>
+          <a:ext cx="6492875" cy="5105400"/>
+        </p:xfrm>
+        <a:graphic>
+          <a:graphicData uri="http://schemas.openxmlformats.org/drawingml/2006/diagram">
+            <dgm:relIds xmlns:dgm="http://schemas.openxmlformats.org/drawingml/2006/diagram" xmlns:r="http://schemas.openxmlformats.org/officeDocument/2006/relationships" r:dm="rId2" r:lo="rId3" r:qs="rId4" r:cs="rId5"/>
+          </a:graphicData>
+        </a:graphic>
+      </p:graphicFrame>
     </p:spTree>
     <p:extLst>
       <p:ext uri="{BB962C8B-B14F-4D97-AF65-F5344CB8AC3E}">
@@ -3841,21 +7331,35 @@
             <a:pPr lvl="1"/>
             <a:r>
               <a:rPr lang="en-US" dirty="0"/>
+              <a:t>Shared with the community and reused by others</a:t>
+            </a:r>
+          </a:p>
+          <a:p>
+            <a:pPr lvl="1"/>
+            <a:endParaRPr lang="en-US" dirty="0"/>
+          </a:p>
+          <a:p>
+            <a:pPr lvl="1"/>
+            <a:r>
+              <a:rPr lang="en-US" dirty="0"/>
               <a:t>Only changeable if community is aware and approves of the change</a:t>
             </a:r>
           </a:p>
           <a:p>
+            <a:pPr lvl="1"/>
             <a:endParaRPr lang="en-US" dirty="0"/>
           </a:p>
           <a:p>
             <a:r>
-              <a:rPr lang="en-US"/>
-              <a:t>Smart contracts are not</a:t>
-            </a:r>
-            <a:r>
               <a:rPr lang="en-US" dirty="0"/>
-              <a:t> </a:t>
-            </a:r>
+              <a:t>Do not be concerned with protecting the code of a smart contract</a:t>
+            </a:r>
+          </a:p>
+          <a:p>
+            <a:pPr marL="457200" lvl="1" indent="0">
+              <a:buNone/>
+            </a:pPr>
+            <a:endParaRPr lang="en-US" dirty="0"/>
           </a:p>
         </p:txBody>
       </p:sp>
@@ -3938,7 +7442,57 @@
           <a:bodyPr/>
           <a:lstStyle/>
           <a:p>
-            <a:endParaRPr lang="en-US"/>
+            <a:r>
+              <a:rPr lang="en-US" dirty="0"/>
+              <a:t>Virtually impossible to prevent others from copying code</a:t>
+            </a:r>
+          </a:p>
+          <a:p>
+            <a:pPr lvl="1"/>
+            <a:r>
+              <a:rPr lang="en-US" dirty="0"/>
+              <a:t>Even if code is not provided, can still be de-compiled</a:t>
+            </a:r>
+          </a:p>
+          <a:p>
+            <a:pPr lvl="1"/>
+            <a:endParaRPr lang="en-US" dirty="0"/>
+          </a:p>
+          <a:p>
+            <a:r>
+              <a:rPr lang="en-US" dirty="0"/>
+              <a:t>Do not add value by themselves</a:t>
+            </a:r>
+          </a:p>
+          <a:p>
+            <a:pPr lvl="1"/>
+            <a:r>
+              <a:rPr lang="en-US" dirty="0"/>
+              <a:t>Anyone can create any assets they want</a:t>
+            </a:r>
+          </a:p>
+          <a:p>
+            <a:pPr lvl="1"/>
+            <a:endParaRPr lang="en-US" dirty="0"/>
+          </a:p>
+          <a:p>
+            <a:r>
+              <a:rPr lang="en-US" dirty="0"/>
+              <a:t>Must be paired with great front end to have value</a:t>
+            </a:r>
+          </a:p>
+          <a:p>
+            <a:pPr lvl="1"/>
+            <a:r>
+              <a:rPr lang="en-US" dirty="0"/>
+              <a:t>No one will use a smart contract with no UI</a:t>
+            </a:r>
+          </a:p>
+          <a:p>
+            <a:endParaRPr lang="en-US" dirty="0"/>
+          </a:p>
+          <a:p>
+            <a:endParaRPr lang="en-US" dirty="0"/>
           </a:p>
         </p:txBody>
       </p:sp>
@@ -3995,7 +7549,7 @@
           <a:p>
             <a:r>
               <a:rPr lang="en-US" dirty="0"/>
-              <a:t>Adding Value with Front End Integration</a:t>
+              <a:t>Adding Value with Front-End Integration</a:t>
             </a:r>
           </a:p>
         </p:txBody>
@@ -4021,7 +7575,61 @@
           <a:bodyPr/>
           <a:lstStyle/>
           <a:p>
-            <a:endParaRPr lang="en-US"/>
+            <a:r>
+              <a:rPr lang="en-US" dirty="0"/>
+              <a:t>Front-end code (with web3) adds value by providing:</a:t>
+            </a:r>
+          </a:p>
+          <a:p>
+            <a:pPr lvl="1"/>
+            <a:r>
+              <a:rPr lang="en-US" dirty="0"/>
+              <a:t>A user-friendly interface to smart contract functions</a:t>
+            </a:r>
+          </a:p>
+          <a:p>
+            <a:pPr lvl="1"/>
+            <a:r>
+              <a:rPr lang="en-US" dirty="0"/>
+              <a:t>Off-chain features for on-chain assets (rendering/gameplay/etc.)</a:t>
+            </a:r>
+          </a:p>
+          <a:p>
+            <a:pPr lvl="1"/>
+            <a:r>
+              <a:rPr lang="en-US" dirty="0"/>
+              <a:t>Community interaction</a:t>
+            </a:r>
+          </a:p>
+          <a:p>
+            <a:pPr lvl="1"/>
+            <a:r>
+              <a:rPr lang="en-US" dirty="0"/>
+              <a:t>Integration with other </a:t>
+            </a:r>
+            <a:r>
+              <a:rPr lang="en-US" dirty="0" err="1"/>
+              <a:t>dApps</a:t>
+            </a:r>
+            <a:endParaRPr lang="en-US" dirty="0"/>
+          </a:p>
+          <a:p>
+            <a:pPr lvl="1"/>
+            <a:endParaRPr lang="en-US" dirty="0"/>
+          </a:p>
+          <a:p>
+            <a:r>
+              <a:rPr lang="en-US" dirty="0"/>
+              <a:t>Front-end code is integral to a successful </a:t>
+            </a:r>
+            <a:r>
+              <a:rPr lang="en-US" dirty="0" err="1"/>
+              <a:t>dApp</a:t>
+            </a:r>
+            <a:r>
+              <a:rPr lang="en-US" dirty="0"/>
+              <a:t>.</a:t>
+            </a:r>
           </a:p>
         </p:txBody>
       </p:sp>
@@ -4041,6 +7649,14 @@
 <file path=ppt/slides/slide8.xml><?xml version="1.0" encoding="utf-8"?>
 <p:sld xmlns:a="http://schemas.openxmlformats.org/drawingml/2006/main" xmlns:r="http://schemas.openxmlformats.org/officeDocument/2006/relationships" xmlns:p="http://schemas.openxmlformats.org/presentationml/2006/main">
   <p:cSld>
+    <p:bg>
+      <p:bgPr>
+        <a:solidFill>
+          <a:schemeClr val="bg1"/>
+        </a:solidFill>
+        <a:effectLst/>
+      </p:bgPr>
+    </p:bg>
     <p:spTree>
       <p:nvGrpSpPr>
         <p:cNvPr id="1" name=""/>
@@ -4071,20 +7687,224 @@
             <p:ph type="title"/>
           </p:nvPr>
         </p:nvSpPr>
+        <p:spPr>
+          <a:xfrm>
+            <a:off x="804673" y="3320859"/>
+            <a:ext cx="4820623" cy="2076333"/>
+          </a:xfrm>
+        </p:spPr>
+        <p:txBody>
+          <a:bodyPr vert="horz" lIns="91440" tIns="45720" rIns="91440" bIns="45720" rtlCol="0" anchor="t">
+            <a:normAutofit/>
+          </a:bodyPr>
+          <a:lstStyle/>
+          <a:p>
+            <a:pPr algn="ctr"/>
+            <a:r>
+              <a:rPr lang="en-US" sz="4800" u="sng" dirty="0"/>
+              <a:t>Front-End Example </a:t>
+            </a:r>
+            <a:br>
+              <a:rPr lang="en-US" sz="4800" u="sng" dirty="0"/>
+            </a:br>
+            <a:r>
+              <a:rPr lang="en-US" sz="4800" dirty="0" err="1"/>
+              <a:t>CryptoSquiggles</a:t>
+            </a:r>
+            <a:endParaRPr lang="en-US" sz="4800" dirty="0"/>
+          </a:p>
+        </p:txBody>
+      </p:sp>
+      <p:pic>
+        <p:nvPicPr>
+          <p:cNvPr id="5" name="Content Placeholder 4">
+            <a:extLst>
+              <a:ext uri="{FF2B5EF4-FFF2-40B4-BE49-F238E27FC236}">
+                <a16:creationId xmlns:a16="http://schemas.microsoft.com/office/drawing/2014/main" id="{CA8075DC-3F22-3B4B-BE1D-1CEE5FD41030}"/>
+              </a:ext>
+            </a:extLst>
+          </p:cNvPr>
+          <p:cNvPicPr>
+            <a:picLocks noGrp="1" noChangeAspect="1"/>
+          </p:cNvPicPr>
+          <p:nvPr>
+            <p:ph idx="1"/>
+          </p:nvPr>
+        </p:nvPicPr>
+        <p:blipFill rotWithShape="1">
+          <a:blip r:embed="rId2"/>
+          <a:srcRect r="2094" b="1"/>
+          <a:stretch/>
+        </p:blipFill>
+        <p:spPr>
+          <a:xfrm>
+            <a:off x="6021086" y="544777"/>
+            <a:ext cx="6170914" cy="6313225"/>
+          </a:xfrm>
+          <a:custGeom>
+            <a:avLst/>
+            <a:gdLst>
+              <a:gd name="connsiteX0" fmla="*/ 3397813 w 6170914"/>
+              <a:gd name="connsiteY0" fmla="*/ 0 h 6313225"/>
+              <a:gd name="connsiteX1" fmla="*/ 6019731 w 6170914"/>
+              <a:gd name="connsiteY1" fmla="*/ 1236489 h 6313225"/>
+              <a:gd name="connsiteX2" fmla="*/ 6170914 w 6170914"/>
+              <a:gd name="connsiteY2" fmla="*/ 1438663 h 6313225"/>
+              <a:gd name="connsiteX3" fmla="*/ 6170914 w 6170914"/>
+              <a:gd name="connsiteY3" fmla="*/ 5356963 h 6313225"/>
+              <a:gd name="connsiteX4" fmla="*/ 6019731 w 6170914"/>
+              <a:gd name="connsiteY4" fmla="*/ 5559138 h 6313225"/>
+              <a:gd name="connsiteX5" fmla="*/ 5194591 w 6170914"/>
+              <a:gd name="connsiteY5" fmla="*/ 6282226 h 6313225"/>
+              <a:gd name="connsiteX6" fmla="*/ 5141791 w 6170914"/>
+              <a:gd name="connsiteY6" fmla="*/ 6313225 h 6313225"/>
+              <a:gd name="connsiteX7" fmla="*/ 1659199 w 6170914"/>
+              <a:gd name="connsiteY7" fmla="*/ 6313225 h 6313225"/>
+              <a:gd name="connsiteX8" fmla="*/ 1498064 w 6170914"/>
+              <a:gd name="connsiteY8" fmla="*/ 6215333 h 6313225"/>
+              <a:gd name="connsiteX9" fmla="*/ 0 w 6170914"/>
+              <a:gd name="connsiteY9" fmla="*/ 3397813 h 6313225"/>
+              <a:gd name="connsiteX10" fmla="*/ 3397813 w 6170914"/>
+              <a:gd name="connsiteY10" fmla="*/ 0 h 6313225"/>
+            </a:gdLst>
+            <a:ahLst/>
+            <a:cxnLst>
+              <a:cxn ang="0">
+                <a:pos x="connsiteX0" y="connsiteY0"/>
+              </a:cxn>
+              <a:cxn ang="0">
+                <a:pos x="connsiteX1" y="connsiteY1"/>
+              </a:cxn>
+              <a:cxn ang="0">
+                <a:pos x="connsiteX2" y="connsiteY2"/>
+              </a:cxn>
+              <a:cxn ang="0">
+                <a:pos x="connsiteX3" y="connsiteY3"/>
+              </a:cxn>
+              <a:cxn ang="0">
+                <a:pos x="connsiteX4" y="connsiteY4"/>
+              </a:cxn>
+              <a:cxn ang="0">
+                <a:pos x="connsiteX5" y="connsiteY5"/>
+              </a:cxn>
+              <a:cxn ang="0">
+                <a:pos x="connsiteX6" y="connsiteY6"/>
+              </a:cxn>
+              <a:cxn ang="0">
+                <a:pos x="connsiteX7" y="connsiteY7"/>
+              </a:cxn>
+              <a:cxn ang="0">
+                <a:pos x="connsiteX8" y="connsiteY8"/>
+              </a:cxn>
+              <a:cxn ang="0">
+                <a:pos x="connsiteX9" y="connsiteY9"/>
+              </a:cxn>
+              <a:cxn ang="0">
+                <a:pos x="connsiteX10" y="connsiteY10"/>
+              </a:cxn>
+            </a:cxnLst>
+            <a:rect l="l" t="t" r="r" b="b"/>
+            <a:pathLst>
+              <a:path w="6170914" h="6313225">
+                <a:moveTo>
+                  <a:pt x="3397813" y="0"/>
+                </a:moveTo>
+                <a:cubicBezTo>
+                  <a:pt x="4453378" y="0"/>
+                  <a:pt x="5396522" y="481334"/>
+                  <a:pt x="6019731" y="1236489"/>
+                </a:cubicBezTo>
+                <a:lnTo>
+                  <a:pt x="6170914" y="1438663"/>
+                </a:lnTo>
+                <a:lnTo>
+                  <a:pt x="6170914" y="5356963"/>
+                </a:lnTo>
+                <a:lnTo>
+                  <a:pt x="6019731" y="5559138"/>
+                </a:lnTo>
+                <a:cubicBezTo>
+                  <a:pt x="5786028" y="5842321"/>
+                  <a:pt x="5507333" y="6086998"/>
+                  <a:pt x="5194591" y="6282226"/>
+                </a:cubicBezTo>
+                <a:lnTo>
+                  <a:pt x="5141791" y="6313225"/>
+                </a:lnTo>
+                <a:lnTo>
+                  <a:pt x="1659199" y="6313225"/>
+                </a:lnTo>
+                <a:lnTo>
+                  <a:pt x="1498064" y="6215333"/>
+                </a:lnTo>
+                <a:cubicBezTo>
+                  <a:pt x="594240" y="5604721"/>
+                  <a:pt x="0" y="4570663"/>
+                  <a:pt x="0" y="3397813"/>
+                </a:cubicBezTo>
+                <a:cubicBezTo>
+                  <a:pt x="0" y="1521253"/>
+                  <a:pt x="1521253" y="0"/>
+                  <a:pt x="3397813" y="0"/>
+                </a:cubicBezTo>
+                <a:close/>
+              </a:path>
+            </a:pathLst>
+          </a:custGeom>
+        </p:spPr>
+      </p:pic>
+    </p:spTree>
+    <p:extLst>
+      <p:ext uri="{BB962C8B-B14F-4D97-AF65-F5344CB8AC3E}">
+        <p14:creationId xmlns:p14="http://schemas.microsoft.com/office/powerpoint/2010/main" val="1730767922"/>
+      </p:ext>
+    </p:extLst>
+  </p:cSld>
+  <p:clrMapOvr>
+    <a:masterClrMapping/>
+  </p:clrMapOvr>
+</p:sld>
+</file>
+
+<file path=ppt/slides/slide9.xml><?xml version="1.0" encoding="utf-8"?>
+<p:sld xmlns:a="http://schemas.openxmlformats.org/drawingml/2006/main" xmlns:r="http://schemas.openxmlformats.org/officeDocument/2006/relationships" xmlns:p="http://schemas.openxmlformats.org/presentationml/2006/main">
+  <p:cSld>
+    <p:spTree>
+      <p:nvGrpSpPr>
+        <p:cNvPr id="1" name=""/>
+        <p:cNvGrpSpPr/>
+        <p:nvPr/>
+      </p:nvGrpSpPr>
+      <p:grpSpPr>
+        <a:xfrm>
+          <a:off x="0" y="0"/>
+          <a:ext cx="0" cy="0"/>
+          <a:chOff x="0" y="0"/>
+          <a:chExt cx="0" cy="0"/>
+        </a:xfrm>
+      </p:grpSpPr>
+      <p:sp>
+        <p:nvSpPr>
+          <p:cNvPr id="2" name="Title 1">
+            <a:extLst>
+              <a:ext uri="{FF2B5EF4-FFF2-40B4-BE49-F238E27FC236}">
+                <a16:creationId xmlns:a16="http://schemas.microsoft.com/office/drawing/2014/main" id="{195BF9B6-B150-2448-829D-78EBDB6AE3C1}"/>
+              </a:ext>
+            </a:extLst>
+          </p:cNvPr>
+          <p:cNvSpPr>
+            <a:spLocks noGrp="1"/>
+          </p:cNvSpPr>
+          <p:nvPr>
+            <p:ph type="title"/>
+          </p:nvPr>
+        </p:nvSpPr>
         <p:spPr/>
         <p:txBody>
           <a:bodyPr/>
           <a:lstStyle/>
           <a:p>
-            <a:r>
-              <a:rPr lang="en-US" dirty="0"/>
-              <a:t>Toy Example - </a:t>
-            </a:r>
-            <a:r>
-              <a:rPr lang="en-US" dirty="0" err="1"/>
-              <a:t>CryptoSquiggles</a:t>
-            </a:r>
-            <a:endParaRPr lang="en-US" dirty="0"/>
+            <a:endParaRPr lang="en-US"/>
           </a:p>
         </p:txBody>
       </p:sp>
@@ -4093,7 +7913,7 @@
           <p:cNvPr id="3" name="Content Placeholder 2">
             <a:extLst>
               <a:ext uri="{FF2B5EF4-FFF2-40B4-BE49-F238E27FC236}">
-                <a16:creationId xmlns:a16="http://schemas.microsoft.com/office/drawing/2014/main" id="{C23A2EFF-A1D2-2546-803E-04205E42D780}"/>
+                <a16:creationId xmlns:a16="http://schemas.microsoft.com/office/drawing/2014/main" id="{A2A6EA34-7BC7-984F-A55D-B42DCEC82A6A}"/>
               </a:ext>
             </a:extLst>
           </p:cNvPr>
@@ -4109,14 +7929,14 @@
           <a:bodyPr/>
           <a:lstStyle/>
           <a:p>
-            <a:endParaRPr lang="en-US" dirty="0"/>
+            <a:endParaRPr lang="en-US"/>
           </a:p>
         </p:txBody>
       </p:sp>
     </p:spTree>
     <p:extLst>
       <p:ext uri="{BB962C8B-B14F-4D97-AF65-F5344CB8AC3E}">
-        <p14:creationId xmlns:p14="http://schemas.microsoft.com/office/powerpoint/2010/main" val="1730767922"/>
+        <p14:creationId xmlns:p14="http://schemas.microsoft.com/office/powerpoint/2010/main" val="1012819623"/>
       </p:ext>
     </p:extLst>
   </p:cSld>
@@ -4129,7 +7949,7 @@
 <file path=ppt/theme/theme1.xml><?xml version="1.0" encoding="utf-8"?>
 <a:theme xmlns:a="http://schemas.openxmlformats.org/drawingml/2006/main" name="Office Theme">
   <a:themeElements>
-    <a:clrScheme name="Office">
+    <a:clrScheme name="Office Theme">
       <a:dk1>
         <a:sysClr val="windowText" lastClr="000000"/>
       </a:dk1>
@@ -4167,7 +7987,7 @@
         <a:srgbClr val="954F72"/>
       </a:folHlink>
     </a:clrScheme>
-    <a:fontScheme name="Office">
+    <a:fontScheme name="Office Theme">
       <a:majorFont>
         <a:latin typeface="Calibri Light" panose="020F0302020204030204"/>
         <a:ea typeface=""/>
@@ -4202,23 +8022,6 @@
         <a:font script="Viet" typeface="Times New Roman"/>
         <a:font script="Uigh" typeface="Microsoft Uighur"/>
         <a:font script="Geor" typeface="Sylfaen"/>
-        <a:font script="Armn" typeface="Arial"/>
-        <a:font script="Bugi" typeface="Leelawadee UI"/>
-        <a:font script="Bopo" typeface="Microsoft JhengHei"/>
-        <a:font script="Java" typeface="Javanese Text"/>
-        <a:font script="Lisu" typeface="Segoe UI"/>
-        <a:font script="Mymr" typeface="Myanmar Text"/>
-        <a:font script="Nkoo" typeface="Ebrima"/>
-        <a:font script="Olck" typeface="Nirmala UI"/>
-        <a:font script="Osma" typeface="Ebrima"/>
-        <a:font script="Phag" typeface="Phagspa"/>
-        <a:font script="Syrn" typeface="Estrangelo Edessa"/>
-        <a:font script="Syrj" typeface="Estrangelo Edessa"/>
-        <a:font script="Syre" typeface="Estrangelo Edessa"/>
-        <a:font script="Sora" typeface="Nirmala UI"/>
-        <a:font script="Tale" typeface="Microsoft Tai Le"/>
-        <a:font script="Talu" typeface="Microsoft New Tai Lue"/>
-        <a:font script="Tfng" typeface="Ebrima"/>
       </a:majorFont>
       <a:minorFont>
         <a:latin typeface="Calibri" panose="020F0502020204030204"/>
@@ -4254,26 +8057,9 @@
         <a:font script="Viet" typeface="Arial"/>
         <a:font script="Uigh" typeface="Microsoft Uighur"/>
         <a:font script="Geor" typeface="Sylfaen"/>
-        <a:font script="Armn" typeface="Arial"/>
-        <a:font script="Bugi" typeface="Leelawadee UI"/>
-        <a:font script="Bopo" typeface="Microsoft JhengHei"/>
-        <a:font script="Java" typeface="Javanese Text"/>
-        <a:font script="Lisu" typeface="Segoe UI"/>
-        <a:font script="Mymr" typeface="Myanmar Text"/>
-        <a:font script="Nkoo" typeface="Ebrima"/>
-        <a:font script="Olck" typeface="Nirmala UI"/>
-        <a:font script="Osma" typeface="Ebrima"/>
-        <a:font script="Phag" typeface="Phagspa"/>
-        <a:font script="Syrn" typeface="Estrangelo Edessa"/>
-        <a:font script="Syrj" typeface="Estrangelo Edessa"/>
-        <a:font script="Syre" typeface="Estrangelo Edessa"/>
-        <a:font script="Sora" typeface="Nirmala UI"/>
-        <a:font script="Tale" typeface="Microsoft Tai Le"/>
-        <a:font script="Talu" typeface="Microsoft New Tai Lue"/>
-        <a:font script="Tfng" typeface="Ebrima"/>
       </a:minorFont>
     </a:fontScheme>
-    <a:fmtScheme name="Office">
+    <a:fmtScheme name="Office Theme">
       <a:fillStyleLst>
         <a:solidFill>
           <a:schemeClr val="phClr"/>
@@ -4415,7 +8201,7 @@
   <a:extraClrSchemeLst/>
   <a:extLst>
     <a:ext uri="{05A4C25C-085E-4340-85A3-A5531E510DB2}">
-      <thm15:themeFamily xmlns:thm15="http://schemas.microsoft.com/office/thememl/2012/main" name="Office Theme" id="{62F939B6-93AF-4DB8-9C6B-D6C7DFDC589F}" vid="{4A3C46E8-61CC-4603-A589-7422A47A8E4A}"/>
+      <thm15:themeFamily xmlns:thm15="http://schemas.microsoft.com/office/thememl/2012/main" name="Office Theme" id="{62F939B6-93AF-4DB8-9C6B-D6C7DFDC589F}" vid="{4F46216B-77A9-411A-B9D3-5023FCB70208}"/>
     </a:ext>
   </a:extLst>
 </a:theme>

--- a/presentation/Workshop_12_2_18.pptx
+++ b/presentation/Workshop_12_2_18.pptx
@@ -1169,8 +1169,8 @@
         <a:lstStyle/>
         <a:p>
           <a:r>
-            <a:rPr lang="en-US"/>
-            <a:t>-break to create teams-</a:t>
+            <a:rPr lang="en-US" dirty="0"/>
+            <a:t>--- break to create teams ---</a:t>
           </a:r>
         </a:p>
       </dgm:t>
@@ -1244,6 +1244,7 @@
             <a:rPr lang="en-US"/>
             <a:t>Implementation time</a:t>
           </a:r>
+          <a:endParaRPr lang="en-US" dirty="0"/>
         </a:p>
       </dgm:t>
     </dgm:pt>
@@ -1259,42 +1260,6 @@
       </dgm:t>
     </dgm:pt>
     <dgm:pt modelId="{5A1E9592-83BC-4E6A-8B24-BC714004C231}" type="sibTrans" cxnId="{881D832E-7C5E-41E9-AF28-873A5970B354}">
-      <dgm:prSet/>
-      <dgm:spPr/>
-      <dgm:t>
-        <a:bodyPr/>
-        <a:lstStyle/>
-        <a:p>
-          <a:endParaRPr lang="en-US"/>
-        </a:p>
-      </dgm:t>
-    </dgm:pt>
-    <dgm:pt modelId="{D440C9B0-EEF2-4A4A-8EFC-29AE304FF86E}">
-      <dgm:prSet/>
-      <dgm:spPr/>
-      <dgm:t>
-        <a:bodyPr/>
-        <a:lstStyle/>
-        <a:p>
-          <a:r>
-            <a:rPr lang="en-US"/>
-            <a:t>Presentations of dApp ideas</a:t>
-          </a:r>
-        </a:p>
-      </dgm:t>
-    </dgm:pt>
-    <dgm:pt modelId="{6DB9515F-ECC7-4C9E-813D-5BA868649633}" type="parTrans" cxnId="{6A8C505A-0660-4BF3-B5D1-B37FDA745E17}">
-      <dgm:prSet/>
-      <dgm:spPr/>
-      <dgm:t>
-        <a:bodyPr/>
-        <a:lstStyle/>
-        <a:p>
-          <a:endParaRPr lang="en-US"/>
-        </a:p>
-      </dgm:t>
-    </dgm:pt>
-    <dgm:pt modelId="{691A64B7-A448-4C87-9CDA-216B2C8DA322}" type="sibTrans" cxnId="{6A8C505A-0660-4BF3-B5D1-B37FDA745E17}">
       <dgm:prSet/>
       <dgm:spPr/>
       <dgm:t>
@@ -1331,6 +1296,50 @@
       </dgm:t>
     </dgm:pt>
     <dgm:pt modelId="{D22B233E-97D3-4817-908B-81FA436F88D3}" type="sibTrans" cxnId="{02FF6394-1ACA-4558-B2DC-CAE970A9E655}">
+      <dgm:prSet/>
+      <dgm:spPr/>
+      <dgm:t>
+        <a:bodyPr/>
+        <a:lstStyle/>
+        <a:p>
+          <a:endParaRPr lang="en-US"/>
+        </a:p>
+      </dgm:t>
+    </dgm:pt>
+    <dgm:pt modelId="{D440C9B0-EEF2-4A4A-8EFC-29AE304FF86E}">
+      <dgm:prSet/>
+      <dgm:spPr/>
+      <dgm:t>
+        <a:bodyPr/>
+        <a:lstStyle/>
+        <a:p>
+          <a:r>
+            <a:rPr lang="en-US" dirty="0"/>
+            <a:t>Presentations of </a:t>
+          </a:r>
+          <a:r>
+            <a:rPr lang="en-US" dirty="0" err="1"/>
+            <a:t>dApp</a:t>
+          </a:r>
+          <a:r>
+            <a:rPr lang="en-US" dirty="0"/>
+            <a:t> ideas</a:t>
+          </a:r>
+        </a:p>
+      </dgm:t>
+    </dgm:pt>
+    <dgm:pt modelId="{691A64B7-A448-4C87-9CDA-216B2C8DA322}" type="sibTrans" cxnId="{6A8C505A-0660-4BF3-B5D1-B37FDA745E17}">
+      <dgm:prSet/>
+      <dgm:spPr/>
+      <dgm:t>
+        <a:bodyPr/>
+        <a:lstStyle/>
+        <a:p>
+          <a:endParaRPr lang="en-US"/>
+        </a:p>
+      </dgm:t>
+    </dgm:pt>
+    <dgm:pt modelId="{6DB9515F-ECC7-4C9E-813D-5BA868649633}" type="parTrans" cxnId="{6A8C505A-0660-4BF3-B5D1-B37FDA745E17}">
       <dgm:prSet/>
       <dgm:spPr/>
       <dgm:t>
@@ -1979,8 +1988,8 @@
             <a:buNone/>
           </a:pPr>
           <a:r>
-            <a:rPr lang="en-US" sz="2500" kern="1200"/>
-            <a:t>-break to create teams-</a:t>
+            <a:rPr lang="en-US" sz="2500" kern="1200" dirty="0"/>
+            <a:t>--- break to create teams ---</a:t>
           </a:r>
         </a:p>
       </dsp:txBody>
@@ -2202,6 +2211,7 @@
             <a:rPr lang="en-US" sz="2500" kern="1200"/>
             <a:t>Implementation time</a:t>
           </a:r>
+          <a:endParaRPr lang="en-US" sz="2500" kern="1200" dirty="0"/>
         </a:p>
       </dsp:txBody>
       <dsp:txXfrm>
@@ -2309,8 +2319,16 @@
             <a:buNone/>
           </a:pPr>
           <a:r>
-            <a:rPr lang="en-US" sz="2500" kern="1200"/>
-            <a:t>Presentations of dApp ideas</a:t>
+            <a:rPr lang="en-US" sz="2500" kern="1200" dirty="0"/>
+            <a:t>Presentations of </a:t>
+          </a:r>
+          <a:r>
+            <a:rPr lang="en-US" sz="2500" kern="1200" dirty="0" err="1"/>
+            <a:t>dApp</a:t>
+          </a:r>
+          <a:r>
+            <a:rPr lang="en-US" sz="2500" kern="1200" dirty="0"/>
+            <a:t> ideas</a:t>
           </a:r>
         </a:p>
       </dsp:txBody>
@@ -6783,7 +6801,7 @@
     <p:bg>
       <p:bgPr>
         <a:solidFill>
-          <a:schemeClr val="bg1"/>
+          <a:srgbClr val="00294B"/>
         </a:solidFill>
         <a:effectLst/>
       </p:bgPr>
@@ -6910,7 +6928,7 @@
       </p:sp>
       <p:pic>
         <p:nvPicPr>
-          <p:cNvPr id="14" name="Graphic 13" descr="Contract">
+          <p:cNvPr id="14" name="Graphic 13">
             <a:extLst>
               <a:ext uri="{FF2B5EF4-FFF2-40B4-BE49-F238E27FC236}">
                 <a16:creationId xmlns:a16="http://schemas.microsoft.com/office/drawing/2014/main" id="{0974546B-9C9C-4707-BB86-2F38ECF879B4}"/>
@@ -6923,16 +6941,7 @@
           <p:nvPr/>
         </p:nvPicPr>
         <p:blipFill>
-          <a:blip r:embed="rId2">
-            <a:extLst>
-              <a:ext uri="{28A0092B-C50C-407E-A947-70E740481C1C}">
-                <a14:useLocalDpi xmlns:a14="http://schemas.microsoft.com/office/drawing/2010/main" val="0"/>
-              </a:ext>
-              <a:ext uri="{96DAC541-7B7A-43D3-8B79-37D633B846F1}">
-                <asvg:svgBlip xmlns:asvg="http://schemas.microsoft.com/office/drawing/2016/SVG/main" r:embed="rId3"/>
-              </a:ext>
-            </a:extLst>
-          </a:blip>
+          <a:blip r:embed="rId2"/>
           <a:stretch>
             <a:fillRect/>
           </a:stretch>
@@ -6945,6 +6954,11 @@
           <a:prstGeom prst="rect">
             <a:avLst/>
           </a:prstGeom>
+          <a:ln>
+            <a:solidFill>
+              <a:srgbClr val="01294C"/>
+            </a:solidFill>
+          </a:ln>
         </p:spPr>
       </p:pic>
     </p:spTree>
@@ -7123,7 +7137,7 @@
             <p:ph idx="1"/>
             <p:extLst>
               <p:ext uri="{D42A27DB-BD31-4B8C-83A1-F6EECF244321}">
-                <p14:modId xmlns:p14="http://schemas.microsoft.com/office/powerpoint/2010/main" val="793687176"/>
+                <p14:modId xmlns:p14="http://schemas.microsoft.com/office/powerpoint/2010/main" val="4255376179"/>
               </p:ext>
             </p:extLst>
           </p:nvPr>

--- a/presentation/Workshop_12_2_18.pptx
+++ b/presentation/Workshop_12_2_18.pptx
@@ -7,13 +7,16 @@
   <p:sldIdLst>
     <p:sldId id="256" r:id="rId2"/>
     <p:sldId id="258" r:id="rId3"/>
-    <p:sldId id="257" r:id="rId4"/>
-    <p:sldId id="259" r:id="rId5"/>
-    <p:sldId id="260" r:id="rId6"/>
-    <p:sldId id="261" r:id="rId7"/>
-    <p:sldId id="262" r:id="rId8"/>
-    <p:sldId id="263" r:id="rId9"/>
-    <p:sldId id="264" r:id="rId10"/>
+    <p:sldId id="267" r:id="rId4"/>
+    <p:sldId id="266" r:id="rId5"/>
+    <p:sldId id="265" r:id="rId6"/>
+    <p:sldId id="268" r:id="rId7"/>
+    <p:sldId id="257" r:id="rId8"/>
+    <p:sldId id="259" r:id="rId9"/>
+    <p:sldId id="260" r:id="rId10"/>
+    <p:sldId id="261" r:id="rId11"/>
+    <p:sldId id="262" r:id="rId12"/>
+    <p:sldId id="263" r:id="rId13"/>
   </p:sldIdLst>
   <p:sldSz cx="12192000" cy="6858000"/>
   <p:notesSz cx="6858000" cy="9144000"/>
@@ -1133,9 +1136,14 @@
         <a:lstStyle/>
         <a:p>
           <a:r>
-            <a:rPr lang="en-US"/>
-            <a:t>Deep dive into example dApp</a:t>
+            <a:rPr lang="en-US" dirty="0"/>
+            <a:t>Deep dive into example </a:t>
           </a:r>
+          <a:r>
+            <a:rPr lang="en-US" dirty="0" err="1"/>
+            <a:t>dApp</a:t>
+          </a:r>
+          <a:endParaRPr lang="en-US" dirty="0"/>
         </a:p>
       </dgm:t>
     </dgm:pt>
@@ -1169,13 +1177,13 @@
         <a:lstStyle/>
         <a:p>
           <a:r>
-            <a:rPr lang="en-US" dirty="0"/>
+            <a:rPr lang="en-US" i="1" dirty="0"/>
             <a:t>--- break to create teams ---</a:t>
           </a:r>
         </a:p>
       </dgm:t>
     </dgm:pt>
-    <dgm:pt modelId="{04BC0DA5-CCCE-4D60-8518-18967E6C4586}" type="parTrans" cxnId="{2603630E-CA49-42E3-9707-0B828C8FD716}">
+    <dgm:pt modelId="{9913625C-B842-4520-AABC-4F3824FD7685}" type="sibTrans" cxnId="{2603630E-CA49-42E3-9707-0B828C8FD716}">
       <dgm:prSet/>
       <dgm:spPr/>
       <dgm:t>
@@ -1186,7 +1194,7 @@
         </a:p>
       </dgm:t>
     </dgm:pt>
-    <dgm:pt modelId="{9913625C-B842-4520-AABC-4F3824FD7685}" type="sibTrans" cxnId="{2603630E-CA49-42E3-9707-0B828C8FD716}">
+    <dgm:pt modelId="{04BC0DA5-CCCE-4D60-8518-18967E6C4586}" type="parTrans" cxnId="{2603630E-CA49-42E3-9707-0B828C8FD716}">
       <dgm:prSet/>
       <dgm:spPr/>
       <dgm:t>
@@ -1205,13 +1213,21 @@
         <a:lstStyle/>
         <a:p>
           <a:r>
-            <a:rPr lang="en-US"/>
-            <a:t>Brainstorming of dApp ideas and technical setup</a:t>
+            <a:rPr lang="en-US" dirty="0"/>
+            <a:t>Brainstorming of </a:t>
+          </a:r>
+          <a:r>
+            <a:rPr lang="en-US" dirty="0" err="1"/>
+            <a:t>dApp</a:t>
+          </a:r>
+          <a:r>
+            <a:rPr lang="en-US" dirty="0"/>
+            <a:t> ideas and technical setup</a:t>
           </a:r>
         </a:p>
       </dgm:t>
     </dgm:pt>
-    <dgm:pt modelId="{2643420B-15B0-4FAE-9DE9-81216AD7ECDE}" type="parTrans" cxnId="{D73B7919-80FE-4DAC-A517-A334A793FC9F}">
+    <dgm:pt modelId="{EB917B39-1243-4B8D-AE9E-5DD5C0B5301C}" type="sibTrans" cxnId="{D73B7919-80FE-4DAC-A517-A334A793FC9F}">
       <dgm:prSet/>
       <dgm:spPr/>
       <dgm:t>
@@ -1222,7 +1238,7 @@
         </a:p>
       </dgm:t>
     </dgm:pt>
-    <dgm:pt modelId="{EB917B39-1243-4B8D-AE9E-5DD5C0B5301C}" type="sibTrans" cxnId="{D73B7919-80FE-4DAC-A517-A334A793FC9F}">
+    <dgm:pt modelId="{2643420B-15B0-4FAE-9DE9-81216AD7ECDE}" type="parTrans" cxnId="{D73B7919-80FE-4DAC-A517-A334A793FC9F}">
       <dgm:prSet/>
       <dgm:spPr/>
       <dgm:t>
@@ -1241,21 +1257,9 @@
         <a:lstStyle/>
         <a:p>
           <a:r>
-            <a:rPr lang="en-US"/>
+            <a:rPr lang="en-US" dirty="0"/>
             <a:t>Implementation time</a:t>
           </a:r>
-          <a:endParaRPr lang="en-US" dirty="0"/>
-        </a:p>
-      </dgm:t>
-    </dgm:pt>
-    <dgm:pt modelId="{3110D286-CB2A-4BB0-B9DA-8D3FAEF557C4}" type="parTrans" cxnId="{881D832E-7C5E-41E9-AF28-873A5970B354}">
-      <dgm:prSet/>
-      <dgm:spPr/>
-      <dgm:t>
-        <a:bodyPr/>
-        <a:lstStyle/>
-        <a:p>
-          <a:endParaRPr lang="en-US"/>
         </a:p>
       </dgm:t>
     </dgm:pt>
@@ -1270,32 +1274,7 @@
         </a:p>
       </dgm:t>
     </dgm:pt>
-    <dgm:pt modelId="{A95D6825-F834-4576-B0D8-3B6BC3AD634B}">
-      <dgm:prSet/>
-      <dgm:spPr/>
-      <dgm:t>
-        <a:bodyPr/>
-        <a:lstStyle/>
-        <a:p>
-          <a:r>
-            <a:rPr lang="en-US" dirty="0"/>
-            <a:t>Judging and Prizes!</a:t>
-          </a:r>
-        </a:p>
-      </dgm:t>
-    </dgm:pt>
-    <dgm:pt modelId="{CF1B1DAE-DA49-4950-8F4A-65D54D4F0AD8}" type="parTrans" cxnId="{02FF6394-1ACA-4558-B2DC-CAE970A9E655}">
-      <dgm:prSet/>
-      <dgm:spPr/>
-      <dgm:t>
-        <a:bodyPr/>
-        <a:lstStyle/>
-        <a:p>
-          <a:endParaRPr lang="en-US"/>
-        </a:p>
-      </dgm:t>
-    </dgm:pt>
-    <dgm:pt modelId="{D22B233E-97D3-4817-908B-81FA436F88D3}" type="sibTrans" cxnId="{02FF6394-1ACA-4558-B2DC-CAE970A9E655}">
+    <dgm:pt modelId="{3110D286-CB2A-4BB0-B9DA-8D3FAEF557C4}" type="parTrans" cxnId="{881D832E-7C5E-41E9-AF28-873A5970B354}">
       <dgm:prSet/>
       <dgm:spPr/>
       <dgm:t>
@@ -1340,6 +1319,42 @@
       </dgm:t>
     </dgm:pt>
     <dgm:pt modelId="{6DB9515F-ECC7-4C9E-813D-5BA868649633}" type="parTrans" cxnId="{6A8C505A-0660-4BF3-B5D1-B37FDA745E17}">
+      <dgm:prSet/>
+      <dgm:spPr/>
+      <dgm:t>
+        <a:bodyPr/>
+        <a:lstStyle/>
+        <a:p>
+          <a:endParaRPr lang="en-US"/>
+        </a:p>
+      </dgm:t>
+    </dgm:pt>
+    <dgm:pt modelId="{A95D6825-F834-4576-B0D8-3B6BC3AD634B}">
+      <dgm:prSet/>
+      <dgm:spPr/>
+      <dgm:t>
+        <a:bodyPr/>
+        <a:lstStyle/>
+        <a:p>
+          <a:r>
+            <a:rPr lang="en-US" dirty="0"/>
+            <a:t>Judging and Prizes!</a:t>
+          </a:r>
+        </a:p>
+      </dgm:t>
+    </dgm:pt>
+    <dgm:pt modelId="{D22B233E-97D3-4817-908B-81FA436F88D3}" type="sibTrans" cxnId="{02FF6394-1ACA-4558-B2DC-CAE970A9E655}">
+      <dgm:prSet/>
+      <dgm:spPr/>
+      <dgm:t>
+        <a:bodyPr/>
+        <a:lstStyle/>
+        <a:p>
+          <a:endParaRPr lang="en-US"/>
+        </a:p>
+      </dgm:t>
+    </dgm:pt>
+    <dgm:pt modelId="{CF1B1DAE-DA49-4950-8F4A-65D54D4F0AD8}" type="parTrans" cxnId="{02FF6394-1ACA-4558-B2DC-CAE970A9E655}">
       <dgm:prSet/>
       <dgm:spPr/>
       <dgm:t>
@@ -1878,9 +1893,14 @@
             <a:buNone/>
           </a:pPr>
           <a:r>
-            <a:rPr lang="en-US" sz="2500" kern="1200"/>
-            <a:t>Deep dive into example dApp</a:t>
+            <a:rPr lang="en-US" sz="2500" kern="1200" dirty="0"/>
+            <a:t>Deep dive into example </a:t>
           </a:r>
+          <a:r>
+            <a:rPr lang="en-US" sz="2500" kern="1200" dirty="0" err="1"/>
+            <a:t>dApp</a:t>
+          </a:r>
+          <a:endParaRPr lang="en-US" sz="2500" kern="1200" dirty="0"/>
         </a:p>
       </dsp:txBody>
       <dsp:txXfrm>
@@ -1988,7 +2008,7 @@
             <a:buNone/>
           </a:pPr>
           <a:r>
-            <a:rPr lang="en-US" sz="2500" kern="1200" dirty="0"/>
+            <a:rPr lang="en-US" sz="2500" i="1" kern="1200" dirty="0"/>
             <a:t>--- break to create teams ---</a:t>
           </a:r>
         </a:p>
@@ -2098,8 +2118,16 @@
             <a:buNone/>
           </a:pPr>
           <a:r>
-            <a:rPr lang="en-US" sz="2500" kern="1200"/>
-            <a:t>Brainstorming of dApp ideas and technical setup</a:t>
+            <a:rPr lang="en-US" sz="2500" kern="1200" dirty="0"/>
+            <a:t>Brainstorming of </a:t>
+          </a:r>
+          <a:r>
+            <a:rPr lang="en-US" sz="2500" kern="1200" dirty="0" err="1"/>
+            <a:t>dApp</a:t>
+          </a:r>
+          <a:r>
+            <a:rPr lang="en-US" sz="2500" kern="1200" dirty="0"/>
+            <a:t> ideas and technical setup</a:t>
           </a:r>
         </a:p>
       </dsp:txBody>
@@ -2208,10 +2236,9 @@
             <a:buNone/>
           </a:pPr>
           <a:r>
-            <a:rPr lang="en-US" sz="2500" kern="1200"/>
+            <a:rPr lang="en-US" sz="2500" kern="1200" dirty="0"/>
             <a:t>Implementation time</a:t>
           </a:r>
-          <a:endParaRPr lang="en-US" sz="2500" kern="1200" dirty="0"/>
         </a:p>
       </dsp:txBody>
       <dsp:txXfrm>
@@ -4082,7 +4109,7 @@
           <a:p>
             <a:fld id="{40DF7D66-0281-3C48-88BF-8ED247AEB486}" type="datetimeFigureOut">
               <a:rPr lang="en-US" smtClean="0"/>
-              <a:t>11/25/18</a:t>
+              <a:t>12/1/18</a:t>
             </a:fld>
             <a:endParaRPr lang="en-US"/>
           </a:p>
@@ -4252,7 +4279,7 @@
           <a:p>
             <a:fld id="{40DF7D66-0281-3C48-88BF-8ED247AEB486}" type="datetimeFigureOut">
               <a:rPr lang="en-US" smtClean="0"/>
-              <a:t>11/25/18</a:t>
+              <a:t>12/1/18</a:t>
             </a:fld>
             <a:endParaRPr lang="en-US"/>
           </a:p>
@@ -4432,7 +4459,7 @@
           <a:p>
             <a:fld id="{40DF7D66-0281-3C48-88BF-8ED247AEB486}" type="datetimeFigureOut">
               <a:rPr lang="en-US" smtClean="0"/>
-              <a:t>11/25/18</a:t>
+              <a:t>12/1/18</a:t>
             </a:fld>
             <a:endParaRPr lang="en-US"/>
           </a:p>
@@ -4602,7 +4629,7 @@
           <a:p>
             <a:fld id="{40DF7D66-0281-3C48-88BF-8ED247AEB486}" type="datetimeFigureOut">
               <a:rPr lang="en-US" smtClean="0"/>
-              <a:t>11/25/18</a:t>
+              <a:t>12/1/18</a:t>
             </a:fld>
             <a:endParaRPr lang="en-US"/>
           </a:p>
@@ -4848,7 +4875,7 @@
           <a:p>
             <a:fld id="{40DF7D66-0281-3C48-88BF-8ED247AEB486}" type="datetimeFigureOut">
               <a:rPr lang="en-US" smtClean="0"/>
-              <a:t>11/25/18</a:t>
+              <a:t>12/1/18</a:t>
             </a:fld>
             <a:endParaRPr lang="en-US"/>
           </a:p>
@@ -5080,7 +5107,7 @@
           <a:p>
             <a:fld id="{40DF7D66-0281-3C48-88BF-8ED247AEB486}" type="datetimeFigureOut">
               <a:rPr lang="en-US" smtClean="0"/>
-              <a:t>11/25/18</a:t>
+              <a:t>12/1/18</a:t>
             </a:fld>
             <a:endParaRPr lang="en-US"/>
           </a:p>
@@ -5447,7 +5474,7 @@
           <a:p>
             <a:fld id="{40DF7D66-0281-3C48-88BF-8ED247AEB486}" type="datetimeFigureOut">
               <a:rPr lang="en-US" smtClean="0"/>
-              <a:t>11/25/18</a:t>
+              <a:t>12/1/18</a:t>
             </a:fld>
             <a:endParaRPr lang="en-US"/>
           </a:p>
@@ -5565,7 +5592,7 @@
           <a:p>
             <a:fld id="{40DF7D66-0281-3C48-88BF-8ED247AEB486}" type="datetimeFigureOut">
               <a:rPr lang="en-US" smtClean="0"/>
-              <a:t>11/25/18</a:t>
+              <a:t>12/1/18</a:t>
             </a:fld>
             <a:endParaRPr lang="en-US"/>
           </a:p>
@@ -5660,7 +5687,7 @@
           <a:p>
             <a:fld id="{40DF7D66-0281-3C48-88BF-8ED247AEB486}" type="datetimeFigureOut">
               <a:rPr lang="en-US" smtClean="0"/>
-              <a:t>11/25/18</a:t>
+              <a:t>12/1/18</a:t>
             </a:fld>
             <a:endParaRPr lang="en-US"/>
           </a:p>
@@ -5937,7 +5964,7 @@
           <a:p>
             <a:fld id="{40DF7D66-0281-3C48-88BF-8ED247AEB486}" type="datetimeFigureOut">
               <a:rPr lang="en-US" smtClean="0"/>
-              <a:t>11/25/18</a:t>
+              <a:t>12/1/18</a:t>
             </a:fld>
             <a:endParaRPr lang="en-US"/>
           </a:p>
@@ -6194,7 +6221,7 @@
           <a:p>
             <a:fld id="{40DF7D66-0281-3C48-88BF-8ED247AEB486}" type="datetimeFigureOut">
               <a:rPr lang="en-US" smtClean="0"/>
-              <a:t>11/25/18</a:t>
+              <a:t>12/1/18</a:t>
             </a:fld>
             <a:endParaRPr lang="en-US"/>
           </a:p>
@@ -6407,7 +6434,7 @@
           <a:p>
             <a:fld id="{40DF7D66-0281-3C48-88BF-8ED247AEB486}" type="datetimeFigureOut">
               <a:rPr lang="en-US" smtClean="0"/>
-              <a:t>11/25/18</a:t>
+              <a:t>12/1/18</a:t>
             </a:fld>
             <a:endParaRPr lang="en-US"/>
           </a:p>
@@ -6850,7 +6877,7 @@
           <a:p>
             <a:pPr algn="l"/>
             <a:r>
-              <a:rPr lang="en-US" sz="5400" dirty="0">
+              <a:rPr lang="en-US" sz="5400" b="1" dirty="0">
                 <a:solidFill>
                   <a:srgbClr val="FFFFFF"/>
                 </a:solidFill>
@@ -6858,14 +6885,14 @@
               <a:t>Beyond </a:t>
             </a:r>
             <a:br>
-              <a:rPr lang="en-US" sz="5400" dirty="0">
+              <a:rPr lang="en-US" sz="5400" b="1" dirty="0">
                 <a:solidFill>
                   <a:srgbClr val="FFFFFF"/>
                 </a:solidFill>
               </a:rPr>
             </a:br>
             <a:r>
-              <a:rPr lang="en-US" sz="5400" dirty="0">
+              <a:rPr lang="en-US" sz="5400" b="1" dirty="0">
                 <a:solidFill>
                   <a:srgbClr val="FFFFFF"/>
                 </a:solidFill>
@@ -6905,7 +6932,7 @@
           <a:p>
             <a:pPr algn="l"/>
             <a:r>
-              <a:rPr lang="en-US" dirty="0">
+              <a:rPr lang="en-US" i="1" dirty="0">
                 <a:solidFill>
                   <a:srgbClr val="FFFFFF"/>
                 </a:solidFill>
@@ -6974,425 +7001,17 @@
 </p:sld>
 </file>
 
-<file path=ppt/slides/slide2.xml><?xml version="1.0" encoding="utf-8"?>
-<p:sld xmlns:a="http://schemas.openxmlformats.org/drawingml/2006/main" xmlns:r="http://schemas.openxmlformats.org/officeDocument/2006/relationships" xmlns:p="http://schemas.openxmlformats.org/presentationml/2006/main">
-  <p:cSld>
-    <p:spTree>
-      <p:nvGrpSpPr>
-        <p:cNvPr id="1" name=""/>
-        <p:cNvGrpSpPr/>
-        <p:nvPr/>
-      </p:nvGrpSpPr>
-      <p:grpSpPr>
-        <a:xfrm>
-          <a:off x="0" y="0"/>
-          <a:ext cx="0" cy="0"/>
-          <a:chOff x="0" y="0"/>
-          <a:chExt cx="0" cy="0"/>
-        </a:xfrm>
-      </p:grpSpPr>
-      <p:sp>
-        <p:nvSpPr>
-          <p:cNvPr id="2" name="Title 1">
-            <a:extLst>
-              <a:ext uri="{FF2B5EF4-FFF2-40B4-BE49-F238E27FC236}">
-                <a16:creationId xmlns:a16="http://schemas.microsoft.com/office/drawing/2014/main" id="{72E6DD4A-A656-744A-941A-5A9BA00D9CF7}"/>
-              </a:ext>
-            </a:extLst>
-          </p:cNvPr>
-          <p:cNvSpPr>
-            <a:spLocks noGrp="1"/>
-          </p:cNvSpPr>
-          <p:nvPr>
-            <p:ph type="title"/>
-          </p:nvPr>
-        </p:nvSpPr>
-        <p:spPr/>
-        <p:txBody>
-          <a:bodyPr/>
-          <a:lstStyle/>
-          <a:p>
-            <a:r>
-              <a:rPr lang="en-US" dirty="0"/>
-              <a:t>&lt;Attention Grabber&gt;</a:t>
-            </a:r>
-          </a:p>
-        </p:txBody>
-      </p:sp>
-      <p:sp>
-        <p:nvSpPr>
-          <p:cNvPr id="3" name="Content Placeholder 2">
-            <a:extLst>
-              <a:ext uri="{FF2B5EF4-FFF2-40B4-BE49-F238E27FC236}">
-                <a16:creationId xmlns:a16="http://schemas.microsoft.com/office/drawing/2014/main" id="{4DD80BBD-7211-9D49-B328-DEB4B817A2F8}"/>
-              </a:ext>
-            </a:extLst>
-          </p:cNvPr>
-          <p:cNvSpPr>
-            <a:spLocks noGrp="1"/>
-          </p:cNvSpPr>
-          <p:nvPr>
-            <p:ph idx="1"/>
-          </p:nvPr>
-        </p:nvSpPr>
-        <p:spPr/>
-        <p:txBody>
-          <a:bodyPr/>
-          <a:lstStyle/>
-          <a:p>
-            <a:endParaRPr lang="en-US" dirty="0"/>
-          </a:p>
-        </p:txBody>
-      </p:sp>
-    </p:spTree>
-    <p:extLst>
-      <p:ext uri="{BB962C8B-B14F-4D97-AF65-F5344CB8AC3E}">
-        <p14:creationId xmlns:p14="http://schemas.microsoft.com/office/powerpoint/2010/main" val="3014024166"/>
-      </p:ext>
-    </p:extLst>
-  </p:cSld>
-  <p:clrMapOvr>
-    <a:masterClrMapping/>
-  </p:clrMapOvr>
-</p:sld>
-</file>
-
-<file path=ppt/slides/slide3.xml><?xml version="1.0" encoding="utf-8"?>
+<file path=ppt/slides/slide10.xml><?xml version="1.0" encoding="utf-8"?>
 <p:sld xmlns:a="http://schemas.openxmlformats.org/drawingml/2006/main" xmlns:r="http://schemas.openxmlformats.org/officeDocument/2006/relationships" xmlns:p="http://schemas.openxmlformats.org/presentationml/2006/main">
   <p:cSld>
     <p:bg>
       <p:bgPr>
         <a:solidFill>
-          <a:schemeClr val="bg1"/>
+          <a:srgbClr val="01294C"/>
         </a:solidFill>
         <a:effectLst/>
       </p:bgPr>
     </p:bg>
-    <p:spTree>
-      <p:nvGrpSpPr>
-        <p:cNvPr id="1" name=""/>
-        <p:cNvGrpSpPr/>
-        <p:nvPr/>
-      </p:nvGrpSpPr>
-      <p:grpSpPr>
-        <a:xfrm>
-          <a:off x="0" y="0"/>
-          <a:ext cx="0" cy="0"/>
-          <a:chOff x="0" y="0"/>
-          <a:chExt cx="0" cy="0"/>
-        </a:xfrm>
-      </p:grpSpPr>
-      <p:sp>
-        <p:nvSpPr>
-          <p:cNvPr id="2" name="Title 1">
-            <a:extLst>
-              <a:ext uri="{FF2B5EF4-FFF2-40B4-BE49-F238E27FC236}">
-                <a16:creationId xmlns:a16="http://schemas.microsoft.com/office/drawing/2014/main" id="{A2529C33-DD90-8849-8CED-9241116476BC}"/>
-              </a:ext>
-            </a:extLst>
-          </p:cNvPr>
-          <p:cNvSpPr>
-            <a:spLocks noGrp="1"/>
-          </p:cNvSpPr>
-          <p:nvPr>
-            <p:ph type="title"/>
-          </p:nvPr>
-        </p:nvSpPr>
-        <p:spPr>
-          <a:xfrm>
-            <a:off x="535020" y="685800"/>
-            <a:ext cx="2780271" cy="5105400"/>
-          </a:xfrm>
-        </p:spPr>
-        <p:txBody>
-          <a:bodyPr>
-            <a:normAutofit/>
-          </a:bodyPr>
-          <a:lstStyle/>
-          <a:p>
-            <a:r>
-              <a:rPr lang="en-US" sz="4000">
-                <a:solidFill>
-                  <a:srgbClr val="FFFFFF"/>
-                </a:solidFill>
-              </a:rPr>
-              <a:t>Roadmap</a:t>
-            </a:r>
-          </a:p>
-        </p:txBody>
-      </p:sp>
-      <p:graphicFrame>
-        <p:nvGraphicFramePr>
-          <p:cNvPr id="5" name="Content Placeholder 2">
-            <a:extLst>
-              <a:ext uri="{FF2B5EF4-FFF2-40B4-BE49-F238E27FC236}">
-                <a16:creationId xmlns:a16="http://schemas.microsoft.com/office/drawing/2014/main" id="{61ED2452-9A7D-41AE-B041-05142380FA0A}"/>
-              </a:ext>
-            </a:extLst>
-          </p:cNvPr>
-          <p:cNvGraphicFramePr>
-            <a:graphicFrameLocks noGrp="1"/>
-          </p:cNvGraphicFramePr>
-          <p:nvPr>
-            <p:ph idx="1"/>
-            <p:extLst>
-              <p:ext uri="{D42A27DB-BD31-4B8C-83A1-F6EECF244321}">
-                <p14:modId xmlns:p14="http://schemas.microsoft.com/office/powerpoint/2010/main" val="4255376179"/>
-              </p:ext>
-            </p:extLst>
-          </p:nvPr>
-        </p:nvGraphicFramePr>
-        <p:xfrm>
-          <a:off x="5010150" y="685800"/>
-          <a:ext cx="6492875" cy="5105400"/>
-        </p:xfrm>
-        <a:graphic>
-          <a:graphicData uri="http://schemas.openxmlformats.org/drawingml/2006/diagram">
-            <dgm:relIds xmlns:dgm="http://schemas.openxmlformats.org/drawingml/2006/diagram" xmlns:r="http://schemas.openxmlformats.org/officeDocument/2006/relationships" r:dm="rId2" r:lo="rId3" r:qs="rId4" r:cs="rId5"/>
-          </a:graphicData>
-        </a:graphic>
-      </p:graphicFrame>
-    </p:spTree>
-    <p:extLst>
-      <p:ext uri="{BB962C8B-B14F-4D97-AF65-F5344CB8AC3E}">
-        <p14:creationId xmlns:p14="http://schemas.microsoft.com/office/powerpoint/2010/main" val="2942190489"/>
-      </p:ext>
-    </p:extLst>
-  </p:cSld>
-  <p:clrMapOvr>
-    <a:masterClrMapping/>
-  </p:clrMapOvr>
-</p:sld>
-</file>
-
-<file path=ppt/slides/slide4.xml><?xml version="1.0" encoding="utf-8"?>
-<p:sld xmlns:a="http://schemas.openxmlformats.org/drawingml/2006/main" xmlns:r="http://schemas.openxmlformats.org/officeDocument/2006/relationships" xmlns:p="http://schemas.openxmlformats.org/presentationml/2006/main">
-  <p:cSld>
-    <p:spTree>
-      <p:nvGrpSpPr>
-        <p:cNvPr id="1" name=""/>
-        <p:cNvGrpSpPr/>
-        <p:nvPr/>
-      </p:nvGrpSpPr>
-      <p:grpSpPr>
-        <a:xfrm>
-          <a:off x="0" y="0"/>
-          <a:ext cx="0" cy="0"/>
-          <a:chOff x="0" y="0"/>
-          <a:chExt cx="0" cy="0"/>
-        </a:xfrm>
-      </p:grpSpPr>
-      <p:sp>
-        <p:nvSpPr>
-          <p:cNvPr id="2" name="Title 1">
-            <a:extLst>
-              <a:ext uri="{FF2B5EF4-FFF2-40B4-BE49-F238E27FC236}">
-                <a16:creationId xmlns:a16="http://schemas.microsoft.com/office/drawing/2014/main" id="{CF37B1B1-8935-544A-BBD6-E56405106B5A}"/>
-              </a:ext>
-            </a:extLst>
-          </p:cNvPr>
-          <p:cNvSpPr>
-            <a:spLocks noGrp="1"/>
-          </p:cNvSpPr>
-          <p:nvPr>
-            <p:ph type="title"/>
-          </p:nvPr>
-        </p:nvSpPr>
-        <p:spPr/>
-        <p:txBody>
-          <a:bodyPr/>
-          <a:lstStyle/>
-          <a:p>
-            <a:r>
-              <a:rPr lang="en-US" dirty="0"/>
-              <a:t>Ethereum Smart Contracts</a:t>
-            </a:r>
-          </a:p>
-        </p:txBody>
-      </p:sp>
-      <p:sp>
-        <p:nvSpPr>
-          <p:cNvPr id="3" name="Content Placeholder 2">
-            <a:extLst>
-              <a:ext uri="{FF2B5EF4-FFF2-40B4-BE49-F238E27FC236}">
-                <a16:creationId xmlns:a16="http://schemas.microsoft.com/office/drawing/2014/main" id="{43187B6E-715E-8543-B867-3FB14DBD7EA4}"/>
-              </a:ext>
-            </a:extLst>
-          </p:cNvPr>
-          <p:cNvSpPr>
-            <a:spLocks noGrp="1"/>
-          </p:cNvSpPr>
-          <p:nvPr>
-            <p:ph idx="1"/>
-          </p:nvPr>
-        </p:nvSpPr>
-        <p:spPr/>
-        <p:txBody>
-          <a:bodyPr/>
-          <a:lstStyle/>
-          <a:p>
-            <a:endParaRPr lang="en-US" dirty="0"/>
-          </a:p>
-        </p:txBody>
-      </p:sp>
-    </p:spTree>
-    <p:extLst>
-      <p:ext uri="{BB962C8B-B14F-4D97-AF65-F5344CB8AC3E}">
-        <p14:creationId xmlns:p14="http://schemas.microsoft.com/office/powerpoint/2010/main" val="1561898681"/>
-      </p:ext>
-    </p:extLst>
-  </p:cSld>
-  <p:clrMapOvr>
-    <a:masterClrMapping/>
-  </p:clrMapOvr>
-</p:sld>
-</file>
-
-<file path=ppt/slides/slide5.xml><?xml version="1.0" encoding="utf-8"?>
-<p:sld xmlns:a="http://schemas.openxmlformats.org/drawingml/2006/main" xmlns:r="http://schemas.openxmlformats.org/officeDocument/2006/relationships" xmlns:p="http://schemas.openxmlformats.org/presentationml/2006/main">
-  <p:cSld>
-    <p:spTree>
-      <p:nvGrpSpPr>
-        <p:cNvPr id="1" name=""/>
-        <p:cNvGrpSpPr/>
-        <p:nvPr/>
-      </p:nvGrpSpPr>
-      <p:grpSpPr>
-        <a:xfrm>
-          <a:off x="0" y="0"/>
-          <a:ext cx="0" cy="0"/>
-          <a:chOff x="0" y="0"/>
-          <a:chExt cx="0" cy="0"/>
-        </a:xfrm>
-      </p:grpSpPr>
-      <p:sp>
-        <p:nvSpPr>
-          <p:cNvPr id="2" name="Title 1">
-            <a:extLst>
-              <a:ext uri="{FF2B5EF4-FFF2-40B4-BE49-F238E27FC236}">
-                <a16:creationId xmlns:a16="http://schemas.microsoft.com/office/drawing/2014/main" id="{3C4552BF-2F2D-2F43-8418-C8CCACE77765}"/>
-              </a:ext>
-            </a:extLst>
-          </p:cNvPr>
-          <p:cNvSpPr>
-            <a:spLocks noGrp="1"/>
-          </p:cNvSpPr>
-          <p:nvPr>
-            <p:ph type="title"/>
-          </p:nvPr>
-        </p:nvSpPr>
-        <p:spPr/>
-        <p:txBody>
-          <a:bodyPr/>
-          <a:lstStyle/>
-          <a:p>
-            <a:r>
-              <a:rPr lang="en-US" dirty="0"/>
-              <a:t>Smart Contracts Require Trust</a:t>
-            </a:r>
-          </a:p>
-        </p:txBody>
-      </p:sp>
-      <p:sp>
-        <p:nvSpPr>
-          <p:cNvPr id="3" name="Content Placeholder 2">
-            <a:extLst>
-              <a:ext uri="{FF2B5EF4-FFF2-40B4-BE49-F238E27FC236}">
-                <a16:creationId xmlns:a16="http://schemas.microsoft.com/office/drawing/2014/main" id="{02B25C0D-EFFA-E943-87D0-2F2353A78348}"/>
-              </a:ext>
-            </a:extLst>
-          </p:cNvPr>
-          <p:cNvSpPr>
-            <a:spLocks noGrp="1"/>
-          </p:cNvSpPr>
-          <p:nvPr>
-            <p:ph idx="1"/>
-          </p:nvPr>
-        </p:nvSpPr>
-        <p:spPr/>
-        <p:txBody>
-          <a:bodyPr/>
-          <a:lstStyle/>
-          <a:p>
-            <a:r>
-              <a:rPr lang="en-US" dirty="0"/>
-              <a:t>Smart contracts should be:</a:t>
-            </a:r>
-          </a:p>
-          <a:p>
-            <a:pPr lvl="1"/>
-            <a:r>
-              <a:rPr lang="en-US" dirty="0"/>
-              <a:t>Open source</a:t>
-            </a:r>
-          </a:p>
-          <a:p>
-            <a:pPr lvl="1"/>
-            <a:endParaRPr lang="en-US" dirty="0"/>
-          </a:p>
-          <a:p>
-            <a:pPr lvl="1"/>
-            <a:r>
-              <a:rPr lang="en-US" dirty="0"/>
-              <a:t>Heavily tested and validated</a:t>
-            </a:r>
-          </a:p>
-          <a:p>
-            <a:pPr lvl="1"/>
-            <a:endParaRPr lang="en-US" dirty="0"/>
-          </a:p>
-          <a:p>
-            <a:pPr lvl="1"/>
-            <a:r>
-              <a:rPr lang="en-US" dirty="0"/>
-              <a:t>Shared with the community and reused by others</a:t>
-            </a:r>
-          </a:p>
-          <a:p>
-            <a:pPr lvl="1"/>
-            <a:endParaRPr lang="en-US" dirty="0"/>
-          </a:p>
-          <a:p>
-            <a:pPr lvl="1"/>
-            <a:r>
-              <a:rPr lang="en-US" dirty="0"/>
-              <a:t>Only changeable if community is aware and approves of the change</a:t>
-            </a:r>
-          </a:p>
-          <a:p>
-            <a:pPr lvl="1"/>
-            <a:endParaRPr lang="en-US" dirty="0"/>
-          </a:p>
-          <a:p>
-            <a:r>
-              <a:rPr lang="en-US" dirty="0"/>
-              <a:t>Do not be concerned with protecting the code of a smart contract</a:t>
-            </a:r>
-          </a:p>
-          <a:p>
-            <a:pPr marL="457200" lvl="1" indent="0">
-              <a:buNone/>
-            </a:pPr>
-            <a:endParaRPr lang="en-US" dirty="0"/>
-          </a:p>
-        </p:txBody>
-      </p:sp>
-    </p:spTree>
-    <p:extLst>
-      <p:ext uri="{BB962C8B-B14F-4D97-AF65-F5344CB8AC3E}">
-        <p14:creationId xmlns:p14="http://schemas.microsoft.com/office/powerpoint/2010/main" val="2831478192"/>
-      </p:ext>
-    </p:extLst>
-  </p:cSld>
-  <p:clrMapOvr>
-    <a:masterClrMapping/>
-  </p:clrMapOvr>
-</p:sld>
-</file>
-
-<file path=ppt/slides/slide6.xml><?xml version="1.0" encoding="utf-8"?>
-<p:sld xmlns:a="http://schemas.openxmlformats.org/drawingml/2006/main" xmlns:r="http://schemas.openxmlformats.org/officeDocument/2006/relationships" xmlns:p="http://schemas.openxmlformats.org/presentationml/2006/main">
-  <p:cSld>
     <p:spTree>
       <p:nvGrpSpPr>
         <p:cNvPr id="1" name=""/>
@@ -7465,7 +7084,7 @@
             <a:pPr lvl="1"/>
             <a:r>
               <a:rPr lang="en-US" dirty="0"/>
-              <a:t>Even if code is not provided, can still be de-compiled</a:t>
+              <a:t>Even if raw code is not provided, can still be de-compiled</a:t>
             </a:r>
           </a:p>
           <a:p>
@@ -7475,7 +7094,7 @@
           <a:p>
             <a:r>
               <a:rPr lang="en-US" dirty="0"/>
-              <a:t>Do not add value by themselves</a:t>
+              <a:t>Contracts do not add value by themselves</a:t>
             </a:r>
           </a:p>
           <a:p>
@@ -7492,7 +7111,7 @@
           <a:p>
             <a:r>
               <a:rPr lang="en-US" dirty="0"/>
-              <a:t>Must be paired with great front end to have value</a:t>
+              <a:t>Contracts must be paired with great front-end to have value</a:t>
             </a:r>
           </a:p>
           <a:p>
@@ -7523,9 +7142,17 @@
 </p:sld>
 </file>
 
-<file path=ppt/slides/slide7.xml><?xml version="1.0" encoding="utf-8"?>
+<file path=ppt/slides/slide11.xml><?xml version="1.0" encoding="utf-8"?>
 <p:sld xmlns:a="http://schemas.openxmlformats.org/drawingml/2006/main" xmlns:r="http://schemas.openxmlformats.org/officeDocument/2006/relationships" xmlns:p="http://schemas.openxmlformats.org/presentationml/2006/main">
   <p:cSld>
+    <p:bg>
+      <p:bgPr>
+        <a:solidFill>
+          <a:srgbClr val="01294C"/>
+        </a:solidFill>
+        <a:effectLst/>
+      </p:bgPr>
+    </p:bg>
     <p:spTree>
       <p:nvGrpSpPr>
         <p:cNvPr id="1" name=""/>
@@ -7590,42 +7217,42 @@
           <a:lstStyle/>
           <a:p>
             <a:r>
-              <a:rPr lang="en-US" dirty="0"/>
+              <a:rPr lang="en-US" sz="3200" dirty="0"/>
               <a:t>Front-end code (with web3) adds value by providing:</a:t>
             </a:r>
           </a:p>
           <a:p>
             <a:pPr lvl="1"/>
             <a:r>
-              <a:rPr lang="en-US" dirty="0"/>
+              <a:rPr lang="en-US" sz="2800" dirty="0"/>
               <a:t>A user-friendly interface to smart contract functions</a:t>
             </a:r>
           </a:p>
           <a:p>
             <a:pPr lvl="1"/>
             <a:r>
-              <a:rPr lang="en-US" dirty="0"/>
+              <a:rPr lang="en-US" sz="2800" dirty="0"/>
               <a:t>Off-chain features for on-chain assets (rendering/gameplay/etc.)</a:t>
             </a:r>
           </a:p>
           <a:p>
             <a:pPr lvl="1"/>
             <a:r>
-              <a:rPr lang="en-US" dirty="0"/>
+              <a:rPr lang="en-US" sz="2800" dirty="0"/>
               <a:t>Community interaction</a:t>
             </a:r>
           </a:p>
           <a:p>
             <a:pPr lvl="1"/>
             <a:r>
-              <a:rPr lang="en-US" dirty="0"/>
+              <a:rPr lang="en-US" sz="2800" dirty="0"/>
               <a:t>Integration with other </a:t>
             </a:r>
             <a:r>
-              <a:rPr lang="en-US" dirty="0" err="1"/>
+              <a:rPr lang="en-US" sz="2800" dirty="0" err="1"/>
               <a:t>dApps</a:t>
             </a:r>
-            <a:endParaRPr lang="en-US" dirty="0"/>
+            <a:endParaRPr lang="en-US" sz="2800" dirty="0"/>
           </a:p>
           <a:p>
             <a:pPr lvl="1"/>
@@ -7633,15 +7260,15 @@
           </a:p>
           <a:p>
             <a:r>
-              <a:rPr lang="en-US" dirty="0"/>
+              <a:rPr lang="en-US" sz="3200" dirty="0"/>
               <a:t>Front-end code is integral to a successful </a:t>
             </a:r>
             <a:r>
-              <a:rPr lang="en-US" dirty="0" err="1"/>
+              <a:rPr lang="en-US" sz="3200" dirty="0" err="1"/>
               <a:t>dApp</a:t>
             </a:r>
             <a:r>
-              <a:rPr lang="en-US" dirty="0"/>
+              <a:rPr lang="en-US" sz="3200" dirty="0"/>
               <a:t>.</a:t>
             </a:r>
           </a:p>
@@ -7660,13 +7287,13 @@
 </p:sld>
 </file>
 
-<file path=ppt/slides/slide8.xml><?xml version="1.0" encoding="utf-8"?>
+<file path=ppt/slides/slide12.xml><?xml version="1.0" encoding="utf-8"?>
 <p:sld xmlns:a="http://schemas.openxmlformats.org/drawingml/2006/main" xmlns:r="http://schemas.openxmlformats.org/officeDocument/2006/relationships" xmlns:p="http://schemas.openxmlformats.org/presentationml/2006/main">
   <p:cSld>
     <p:bg>
       <p:bgPr>
         <a:solidFill>
-          <a:schemeClr val="bg1"/>
+          <a:srgbClr val="01294C"/>
         </a:solidFill>
         <a:effectLst/>
       </p:bgPr>
@@ -7880,9 +7507,17 @@
 </p:sld>
 </file>
 
-<file path=ppt/slides/slide9.xml><?xml version="1.0" encoding="utf-8"?>
+<file path=ppt/slides/slide2.xml><?xml version="1.0" encoding="utf-8"?>
 <p:sld xmlns:a="http://schemas.openxmlformats.org/drawingml/2006/main" xmlns:r="http://schemas.openxmlformats.org/officeDocument/2006/relationships" xmlns:p="http://schemas.openxmlformats.org/presentationml/2006/main">
   <p:cSld>
+    <p:bg>
+      <p:bgPr>
+        <a:solidFill>
+          <a:srgbClr val="01294C"/>
+        </a:solidFill>
+        <a:effectLst/>
+      </p:bgPr>
+    </p:bg>
     <p:spTree>
       <p:nvGrpSpPr>
         <p:cNvPr id="1" name=""/>
@@ -7902,7 +7537,7 @@
           <p:cNvPr id="2" name="Title 1">
             <a:extLst>
               <a:ext uri="{FF2B5EF4-FFF2-40B4-BE49-F238E27FC236}">
-                <a16:creationId xmlns:a16="http://schemas.microsoft.com/office/drawing/2014/main" id="{195BF9B6-B150-2448-829D-78EBDB6AE3C1}"/>
+                <a16:creationId xmlns:a16="http://schemas.microsoft.com/office/drawing/2014/main" id="{72E6DD4A-A656-744A-941A-5A9BA00D9CF7}"/>
               </a:ext>
             </a:extLst>
           </p:cNvPr>
@@ -7918,7 +7553,10 @@
           <a:bodyPr/>
           <a:lstStyle/>
           <a:p>
-            <a:endParaRPr lang="en-US"/>
+            <a:r>
+              <a:rPr lang="en-US" dirty="0"/>
+              <a:t>Imagine this…</a:t>
+            </a:r>
           </a:p>
         </p:txBody>
       </p:sp>
@@ -7927,7 +7565,7 @@
           <p:cNvPr id="3" name="Content Placeholder 2">
             <a:extLst>
               <a:ext uri="{FF2B5EF4-FFF2-40B4-BE49-F238E27FC236}">
-                <a16:creationId xmlns:a16="http://schemas.microsoft.com/office/drawing/2014/main" id="{A2A6EA34-7BC7-984F-A55D-B42DCEC82A6A}"/>
+                <a16:creationId xmlns:a16="http://schemas.microsoft.com/office/drawing/2014/main" id="{4DD80BBD-7211-9D49-B328-DEB4B817A2F8}"/>
               </a:ext>
             </a:extLst>
           </p:cNvPr>
@@ -7943,14 +7581,885 @@
           <a:bodyPr/>
           <a:lstStyle/>
           <a:p>
-            <a:endParaRPr lang="en-US"/>
+            <a:r>
+              <a:rPr lang="en-US" dirty="0"/>
+              <a:t>You’ve completed your first smart contract!</a:t>
+            </a:r>
+          </a:p>
+          <a:p>
+            <a:pPr marL="0" indent="0">
+              <a:buNone/>
+            </a:pPr>
+            <a:endParaRPr lang="en-US" dirty="0"/>
           </a:p>
         </p:txBody>
       </p:sp>
     </p:spTree>
     <p:extLst>
       <p:ext uri="{BB962C8B-B14F-4D97-AF65-F5344CB8AC3E}">
-        <p14:creationId xmlns:p14="http://schemas.microsoft.com/office/powerpoint/2010/main" val="1012819623"/>
+        <p14:creationId xmlns:p14="http://schemas.microsoft.com/office/powerpoint/2010/main" val="3014024166"/>
+      </p:ext>
+    </p:extLst>
+  </p:cSld>
+  <p:clrMapOvr>
+    <a:masterClrMapping/>
+  </p:clrMapOvr>
+</p:sld>
+</file>
+
+<file path=ppt/slides/slide3.xml><?xml version="1.0" encoding="utf-8"?>
+<p:sld xmlns:a="http://schemas.openxmlformats.org/drawingml/2006/main" xmlns:r="http://schemas.openxmlformats.org/officeDocument/2006/relationships" xmlns:p="http://schemas.openxmlformats.org/presentationml/2006/main">
+  <p:cSld>
+    <p:bg>
+      <p:bgPr>
+        <a:solidFill>
+          <a:srgbClr val="01294C"/>
+        </a:solidFill>
+        <a:effectLst/>
+      </p:bgPr>
+    </p:bg>
+    <p:spTree>
+      <p:nvGrpSpPr>
+        <p:cNvPr id="1" name=""/>
+        <p:cNvGrpSpPr/>
+        <p:nvPr/>
+      </p:nvGrpSpPr>
+      <p:grpSpPr>
+        <a:xfrm>
+          <a:off x="0" y="0"/>
+          <a:ext cx="0" cy="0"/>
+          <a:chOff x="0" y="0"/>
+          <a:chExt cx="0" cy="0"/>
+        </a:xfrm>
+      </p:grpSpPr>
+      <p:sp>
+        <p:nvSpPr>
+          <p:cNvPr id="2" name="Title 1">
+            <a:extLst>
+              <a:ext uri="{FF2B5EF4-FFF2-40B4-BE49-F238E27FC236}">
+                <a16:creationId xmlns:a16="http://schemas.microsoft.com/office/drawing/2014/main" id="{72E6DD4A-A656-744A-941A-5A9BA00D9CF7}"/>
+              </a:ext>
+            </a:extLst>
+          </p:cNvPr>
+          <p:cNvSpPr>
+            <a:spLocks noGrp="1"/>
+          </p:cNvSpPr>
+          <p:nvPr>
+            <p:ph type="title"/>
+          </p:nvPr>
+        </p:nvSpPr>
+        <p:spPr/>
+        <p:txBody>
+          <a:bodyPr/>
+          <a:lstStyle/>
+          <a:p>
+            <a:r>
+              <a:rPr lang="en-US" dirty="0"/>
+              <a:t>Imagine this…</a:t>
+            </a:r>
+          </a:p>
+        </p:txBody>
+      </p:sp>
+      <p:sp>
+        <p:nvSpPr>
+          <p:cNvPr id="3" name="Content Placeholder 2">
+            <a:extLst>
+              <a:ext uri="{FF2B5EF4-FFF2-40B4-BE49-F238E27FC236}">
+                <a16:creationId xmlns:a16="http://schemas.microsoft.com/office/drawing/2014/main" id="{4DD80BBD-7211-9D49-B328-DEB4B817A2F8}"/>
+              </a:ext>
+            </a:extLst>
+          </p:cNvPr>
+          <p:cNvSpPr>
+            <a:spLocks noGrp="1"/>
+          </p:cNvSpPr>
+          <p:nvPr>
+            <p:ph idx="1"/>
+          </p:nvPr>
+        </p:nvSpPr>
+        <p:spPr/>
+        <p:txBody>
+          <a:bodyPr/>
+          <a:lstStyle/>
+          <a:p>
+            <a:r>
+              <a:rPr lang="en-US" dirty="0"/>
+              <a:t>You’ve completed your first smart contract!</a:t>
+            </a:r>
+          </a:p>
+          <a:p>
+            <a:endParaRPr lang="en-US" dirty="0"/>
+          </a:p>
+          <a:p>
+            <a:r>
+              <a:rPr lang="en-US" dirty="0"/>
+              <a:t>Submitted it to Ethereum Main Network</a:t>
+            </a:r>
+          </a:p>
+        </p:txBody>
+      </p:sp>
+    </p:spTree>
+    <p:extLst>
+      <p:ext uri="{BB962C8B-B14F-4D97-AF65-F5344CB8AC3E}">
+        <p14:creationId xmlns:p14="http://schemas.microsoft.com/office/powerpoint/2010/main" val="439508780"/>
+      </p:ext>
+    </p:extLst>
+  </p:cSld>
+  <p:clrMapOvr>
+    <a:masterClrMapping/>
+  </p:clrMapOvr>
+</p:sld>
+</file>
+
+<file path=ppt/slides/slide4.xml><?xml version="1.0" encoding="utf-8"?>
+<p:sld xmlns:a="http://schemas.openxmlformats.org/drawingml/2006/main" xmlns:r="http://schemas.openxmlformats.org/officeDocument/2006/relationships" xmlns:p="http://schemas.openxmlformats.org/presentationml/2006/main">
+  <p:cSld>
+    <p:bg>
+      <p:bgPr>
+        <a:solidFill>
+          <a:srgbClr val="01294C"/>
+        </a:solidFill>
+        <a:effectLst/>
+      </p:bgPr>
+    </p:bg>
+    <p:spTree>
+      <p:nvGrpSpPr>
+        <p:cNvPr id="1" name=""/>
+        <p:cNvGrpSpPr/>
+        <p:nvPr/>
+      </p:nvGrpSpPr>
+      <p:grpSpPr>
+        <a:xfrm>
+          <a:off x="0" y="0"/>
+          <a:ext cx="0" cy="0"/>
+          <a:chOff x="0" y="0"/>
+          <a:chExt cx="0" cy="0"/>
+        </a:xfrm>
+      </p:grpSpPr>
+      <p:sp>
+        <p:nvSpPr>
+          <p:cNvPr id="2" name="Title 1">
+            <a:extLst>
+              <a:ext uri="{FF2B5EF4-FFF2-40B4-BE49-F238E27FC236}">
+                <a16:creationId xmlns:a16="http://schemas.microsoft.com/office/drawing/2014/main" id="{72E6DD4A-A656-744A-941A-5A9BA00D9CF7}"/>
+              </a:ext>
+            </a:extLst>
+          </p:cNvPr>
+          <p:cNvSpPr>
+            <a:spLocks noGrp="1"/>
+          </p:cNvSpPr>
+          <p:nvPr>
+            <p:ph type="title"/>
+          </p:nvPr>
+        </p:nvSpPr>
+        <p:spPr/>
+        <p:txBody>
+          <a:bodyPr/>
+          <a:lstStyle/>
+          <a:p>
+            <a:r>
+              <a:rPr lang="en-US" dirty="0"/>
+              <a:t>Imagine this…</a:t>
+            </a:r>
+          </a:p>
+        </p:txBody>
+      </p:sp>
+      <p:sp>
+        <p:nvSpPr>
+          <p:cNvPr id="3" name="Content Placeholder 2">
+            <a:extLst>
+              <a:ext uri="{FF2B5EF4-FFF2-40B4-BE49-F238E27FC236}">
+                <a16:creationId xmlns:a16="http://schemas.microsoft.com/office/drawing/2014/main" id="{4DD80BBD-7211-9D49-B328-DEB4B817A2F8}"/>
+              </a:ext>
+            </a:extLst>
+          </p:cNvPr>
+          <p:cNvSpPr>
+            <a:spLocks noGrp="1"/>
+          </p:cNvSpPr>
+          <p:nvPr>
+            <p:ph idx="1"/>
+          </p:nvPr>
+        </p:nvSpPr>
+        <p:spPr/>
+        <p:txBody>
+          <a:bodyPr/>
+          <a:lstStyle/>
+          <a:p>
+            <a:r>
+              <a:rPr lang="en-US" dirty="0"/>
+              <a:t>You’ve completed your first smart contract!</a:t>
+            </a:r>
+          </a:p>
+          <a:p>
+            <a:endParaRPr lang="en-US" dirty="0"/>
+          </a:p>
+          <a:p>
+            <a:r>
+              <a:rPr lang="en-US" dirty="0"/>
+              <a:t>Submitted it to Ethereum Main Network</a:t>
+            </a:r>
+          </a:p>
+          <a:p>
+            <a:endParaRPr lang="en-US" dirty="0"/>
+          </a:p>
+          <a:p>
+            <a:r>
+              <a:rPr lang="en-US" dirty="0"/>
+              <a:t>Time to rake in the profits right?</a:t>
+            </a:r>
+          </a:p>
+        </p:txBody>
+      </p:sp>
+    </p:spTree>
+    <p:extLst>
+      <p:ext uri="{BB962C8B-B14F-4D97-AF65-F5344CB8AC3E}">
+        <p14:creationId xmlns:p14="http://schemas.microsoft.com/office/powerpoint/2010/main" val="3002783236"/>
+      </p:ext>
+    </p:extLst>
+  </p:cSld>
+  <p:clrMapOvr>
+    <a:masterClrMapping/>
+  </p:clrMapOvr>
+</p:sld>
+</file>
+
+<file path=ppt/slides/slide5.xml><?xml version="1.0" encoding="utf-8"?>
+<p:sld xmlns:a="http://schemas.openxmlformats.org/drawingml/2006/main" xmlns:r="http://schemas.openxmlformats.org/officeDocument/2006/relationships" xmlns:p="http://schemas.openxmlformats.org/presentationml/2006/main">
+  <p:cSld>
+    <p:bg>
+      <p:bgPr>
+        <a:solidFill>
+          <a:srgbClr val="01294C"/>
+        </a:solidFill>
+        <a:effectLst/>
+      </p:bgPr>
+    </p:bg>
+    <p:spTree>
+      <p:nvGrpSpPr>
+        <p:cNvPr id="1" name=""/>
+        <p:cNvGrpSpPr/>
+        <p:nvPr/>
+      </p:nvGrpSpPr>
+      <p:grpSpPr>
+        <a:xfrm>
+          <a:off x="0" y="0"/>
+          <a:ext cx="0" cy="0"/>
+          <a:chOff x="0" y="0"/>
+          <a:chExt cx="0" cy="0"/>
+        </a:xfrm>
+      </p:grpSpPr>
+      <p:sp>
+        <p:nvSpPr>
+          <p:cNvPr id="2" name="Title 1">
+            <a:extLst>
+              <a:ext uri="{FF2B5EF4-FFF2-40B4-BE49-F238E27FC236}">
+                <a16:creationId xmlns:a16="http://schemas.microsoft.com/office/drawing/2014/main" id="{72E6DD4A-A656-744A-941A-5A9BA00D9CF7}"/>
+              </a:ext>
+            </a:extLst>
+          </p:cNvPr>
+          <p:cNvSpPr>
+            <a:spLocks noGrp="1"/>
+          </p:cNvSpPr>
+          <p:nvPr>
+            <p:ph type="title"/>
+          </p:nvPr>
+        </p:nvSpPr>
+        <p:spPr/>
+        <p:txBody>
+          <a:bodyPr/>
+          <a:lstStyle/>
+          <a:p>
+            <a:r>
+              <a:rPr lang="en-US" dirty="0"/>
+              <a:t>Imagine this…</a:t>
+            </a:r>
+          </a:p>
+        </p:txBody>
+      </p:sp>
+      <p:sp>
+        <p:nvSpPr>
+          <p:cNvPr id="3" name="Content Placeholder 2">
+            <a:extLst>
+              <a:ext uri="{FF2B5EF4-FFF2-40B4-BE49-F238E27FC236}">
+                <a16:creationId xmlns:a16="http://schemas.microsoft.com/office/drawing/2014/main" id="{4DD80BBD-7211-9D49-B328-DEB4B817A2F8}"/>
+              </a:ext>
+            </a:extLst>
+          </p:cNvPr>
+          <p:cNvSpPr>
+            <a:spLocks noGrp="1"/>
+          </p:cNvSpPr>
+          <p:nvPr>
+            <p:ph idx="1"/>
+          </p:nvPr>
+        </p:nvSpPr>
+        <p:spPr/>
+        <p:txBody>
+          <a:bodyPr/>
+          <a:lstStyle/>
+          <a:p>
+            <a:r>
+              <a:rPr lang="en-US" dirty="0"/>
+              <a:t>You’ve completed your first smart contract!</a:t>
+            </a:r>
+          </a:p>
+          <a:p>
+            <a:endParaRPr lang="en-US" dirty="0"/>
+          </a:p>
+          <a:p>
+            <a:r>
+              <a:rPr lang="en-US" dirty="0"/>
+              <a:t>Submitted it to Ethereum Main Network</a:t>
+            </a:r>
+          </a:p>
+          <a:p>
+            <a:endParaRPr lang="en-US" dirty="0"/>
+          </a:p>
+          <a:p>
+            <a:r>
+              <a:rPr lang="en-US" dirty="0"/>
+              <a:t>Time to rake in the profits right?</a:t>
+            </a:r>
+          </a:p>
+          <a:p>
+            <a:endParaRPr lang="en-US" dirty="0"/>
+          </a:p>
+          <a:p>
+            <a:r>
+              <a:rPr lang="en-US" dirty="0"/>
+              <a:t>Wrong!</a:t>
+            </a:r>
+          </a:p>
+        </p:txBody>
+      </p:sp>
+    </p:spTree>
+    <p:extLst>
+      <p:ext uri="{BB962C8B-B14F-4D97-AF65-F5344CB8AC3E}">
+        <p14:creationId xmlns:p14="http://schemas.microsoft.com/office/powerpoint/2010/main" val="1352045195"/>
+      </p:ext>
+    </p:extLst>
+  </p:cSld>
+  <p:clrMapOvr>
+    <a:masterClrMapping/>
+  </p:clrMapOvr>
+</p:sld>
+</file>
+
+<file path=ppt/slides/slide6.xml><?xml version="1.0" encoding="utf-8"?>
+<p:sld xmlns:a="http://schemas.openxmlformats.org/drawingml/2006/main" xmlns:r="http://schemas.openxmlformats.org/officeDocument/2006/relationships" xmlns:p="http://schemas.openxmlformats.org/presentationml/2006/main">
+  <p:cSld>
+    <p:bg>
+      <p:bgPr>
+        <a:solidFill>
+          <a:srgbClr val="01294C"/>
+        </a:solidFill>
+        <a:effectLst/>
+      </p:bgPr>
+    </p:bg>
+    <p:spTree>
+      <p:nvGrpSpPr>
+        <p:cNvPr id="1" name=""/>
+        <p:cNvGrpSpPr/>
+        <p:nvPr/>
+      </p:nvGrpSpPr>
+      <p:grpSpPr>
+        <a:xfrm>
+          <a:off x="0" y="0"/>
+          <a:ext cx="0" cy="0"/>
+          <a:chOff x="0" y="0"/>
+          <a:chExt cx="0" cy="0"/>
+        </a:xfrm>
+      </p:grpSpPr>
+      <p:sp>
+        <p:nvSpPr>
+          <p:cNvPr id="2" name="Title 1">
+            <a:extLst>
+              <a:ext uri="{FF2B5EF4-FFF2-40B4-BE49-F238E27FC236}">
+                <a16:creationId xmlns:a16="http://schemas.microsoft.com/office/drawing/2014/main" id="{72E6DD4A-A656-744A-941A-5A9BA00D9CF7}"/>
+              </a:ext>
+            </a:extLst>
+          </p:cNvPr>
+          <p:cNvSpPr>
+            <a:spLocks noGrp="1"/>
+          </p:cNvSpPr>
+          <p:nvPr>
+            <p:ph type="title"/>
+          </p:nvPr>
+        </p:nvSpPr>
+        <p:spPr/>
+        <p:txBody>
+          <a:bodyPr/>
+          <a:lstStyle/>
+          <a:p>
+            <a:r>
+              <a:rPr lang="en-US" dirty="0"/>
+              <a:t>Imagine this…</a:t>
+            </a:r>
+          </a:p>
+        </p:txBody>
+      </p:sp>
+      <p:sp>
+        <p:nvSpPr>
+          <p:cNvPr id="3" name="Content Placeholder 2">
+            <a:extLst>
+              <a:ext uri="{FF2B5EF4-FFF2-40B4-BE49-F238E27FC236}">
+                <a16:creationId xmlns:a16="http://schemas.microsoft.com/office/drawing/2014/main" id="{4DD80BBD-7211-9D49-B328-DEB4B817A2F8}"/>
+              </a:ext>
+            </a:extLst>
+          </p:cNvPr>
+          <p:cNvSpPr>
+            <a:spLocks noGrp="1"/>
+          </p:cNvSpPr>
+          <p:nvPr>
+            <p:ph idx="1"/>
+          </p:nvPr>
+        </p:nvSpPr>
+        <p:spPr/>
+        <p:txBody>
+          <a:bodyPr/>
+          <a:lstStyle/>
+          <a:p>
+            <a:r>
+              <a:rPr lang="en-US" dirty="0"/>
+              <a:t>You’ve completed your first smart contract!</a:t>
+            </a:r>
+          </a:p>
+          <a:p>
+            <a:endParaRPr lang="en-US" dirty="0"/>
+          </a:p>
+          <a:p>
+            <a:r>
+              <a:rPr lang="en-US" dirty="0"/>
+              <a:t>Submitted it to Ethereum Main Network</a:t>
+            </a:r>
+          </a:p>
+          <a:p>
+            <a:endParaRPr lang="en-US" dirty="0"/>
+          </a:p>
+          <a:p>
+            <a:r>
+              <a:rPr lang="en-US" dirty="0"/>
+              <a:t>Time to rake in the profits right?</a:t>
+            </a:r>
+          </a:p>
+          <a:p>
+            <a:endParaRPr lang="en-US" dirty="0"/>
+          </a:p>
+          <a:p>
+            <a:r>
+              <a:rPr lang="en-US" dirty="0"/>
+              <a:t>Wrong!</a:t>
+            </a:r>
+          </a:p>
+          <a:p>
+            <a:pPr lvl="1"/>
+            <a:r>
+              <a:rPr lang="en-US" dirty="0"/>
+              <a:t>How are user’s going to interact with it and why should they?</a:t>
+            </a:r>
+          </a:p>
+        </p:txBody>
+      </p:sp>
+    </p:spTree>
+    <p:extLst>
+      <p:ext uri="{BB962C8B-B14F-4D97-AF65-F5344CB8AC3E}">
+        <p14:creationId xmlns:p14="http://schemas.microsoft.com/office/powerpoint/2010/main" val="37105580"/>
+      </p:ext>
+    </p:extLst>
+  </p:cSld>
+  <p:clrMapOvr>
+    <a:masterClrMapping/>
+  </p:clrMapOvr>
+</p:sld>
+</file>
+
+<file path=ppt/slides/slide7.xml><?xml version="1.0" encoding="utf-8"?>
+<p:sld xmlns:a="http://schemas.openxmlformats.org/drawingml/2006/main" xmlns:r="http://schemas.openxmlformats.org/officeDocument/2006/relationships" xmlns:p="http://schemas.openxmlformats.org/presentationml/2006/main">
+  <p:cSld>
+    <p:bg>
+      <p:bgPr>
+        <a:solidFill>
+          <a:srgbClr val="01294C"/>
+        </a:solidFill>
+        <a:effectLst/>
+      </p:bgPr>
+    </p:bg>
+    <p:spTree>
+      <p:nvGrpSpPr>
+        <p:cNvPr id="1" name=""/>
+        <p:cNvGrpSpPr/>
+        <p:nvPr/>
+      </p:nvGrpSpPr>
+      <p:grpSpPr>
+        <a:xfrm>
+          <a:off x="0" y="0"/>
+          <a:ext cx="0" cy="0"/>
+          <a:chOff x="0" y="0"/>
+          <a:chExt cx="0" cy="0"/>
+        </a:xfrm>
+      </p:grpSpPr>
+      <p:sp>
+        <p:nvSpPr>
+          <p:cNvPr id="2" name="Title 1">
+            <a:extLst>
+              <a:ext uri="{FF2B5EF4-FFF2-40B4-BE49-F238E27FC236}">
+                <a16:creationId xmlns:a16="http://schemas.microsoft.com/office/drawing/2014/main" id="{A2529C33-DD90-8849-8CED-9241116476BC}"/>
+              </a:ext>
+            </a:extLst>
+          </p:cNvPr>
+          <p:cNvSpPr>
+            <a:spLocks noGrp="1"/>
+          </p:cNvSpPr>
+          <p:nvPr>
+            <p:ph type="title"/>
+          </p:nvPr>
+        </p:nvSpPr>
+        <p:spPr>
+          <a:xfrm>
+            <a:off x="535020" y="685800"/>
+            <a:ext cx="2780271" cy="5105400"/>
+          </a:xfrm>
+        </p:spPr>
+        <p:txBody>
+          <a:bodyPr>
+            <a:normAutofit/>
+          </a:bodyPr>
+          <a:lstStyle/>
+          <a:p>
+            <a:pPr algn="r"/>
+            <a:r>
+              <a:rPr lang="en-US" sz="4000" dirty="0">
+                <a:solidFill>
+                  <a:srgbClr val="FFFFFF"/>
+                </a:solidFill>
+              </a:rPr>
+              <a:t>Workshop</a:t>
+            </a:r>
+            <a:br>
+              <a:rPr lang="en-US" sz="4000" dirty="0">
+                <a:solidFill>
+                  <a:srgbClr val="FFFFFF"/>
+                </a:solidFill>
+              </a:rPr>
+            </a:br>
+            <a:r>
+              <a:rPr lang="en-US" sz="4000" dirty="0">
+                <a:solidFill>
+                  <a:srgbClr val="FFFFFF"/>
+                </a:solidFill>
+              </a:rPr>
+              <a:t>Roadmap</a:t>
+            </a:r>
+          </a:p>
+        </p:txBody>
+      </p:sp>
+      <p:graphicFrame>
+        <p:nvGraphicFramePr>
+          <p:cNvPr id="5" name="Content Placeholder 2">
+            <a:extLst>
+              <a:ext uri="{FF2B5EF4-FFF2-40B4-BE49-F238E27FC236}">
+                <a16:creationId xmlns:a16="http://schemas.microsoft.com/office/drawing/2014/main" id="{61ED2452-9A7D-41AE-B041-05142380FA0A}"/>
+              </a:ext>
+            </a:extLst>
+          </p:cNvPr>
+          <p:cNvGraphicFramePr>
+            <a:graphicFrameLocks noGrp="1"/>
+          </p:cNvGraphicFramePr>
+          <p:nvPr>
+            <p:ph idx="1"/>
+            <p:extLst>
+              <p:ext uri="{D42A27DB-BD31-4B8C-83A1-F6EECF244321}">
+                <p14:modId xmlns:p14="http://schemas.microsoft.com/office/powerpoint/2010/main" val="3504780704"/>
+              </p:ext>
+            </p:extLst>
+          </p:nvPr>
+        </p:nvGraphicFramePr>
+        <p:xfrm>
+          <a:off x="5010150" y="685800"/>
+          <a:ext cx="6492875" cy="5105400"/>
+        </p:xfrm>
+        <a:graphic>
+          <a:graphicData uri="http://schemas.openxmlformats.org/drawingml/2006/diagram">
+            <dgm:relIds xmlns:dgm="http://schemas.openxmlformats.org/drawingml/2006/diagram" xmlns:r="http://schemas.openxmlformats.org/officeDocument/2006/relationships" r:dm="rId2" r:lo="rId3" r:qs="rId4" r:cs="rId5"/>
+          </a:graphicData>
+        </a:graphic>
+      </p:graphicFrame>
+    </p:spTree>
+    <p:extLst>
+      <p:ext uri="{BB962C8B-B14F-4D97-AF65-F5344CB8AC3E}">
+        <p14:creationId xmlns:p14="http://schemas.microsoft.com/office/powerpoint/2010/main" val="2942190489"/>
+      </p:ext>
+    </p:extLst>
+  </p:cSld>
+  <p:clrMapOvr>
+    <a:masterClrMapping/>
+  </p:clrMapOvr>
+</p:sld>
+</file>
+
+<file path=ppt/slides/slide8.xml><?xml version="1.0" encoding="utf-8"?>
+<p:sld xmlns:a="http://schemas.openxmlformats.org/drawingml/2006/main" xmlns:r="http://schemas.openxmlformats.org/officeDocument/2006/relationships" xmlns:p="http://schemas.openxmlformats.org/presentationml/2006/main">
+  <p:cSld>
+    <p:bg>
+      <p:bgPr>
+        <a:solidFill>
+          <a:srgbClr val="01294C"/>
+        </a:solidFill>
+        <a:effectLst/>
+      </p:bgPr>
+    </p:bg>
+    <p:spTree>
+      <p:nvGrpSpPr>
+        <p:cNvPr id="1" name=""/>
+        <p:cNvGrpSpPr/>
+        <p:nvPr/>
+      </p:nvGrpSpPr>
+      <p:grpSpPr>
+        <a:xfrm>
+          <a:off x="0" y="0"/>
+          <a:ext cx="0" cy="0"/>
+          <a:chOff x="0" y="0"/>
+          <a:chExt cx="0" cy="0"/>
+        </a:xfrm>
+      </p:grpSpPr>
+      <p:sp>
+        <p:nvSpPr>
+          <p:cNvPr id="2" name="Title 1">
+            <a:extLst>
+              <a:ext uri="{FF2B5EF4-FFF2-40B4-BE49-F238E27FC236}">
+                <a16:creationId xmlns:a16="http://schemas.microsoft.com/office/drawing/2014/main" id="{CF37B1B1-8935-544A-BBD6-E56405106B5A}"/>
+              </a:ext>
+            </a:extLst>
+          </p:cNvPr>
+          <p:cNvSpPr>
+            <a:spLocks noGrp="1"/>
+          </p:cNvSpPr>
+          <p:nvPr>
+            <p:ph type="title"/>
+          </p:nvPr>
+        </p:nvSpPr>
+        <p:spPr/>
+        <p:txBody>
+          <a:bodyPr/>
+          <a:lstStyle/>
+          <a:p>
+            <a:r>
+              <a:rPr lang="en-US" dirty="0"/>
+              <a:t>Ethereum Smart Contracts</a:t>
+            </a:r>
+          </a:p>
+        </p:txBody>
+      </p:sp>
+      <p:sp>
+        <p:nvSpPr>
+          <p:cNvPr id="3" name="Content Placeholder 2">
+            <a:extLst>
+              <a:ext uri="{FF2B5EF4-FFF2-40B4-BE49-F238E27FC236}">
+                <a16:creationId xmlns:a16="http://schemas.microsoft.com/office/drawing/2014/main" id="{43187B6E-715E-8543-B867-3FB14DBD7EA4}"/>
+              </a:ext>
+            </a:extLst>
+          </p:cNvPr>
+          <p:cNvSpPr>
+            <a:spLocks noGrp="1"/>
+          </p:cNvSpPr>
+          <p:nvPr>
+            <p:ph idx="1"/>
+          </p:nvPr>
+        </p:nvSpPr>
+        <p:spPr/>
+        <p:txBody>
+          <a:bodyPr/>
+          <a:lstStyle/>
+          <a:p>
+            <a:r>
+              <a:rPr lang="en-US" dirty="0"/>
+              <a:t>Coding language – Solidity</a:t>
+            </a:r>
+          </a:p>
+          <a:p>
+            <a:endParaRPr lang="en-US" dirty="0"/>
+          </a:p>
+          <a:p>
+            <a:r>
+              <a:rPr lang="en-US" dirty="0"/>
+              <a:t>Efficiency is paramount</a:t>
+            </a:r>
+          </a:p>
+          <a:p>
+            <a:pPr lvl="1"/>
+            <a:r>
+              <a:rPr lang="en-US" dirty="0"/>
+              <a:t>Every unneeded instruction is costly</a:t>
+            </a:r>
+          </a:p>
+          <a:p>
+            <a:pPr lvl="1"/>
+            <a:endParaRPr lang="en-US" dirty="0"/>
+          </a:p>
+          <a:p>
+            <a:r>
+              <a:rPr lang="en-US" dirty="0"/>
+              <a:t>Think of Ethereum as a Database</a:t>
+            </a:r>
+          </a:p>
+          <a:p>
+            <a:pPr lvl="1"/>
+            <a:endParaRPr lang="en-US" dirty="0"/>
+          </a:p>
+        </p:txBody>
+      </p:sp>
+    </p:spTree>
+    <p:extLst>
+      <p:ext uri="{BB962C8B-B14F-4D97-AF65-F5344CB8AC3E}">
+        <p14:creationId xmlns:p14="http://schemas.microsoft.com/office/powerpoint/2010/main" val="1561898681"/>
+      </p:ext>
+    </p:extLst>
+  </p:cSld>
+  <p:clrMapOvr>
+    <a:masterClrMapping/>
+  </p:clrMapOvr>
+</p:sld>
+</file>
+
+<file path=ppt/slides/slide9.xml><?xml version="1.0" encoding="utf-8"?>
+<p:sld xmlns:a="http://schemas.openxmlformats.org/drawingml/2006/main" xmlns:r="http://schemas.openxmlformats.org/officeDocument/2006/relationships" xmlns:p="http://schemas.openxmlformats.org/presentationml/2006/main">
+  <p:cSld>
+    <p:bg>
+      <p:bgPr>
+        <a:solidFill>
+          <a:srgbClr val="01294C"/>
+        </a:solidFill>
+        <a:effectLst/>
+      </p:bgPr>
+    </p:bg>
+    <p:spTree>
+      <p:nvGrpSpPr>
+        <p:cNvPr id="1" name=""/>
+        <p:cNvGrpSpPr/>
+        <p:nvPr/>
+      </p:nvGrpSpPr>
+      <p:grpSpPr>
+        <a:xfrm>
+          <a:off x="0" y="0"/>
+          <a:ext cx="0" cy="0"/>
+          <a:chOff x="0" y="0"/>
+          <a:chExt cx="0" cy="0"/>
+        </a:xfrm>
+      </p:grpSpPr>
+      <p:sp>
+        <p:nvSpPr>
+          <p:cNvPr id="2" name="Title 1">
+            <a:extLst>
+              <a:ext uri="{FF2B5EF4-FFF2-40B4-BE49-F238E27FC236}">
+                <a16:creationId xmlns:a16="http://schemas.microsoft.com/office/drawing/2014/main" id="{3C4552BF-2F2D-2F43-8418-C8CCACE77765}"/>
+              </a:ext>
+            </a:extLst>
+          </p:cNvPr>
+          <p:cNvSpPr>
+            <a:spLocks noGrp="1"/>
+          </p:cNvSpPr>
+          <p:nvPr>
+            <p:ph type="title"/>
+          </p:nvPr>
+        </p:nvSpPr>
+        <p:spPr/>
+        <p:txBody>
+          <a:bodyPr/>
+          <a:lstStyle/>
+          <a:p>
+            <a:r>
+              <a:rPr lang="en-US" dirty="0"/>
+              <a:t>Smart Contracts Require Trust</a:t>
+            </a:r>
+          </a:p>
+        </p:txBody>
+      </p:sp>
+      <p:sp>
+        <p:nvSpPr>
+          <p:cNvPr id="3" name="Content Placeholder 2">
+            <a:extLst>
+              <a:ext uri="{FF2B5EF4-FFF2-40B4-BE49-F238E27FC236}">
+                <a16:creationId xmlns:a16="http://schemas.microsoft.com/office/drawing/2014/main" id="{02B25C0D-EFFA-E943-87D0-2F2353A78348}"/>
+              </a:ext>
+            </a:extLst>
+          </p:cNvPr>
+          <p:cNvSpPr>
+            <a:spLocks noGrp="1"/>
+          </p:cNvSpPr>
+          <p:nvPr>
+            <p:ph idx="1"/>
+          </p:nvPr>
+        </p:nvSpPr>
+        <p:spPr/>
+        <p:txBody>
+          <a:bodyPr/>
+          <a:lstStyle/>
+          <a:p>
+            <a:r>
+              <a:rPr lang="en-US" dirty="0"/>
+              <a:t>Smart contracts should be:</a:t>
+            </a:r>
+          </a:p>
+          <a:p>
+            <a:pPr lvl="1"/>
+            <a:r>
+              <a:rPr lang="en-US" dirty="0"/>
+              <a:t>Open source</a:t>
+            </a:r>
+          </a:p>
+          <a:p>
+            <a:pPr lvl="1"/>
+            <a:endParaRPr lang="en-US" dirty="0"/>
+          </a:p>
+          <a:p>
+            <a:pPr lvl="1"/>
+            <a:r>
+              <a:rPr lang="en-US" dirty="0"/>
+              <a:t>Heavily tested and validated</a:t>
+            </a:r>
+          </a:p>
+          <a:p>
+            <a:pPr lvl="1"/>
+            <a:endParaRPr lang="en-US" dirty="0"/>
+          </a:p>
+          <a:p>
+            <a:pPr lvl="1"/>
+            <a:r>
+              <a:rPr lang="en-US" dirty="0"/>
+              <a:t>Shared with the community and reused by others</a:t>
+            </a:r>
+          </a:p>
+          <a:p>
+            <a:pPr lvl="1"/>
+            <a:endParaRPr lang="en-US" dirty="0"/>
+          </a:p>
+          <a:p>
+            <a:pPr lvl="1"/>
+            <a:r>
+              <a:rPr lang="en-US" dirty="0"/>
+              <a:t>Only changeable if community is aware and approves of the change</a:t>
+            </a:r>
+          </a:p>
+          <a:p>
+            <a:pPr lvl="1"/>
+            <a:endParaRPr lang="en-US" dirty="0"/>
+          </a:p>
+          <a:p>
+            <a:r>
+              <a:rPr lang="en-US" dirty="0"/>
+              <a:t>Do not be concerned with protecting the code of a smart contract</a:t>
+            </a:r>
+          </a:p>
+          <a:p>
+            <a:pPr marL="457200" lvl="1" indent="0">
+              <a:buNone/>
+            </a:pPr>
+            <a:endParaRPr lang="en-US" dirty="0"/>
+          </a:p>
+        </p:txBody>
+      </p:sp>
+    </p:spTree>
+    <p:extLst>
+      <p:ext uri="{BB962C8B-B14F-4D97-AF65-F5344CB8AC3E}">
+        <p14:creationId xmlns:p14="http://schemas.microsoft.com/office/powerpoint/2010/main" val="2831478192"/>
       </p:ext>
     </p:extLst>
   </p:cSld>

--- a/presentation/Workshop_12_2_18.pptx
+++ b/presentation/Workshop_12_2_18.pptx
@@ -1064,7 +1064,7 @@
         <a:lstStyle/>
         <a:p>
           <a:r>
-            <a:rPr lang="en-US"/>
+            <a:rPr lang="en-US" dirty="0"/>
             <a:t>Overview of Ethereum smart contracts</a:t>
           </a:r>
         </a:p>
@@ -1100,7 +1100,7 @@
         <a:lstStyle/>
         <a:p>
           <a:r>
-            <a:rPr lang="en-US"/>
+            <a:rPr lang="en-US" dirty="0"/>
             <a:t>How to add value with front-end integration</a:t>
           </a:r>
         </a:p>
@@ -1137,13 +1137,8 @@
         <a:p>
           <a:r>
             <a:rPr lang="en-US" dirty="0"/>
-            <a:t>Deep dive into example </a:t>
+            <a:t>Deep dive into example dApp</a:t>
           </a:r>
-          <a:r>
-            <a:rPr lang="en-US" dirty="0" err="1"/>
-            <a:t>dApp</a:t>
-          </a:r>
-          <a:endParaRPr lang="en-US" dirty="0"/>
         </a:p>
       </dgm:t>
     </dgm:pt>
@@ -1214,15 +1209,7 @@
         <a:p>
           <a:r>
             <a:rPr lang="en-US" dirty="0"/>
-            <a:t>Brainstorming of </a:t>
-          </a:r>
-          <a:r>
-            <a:rPr lang="en-US" dirty="0" err="1"/>
-            <a:t>dApp</a:t>
-          </a:r>
-          <a:r>
-            <a:rPr lang="en-US" dirty="0"/>
-            <a:t> ideas and technical setup</a:t>
+            <a:t>Brainstorming of dApp ideas and technical setup</a:t>
           </a:r>
         </a:p>
       </dgm:t>
@@ -1294,15 +1281,7 @@
         <a:p>
           <a:r>
             <a:rPr lang="en-US" dirty="0"/>
-            <a:t>Presentations of </a:t>
-          </a:r>
-          <a:r>
-            <a:rPr lang="en-US" dirty="0" err="1"/>
-            <a:t>dApp</a:t>
-          </a:r>
-          <a:r>
-            <a:rPr lang="en-US" dirty="0"/>
-            <a:t> ideas</a:t>
+            <a:t>Presentations of dApp ideas</a:t>
           </a:r>
         </a:p>
       </dgm:t>
@@ -1673,7 +1652,7 @@
             <a:buNone/>
           </a:pPr>
           <a:r>
-            <a:rPr lang="en-US" sz="2500" kern="1200"/>
+            <a:rPr lang="en-US" sz="2500" kern="1200" dirty="0"/>
             <a:t>Overview of Ethereum smart contracts</a:t>
           </a:r>
         </a:p>
@@ -1783,7 +1762,7 @@
             <a:buNone/>
           </a:pPr>
           <a:r>
-            <a:rPr lang="en-US" sz="2500" kern="1200"/>
+            <a:rPr lang="en-US" sz="2500" kern="1200" dirty="0"/>
             <a:t>How to add value with front-end integration</a:t>
           </a:r>
         </a:p>
@@ -1894,13 +1873,8 @@
           </a:pPr>
           <a:r>
             <a:rPr lang="en-US" sz="2500" kern="1200" dirty="0"/>
-            <a:t>Deep dive into example </a:t>
+            <a:t>Deep dive into example dApp</a:t>
           </a:r>
-          <a:r>
-            <a:rPr lang="en-US" sz="2500" kern="1200" dirty="0" err="1"/>
-            <a:t>dApp</a:t>
-          </a:r>
-          <a:endParaRPr lang="en-US" sz="2500" kern="1200" dirty="0"/>
         </a:p>
       </dsp:txBody>
       <dsp:txXfrm>
@@ -2119,15 +2093,7 @@
           </a:pPr>
           <a:r>
             <a:rPr lang="en-US" sz="2500" kern="1200" dirty="0"/>
-            <a:t>Brainstorming of </a:t>
-          </a:r>
-          <a:r>
-            <a:rPr lang="en-US" sz="2500" kern="1200" dirty="0" err="1"/>
-            <a:t>dApp</a:t>
-          </a:r>
-          <a:r>
-            <a:rPr lang="en-US" sz="2500" kern="1200" dirty="0"/>
-            <a:t> ideas and technical setup</a:t>
+            <a:t>Brainstorming of dApp ideas and technical setup</a:t>
           </a:r>
         </a:p>
       </dsp:txBody>
@@ -2347,15 +2313,7 @@
           </a:pPr>
           <a:r>
             <a:rPr lang="en-US" sz="2500" kern="1200" dirty="0"/>
-            <a:t>Presentations of </a:t>
-          </a:r>
-          <a:r>
-            <a:rPr lang="en-US" sz="2500" kern="1200" dirty="0" err="1"/>
-            <a:t>dApp</a:t>
-          </a:r>
-          <a:r>
-            <a:rPr lang="en-US" sz="2500" kern="1200" dirty="0"/>
-            <a:t> ideas</a:t>
+            <a:t>Presentations of dApp ideas</a:t>
           </a:r>
         </a:p>
       </dsp:txBody>
@@ -4111,7 +4069,7 @@
               <a:rPr lang="en-US" smtClean="0"/>
               <a:t>12/1/18</a:t>
             </a:fld>
-            <a:endParaRPr lang="en-US"/>
+            <a:endParaRPr lang="en-US" dirty="0"/>
           </a:p>
         </p:txBody>
       </p:sp>
@@ -4130,7 +4088,7 @@
           <a:bodyPr/>
           <a:lstStyle/>
           <a:p>
-            <a:endParaRPr lang="en-US"/>
+            <a:endParaRPr lang="en-US" dirty="0"/>
           </a:p>
         </p:txBody>
       </p:sp>
@@ -4153,7 +4111,7 @@
               <a:rPr lang="en-US" smtClean="0"/>
               <a:t>‹#›</a:t>
             </a:fld>
-            <a:endParaRPr lang="en-US"/>
+            <a:endParaRPr lang="en-US" dirty="0"/>
           </a:p>
         </p:txBody>
       </p:sp>
@@ -4281,7 +4239,7 @@
               <a:rPr lang="en-US" smtClean="0"/>
               <a:t>12/1/18</a:t>
             </a:fld>
-            <a:endParaRPr lang="en-US"/>
+            <a:endParaRPr lang="en-US" dirty="0"/>
           </a:p>
         </p:txBody>
       </p:sp>
@@ -4300,7 +4258,7 @@
           <a:bodyPr/>
           <a:lstStyle/>
           <a:p>
-            <a:endParaRPr lang="en-US"/>
+            <a:endParaRPr lang="en-US" dirty="0"/>
           </a:p>
         </p:txBody>
       </p:sp>
@@ -4323,7 +4281,7 @@
               <a:rPr lang="en-US" smtClean="0"/>
               <a:t>‹#›</a:t>
             </a:fld>
-            <a:endParaRPr lang="en-US"/>
+            <a:endParaRPr lang="en-US" dirty="0"/>
           </a:p>
         </p:txBody>
       </p:sp>
@@ -4461,7 +4419,7 @@
               <a:rPr lang="en-US" smtClean="0"/>
               <a:t>12/1/18</a:t>
             </a:fld>
-            <a:endParaRPr lang="en-US"/>
+            <a:endParaRPr lang="en-US" dirty="0"/>
           </a:p>
         </p:txBody>
       </p:sp>
@@ -4480,7 +4438,7 @@
           <a:bodyPr/>
           <a:lstStyle/>
           <a:p>
-            <a:endParaRPr lang="en-US"/>
+            <a:endParaRPr lang="en-US" dirty="0"/>
           </a:p>
         </p:txBody>
       </p:sp>
@@ -4503,7 +4461,7 @@
               <a:rPr lang="en-US" smtClean="0"/>
               <a:t>‹#›</a:t>
             </a:fld>
-            <a:endParaRPr lang="en-US"/>
+            <a:endParaRPr lang="en-US" dirty="0"/>
           </a:p>
         </p:txBody>
       </p:sp>
@@ -4631,7 +4589,7 @@
               <a:rPr lang="en-US" smtClean="0"/>
               <a:t>12/1/18</a:t>
             </a:fld>
-            <a:endParaRPr lang="en-US"/>
+            <a:endParaRPr lang="en-US" dirty="0"/>
           </a:p>
         </p:txBody>
       </p:sp>
@@ -4650,7 +4608,7 @@
           <a:bodyPr/>
           <a:lstStyle/>
           <a:p>
-            <a:endParaRPr lang="en-US"/>
+            <a:endParaRPr lang="en-US" dirty="0"/>
           </a:p>
         </p:txBody>
       </p:sp>
@@ -4673,7 +4631,7 @@
               <a:rPr lang="en-US" smtClean="0"/>
               <a:t>‹#›</a:t>
             </a:fld>
-            <a:endParaRPr lang="en-US"/>
+            <a:endParaRPr lang="en-US" dirty="0"/>
           </a:p>
         </p:txBody>
       </p:sp>
@@ -4877,7 +4835,7 @@
               <a:rPr lang="en-US" smtClean="0"/>
               <a:t>12/1/18</a:t>
             </a:fld>
-            <a:endParaRPr lang="en-US"/>
+            <a:endParaRPr lang="en-US" dirty="0"/>
           </a:p>
         </p:txBody>
       </p:sp>
@@ -4896,7 +4854,7 @@
           <a:bodyPr/>
           <a:lstStyle/>
           <a:p>
-            <a:endParaRPr lang="en-US"/>
+            <a:endParaRPr lang="en-US" dirty="0"/>
           </a:p>
         </p:txBody>
       </p:sp>
@@ -4919,7 +4877,7 @@
               <a:rPr lang="en-US" smtClean="0"/>
               <a:t>‹#›</a:t>
             </a:fld>
-            <a:endParaRPr lang="en-US"/>
+            <a:endParaRPr lang="en-US" dirty="0"/>
           </a:p>
         </p:txBody>
       </p:sp>
@@ -5109,7 +5067,7 @@
               <a:rPr lang="en-US" smtClean="0"/>
               <a:t>12/1/18</a:t>
             </a:fld>
-            <a:endParaRPr lang="en-US"/>
+            <a:endParaRPr lang="en-US" dirty="0"/>
           </a:p>
         </p:txBody>
       </p:sp>
@@ -5128,7 +5086,7 @@
           <a:bodyPr/>
           <a:lstStyle/>
           <a:p>
-            <a:endParaRPr lang="en-US"/>
+            <a:endParaRPr lang="en-US" dirty="0"/>
           </a:p>
         </p:txBody>
       </p:sp>
@@ -5151,7 +5109,7 @@
               <a:rPr lang="en-US" smtClean="0"/>
               <a:t>‹#›</a:t>
             </a:fld>
-            <a:endParaRPr lang="en-US"/>
+            <a:endParaRPr lang="en-US" dirty="0"/>
           </a:p>
         </p:txBody>
       </p:sp>
@@ -5476,7 +5434,7 @@
               <a:rPr lang="en-US" smtClean="0"/>
               <a:t>12/1/18</a:t>
             </a:fld>
-            <a:endParaRPr lang="en-US"/>
+            <a:endParaRPr lang="en-US" dirty="0"/>
           </a:p>
         </p:txBody>
       </p:sp>
@@ -5495,7 +5453,7 @@
           <a:bodyPr/>
           <a:lstStyle/>
           <a:p>
-            <a:endParaRPr lang="en-US"/>
+            <a:endParaRPr lang="en-US" dirty="0"/>
           </a:p>
         </p:txBody>
       </p:sp>
@@ -5518,7 +5476,7 @@
               <a:rPr lang="en-US" smtClean="0"/>
               <a:t>‹#›</a:t>
             </a:fld>
-            <a:endParaRPr lang="en-US"/>
+            <a:endParaRPr lang="en-US" dirty="0"/>
           </a:p>
         </p:txBody>
       </p:sp>
@@ -5594,7 +5552,7 @@
               <a:rPr lang="en-US" smtClean="0"/>
               <a:t>12/1/18</a:t>
             </a:fld>
-            <a:endParaRPr lang="en-US"/>
+            <a:endParaRPr lang="en-US" dirty="0"/>
           </a:p>
         </p:txBody>
       </p:sp>
@@ -5613,7 +5571,7 @@
           <a:bodyPr/>
           <a:lstStyle/>
           <a:p>
-            <a:endParaRPr lang="en-US"/>
+            <a:endParaRPr lang="en-US" dirty="0"/>
           </a:p>
         </p:txBody>
       </p:sp>
@@ -5636,7 +5594,7 @@
               <a:rPr lang="en-US" smtClean="0"/>
               <a:t>‹#›</a:t>
             </a:fld>
-            <a:endParaRPr lang="en-US"/>
+            <a:endParaRPr lang="en-US" dirty="0"/>
           </a:p>
         </p:txBody>
       </p:sp>
@@ -5689,7 +5647,7 @@
               <a:rPr lang="en-US" smtClean="0"/>
               <a:t>12/1/18</a:t>
             </a:fld>
-            <a:endParaRPr lang="en-US"/>
+            <a:endParaRPr lang="en-US" dirty="0"/>
           </a:p>
         </p:txBody>
       </p:sp>
@@ -5708,7 +5666,7 @@
           <a:bodyPr/>
           <a:lstStyle/>
           <a:p>
-            <a:endParaRPr lang="en-US"/>
+            <a:endParaRPr lang="en-US" dirty="0"/>
           </a:p>
         </p:txBody>
       </p:sp>
@@ -5731,7 +5689,7 @@
               <a:rPr lang="en-US" smtClean="0"/>
               <a:t>‹#›</a:t>
             </a:fld>
-            <a:endParaRPr lang="en-US"/>
+            <a:endParaRPr lang="en-US" dirty="0"/>
           </a:p>
         </p:txBody>
       </p:sp>
@@ -5966,7 +5924,7 @@
               <a:rPr lang="en-US" smtClean="0"/>
               <a:t>12/1/18</a:t>
             </a:fld>
-            <a:endParaRPr lang="en-US"/>
+            <a:endParaRPr lang="en-US" dirty="0"/>
           </a:p>
         </p:txBody>
       </p:sp>
@@ -5985,7 +5943,7 @@
           <a:bodyPr/>
           <a:lstStyle/>
           <a:p>
-            <a:endParaRPr lang="en-US"/>
+            <a:endParaRPr lang="en-US" dirty="0"/>
           </a:p>
         </p:txBody>
       </p:sp>
@@ -6008,7 +5966,7 @@
               <a:rPr lang="en-US" smtClean="0"/>
               <a:t>‹#›</a:t>
             </a:fld>
-            <a:endParaRPr lang="en-US"/>
+            <a:endParaRPr lang="en-US" dirty="0"/>
           </a:p>
         </p:txBody>
       </p:sp>
@@ -6132,10 +6090,9 @@
           </a:lstStyle>
           <a:p>
             <a:r>
-              <a:rPr lang="en-US"/>
+              <a:rPr lang="en-US" dirty="0"/>
               <a:t>Click icon to add picture</a:t>
             </a:r>
-            <a:endParaRPr lang="en-US" dirty="0"/>
           </a:p>
         </p:txBody>
       </p:sp>
@@ -6223,7 +6180,7 @@
               <a:rPr lang="en-US" smtClean="0"/>
               <a:t>12/1/18</a:t>
             </a:fld>
-            <a:endParaRPr lang="en-US"/>
+            <a:endParaRPr lang="en-US" dirty="0"/>
           </a:p>
         </p:txBody>
       </p:sp>
@@ -6242,7 +6199,7 @@
           <a:bodyPr/>
           <a:lstStyle/>
           <a:p>
-            <a:endParaRPr lang="en-US"/>
+            <a:endParaRPr lang="en-US" dirty="0"/>
           </a:p>
         </p:txBody>
       </p:sp>
@@ -6265,7 +6222,7 @@
               <a:rPr lang="en-US" smtClean="0"/>
               <a:t>‹#›</a:t>
             </a:fld>
-            <a:endParaRPr lang="en-US"/>
+            <a:endParaRPr lang="en-US" dirty="0"/>
           </a:p>
         </p:txBody>
       </p:sp>
@@ -6436,7 +6393,7 @@
               <a:rPr lang="en-US" smtClean="0"/>
               <a:t>12/1/18</a:t>
             </a:fld>
-            <a:endParaRPr lang="en-US"/>
+            <a:endParaRPr lang="en-US" dirty="0"/>
           </a:p>
         </p:txBody>
       </p:sp>
@@ -6473,7 +6430,7 @@
             </a:lvl1pPr>
           </a:lstStyle>
           <a:p>
-            <a:endParaRPr lang="en-US"/>
+            <a:endParaRPr lang="en-US" dirty="0"/>
           </a:p>
         </p:txBody>
       </p:sp>
@@ -6514,7 +6471,7 @@
               <a:rPr lang="en-US" smtClean="0"/>
               <a:t>‹#›</a:t>
             </a:fld>
-            <a:endParaRPr lang="en-US"/>
+            <a:endParaRPr lang="en-US" dirty="0"/>
           </a:p>
         </p:txBody>
       </p:sp>
@@ -6948,7 +6905,7 @@
                   <a:srgbClr val="FFFFFF"/>
                 </a:solidFill>
               </a:rPr>
-              <a:t>By: Robert Tanniru – Co-Founder of DEC Gaming</a:t>
+              <a:t>By: Robert Tanniru – Co-Founder of 	       Gaming</a:t>
             </a:r>
           </a:p>
         </p:txBody>
@@ -6986,6 +6943,38 @@
               <a:srgbClr val="01294C"/>
             </a:solidFill>
           </a:ln>
+        </p:spPr>
+      </p:pic>
+      <p:pic>
+        <p:nvPicPr>
+          <p:cNvPr id="5" name="Picture 4">
+            <a:extLst>
+              <a:ext uri="{FF2B5EF4-FFF2-40B4-BE49-F238E27FC236}">
+                <a16:creationId xmlns:a16="http://schemas.microsoft.com/office/drawing/2014/main" id="{C65DAFC7-715C-BB4B-91EC-4F00B9EDEF46}"/>
+              </a:ext>
+            </a:extLst>
+          </p:cNvPr>
+          <p:cNvPicPr>
+            <a:picLocks noChangeAspect="1"/>
+          </p:cNvPicPr>
+          <p:nvPr/>
+        </p:nvPicPr>
+        <p:blipFill>
+          <a:blip r:embed="rId3">
+            <a:lum bright="70000" contrast="-70000"/>
+          </a:blip>
+          <a:stretch>
+            <a:fillRect/>
+          </a:stretch>
+        </p:blipFill>
+        <p:spPr>
+          <a:xfrm>
+            <a:off x="9782478" y="4509258"/>
+            <a:ext cx="490884" cy="490884"/>
+          </a:xfrm>
+          <a:prstGeom prst="rect">
+            <a:avLst/>
+          </a:prstGeom>
         </p:spPr>
       </p:pic>
     </p:spTree>
@@ -7246,13 +7235,8 @@
             <a:pPr lvl="1"/>
             <a:r>
               <a:rPr lang="en-US" sz="2800" dirty="0"/>
-              <a:t>Integration with other </a:t>
-            </a:r>
-            <a:r>
-              <a:rPr lang="en-US" sz="2800" dirty="0" err="1"/>
-              <a:t>dApps</a:t>
-            </a:r>
-            <a:endParaRPr lang="en-US" sz="2800" dirty="0"/>
+              <a:t>Integration with other dApps</a:t>
+            </a:r>
           </a:p>
           <a:p>
             <a:pPr lvl="1"/>
@@ -7261,15 +7245,7 @@
           <a:p>
             <a:r>
               <a:rPr lang="en-US" sz="3200" dirty="0"/>
-              <a:t>Front-end code is integral to a successful </a:t>
-            </a:r>
-            <a:r>
-              <a:rPr lang="en-US" sz="3200" dirty="0" err="1"/>
-              <a:t>dApp</a:t>
-            </a:r>
-            <a:r>
-              <a:rPr lang="en-US" sz="3200" dirty="0"/>
-              <a:t>.</a:t>
+              <a:t>Front-end code is integral to a successful dApp.</a:t>
             </a:r>
           </a:p>
         </p:txBody>
@@ -7349,10 +7325,9 @@
               <a:rPr lang="en-US" sz="4800" u="sng" dirty="0"/>
             </a:br>
             <a:r>
-              <a:rPr lang="en-US" sz="4800" dirty="0" err="1"/>
+              <a:rPr lang="en-US" sz="4800" dirty="0"/>
               <a:t>CryptoSquiggles</a:t>
             </a:r>
-            <a:endParaRPr lang="en-US" sz="4800" dirty="0"/>
           </a:p>
         </p:txBody>
       </p:sp>
@@ -8302,7 +8277,14 @@
           </a:p>
           <a:p>
             <a:pPr lvl="1"/>
-            <a:endParaRPr lang="en-US" dirty="0"/>
+            <a:r>
+              <a:rPr lang="en-US" dirty="0"/>
+              <a:t>Main functions: create, read, update, </a:t>
+            </a:r>
+            <a:r>
+              <a:rPr lang="en-US" i="1" dirty="0"/>
+              <a:t>delete</a:t>
+            </a:r>
           </a:p>
         </p:txBody>
       </p:sp>
